--- a/PRACTICA ETBS/Modelo principal Clase/Desde diafragmas.pptx
+++ b/PRACTICA ETBS/Modelo principal Clase/Desde diafragmas.pptx
@@ -12,85 +12,86 @@
     <p:sldId id="258" r:id="rId6"/>
     <p:sldId id="259" r:id="rId7"/>
     <p:sldId id="260" r:id="rId8"/>
-    <p:sldId id="266" r:id="rId9"/>
-    <p:sldId id="267" r:id="rId10"/>
-    <p:sldId id="268" r:id="rId11"/>
-    <p:sldId id="269" r:id="rId12"/>
-    <p:sldId id="270" r:id="rId13"/>
-    <p:sldId id="271" r:id="rId14"/>
-    <p:sldId id="272" r:id="rId15"/>
-    <p:sldId id="273" r:id="rId16"/>
-    <p:sldId id="274" r:id="rId17"/>
-    <p:sldId id="275" r:id="rId18"/>
-    <p:sldId id="261" r:id="rId19"/>
-    <p:sldId id="262" r:id="rId20"/>
-    <p:sldId id="263" r:id="rId21"/>
-    <p:sldId id="276" r:id="rId22"/>
-    <p:sldId id="277" r:id="rId23"/>
-    <p:sldId id="278" r:id="rId24"/>
-    <p:sldId id="279" r:id="rId25"/>
-    <p:sldId id="280" r:id="rId26"/>
-    <p:sldId id="281" r:id="rId27"/>
-    <p:sldId id="282" r:id="rId28"/>
-    <p:sldId id="283" r:id="rId29"/>
-    <p:sldId id="284" r:id="rId30"/>
-    <p:sldId id="285" r:id="rId31"/>
-    <p:sldId id="320" r:id="rId32"/>
-    <p:sldId id="286" r:id="rId33"/>
-    <p:sldId id="287" r:id="rId34"/>
-    <p:sldId id="288" r:id="rId35"/>
-    <p:sldId id="289" r:id="rId36"/>
-    <p:sldId id="295" r:id="rId37"/>
-    <p:sldId id="297" r:id="rId38"/>
-    <p:sldId id="296" r:id="rId39"/>
-    <p:sldId id="298" r:id="rId40"/>
-    <p:sldId id="290" r:id="rId41"/>
-    <p:sldId id="291" r:id="rId42"/>
-    <p:sldId id="292" r:id="rId43"/>
-    <p:sldId id="293" r:id="rId44"/>
-    <p:sldId id="294" r:id="rId45"/>
-    <p:sldId id="299" r:id="rId46"/>
-    <p:sldId id="300" r:id="rId47"/>
-    <p:sldId id="301" r:id="rId48"/>
-    <p:sldId id="302" r:id="rId49"/>
-    <p:sldId id="310" r:id="rId50"/>
-    <p:sldId id="311" r:id="rId51"/>
-    <p:sldId id="314" r:id="rId52"/>
-    <p:sldId id="315" r:id="rId53"/>
-    <p:sldId id="316" r:id="rId54"/>
-    <p:sldId id="312" r:id="rId55"/>
-    <p:sldId id="317" r:id="rId56"/>
-    <p:sldId id="313" r:id="rId57"/>
-    <p:sldId id="303" r:id="rId58"/>
-    <p:sldId id="318" r:id="rId59"/>
-    <p:sldId id="319" r:id="rId60"/>
-    <p:sldId id="304" r:id="rId61"/>
-    <p:sldId id="305" r:id="rId62"/>
-    <p:sldId id="306" r:id="rId63"/>
-    <p:sldId id="307" r:id="rId64"/>
-    <p:sldId id="308" r:id="rId65"/>
-    <p:sldId id="309" r:id="rId66"/>
-    <p:sldId id="321" r:id="rId67"/>
-    <p:sldId id="322" r:id="rId68"/>
-    <p:sldId id="323" r:id="rId69"/>
-    <p:sldId id="341" r:id="rId70"/>
-    <p:sldId id="324" r:id="rId71"/>
-    <p:sldId id="325" r:id="rId72"/>
-    <p:sldId id="326" r:id="rId73"/>
-    <p:sldId id="327" r:id="rId74"/>
-    <p:sldId id="328" r:id="rId75"/>
-    <p:sldId id="329" r:id="rId76"/>
-    <p:sldId id="330" r:id="rId77"/>
-    <p:sldId id="331" r:id="rId78"/>
-    <p:sldId id="332" r:id="rId79"/>
-    <p:sldId id="333" r:id="rId80"/>
-    <p:sldId id="334" r:id="rId81"/>
-    <p:sldId id="335" r:id="rId82"/>
-    <p:sldId id="336" r:id="rId83"/>
-    <p:sldId id="337" r:id="rId84"/>
-    <p:sldId id="338" r:id="rId85"/>
-    <p:sldId id="339" r:id="rId86"/>
-    <p:sldId id="340" r:id="rId87"/>
+    <p:sldId id="342" r:id="rId9"/>
+    <p:sldId id="266" r:id="rId10"/>
+    <p:sldId id="267" r:id="rId11"/>
+    <p:sldId id="268" r:id="rId12"/>
+    <p:sldId id="269" r:id="rId13"/>
+    <p:sldId id="270" r:id="rId14"/>
+    <p:sldId id="271" r:id="rId15"/>
+    <p:sldId id="272" r:id="rId16"/>
+    <p:sldId id="273" r:id="rId17"/>
+    <p:sldId id="274" r:id="rId18"/>
+    <p:sldId id="275" r:id="rId19"/>
+    <p:sldId id="261" r:id="rId20"/>
+    <p:sldId id="262" r:id="rId21"/>
+    <p:sldId id="263" r:id="rId22"/>
+    <p:sldId id="276" r:id="rId23"/>
+    <p:sldId id="277" r:id="rId24"/>
+    <p:sldId id="278" r:id="rId25"/>
+    <p:sldId id="279" r:id="rId26"/>
+    <p:sldId id="280" r:id="rId27"/>
+    <p:sldId id="281" r:id="rId28"/>
+    <p:sldId id="282" r:id="rId29"/>
+    <p:sldId id="283" r:id="rId30"/>
+    <p:sldId id="284" r:id="rId31"/>
+    <p:sldId id="285" r:id="rId32"/>
+    <p:sldId id="320" r:id="rId33"/>
+    <p:sldId id="286" r:id="rId34"/>
+    <p:sldId id="287" r:id="rId35"/>
+    <p:sldId id="288" r:id="rId36"/>
+    <p:sldId id="289" r:id="rId37"/>
+    <p:sldId id="295" r:id="rId38"/>
+    <p:sldId id="297" r:id="rId39"/>
+    <p:sldId id="296" r:id="rId40"/>
+    <p:sldId id="298" r:id="rId41"/>
+    <p:sldId id="290" r:id="rId42"/>
+    <p:sldId id="291" r:id="rId43"/>
+    <p:sldId id="292" r:id="rId44"/>
+    <p:sldId id="293" r:id="rId45"/>
+    <p:sldId id="294" r:id="rId46"/>
+    <p:sldId id="299" r:id="rId47"/>
+    <p:sldId id="300" r:id="rId48"/>
+    <p:sldId id="301" r:id="rId49"/>
+    <p:sldId id="302" r:id="rId50"/>
+    <p:sldId id="310" r:id="rId51"/>
+    <p:sldId id="311" r:id="rId52"/>
+    <p:sldId id="314" r:id="rId53"/>
+    <p:sldId id="315" r:id="rId54"/>
+    <p:sldId id="316" r:id="rId55"/>
+    <p:sldId id="312" r:id="rId56"/>
+    <p:sldId id="317" r:id="rId57"/>
+    <p:sldId id="313" r:id="rId58"/>
+    <p:sldId id="303" r:id="rId59"/>
+    <p:sldId id="318" r:id="rId60"/>
+    <p:sldId id="319" r:id="rId61"/>
+    <p:sldId id="304" r:id="rId62"/>
+    <p:sldId id="305" r:id="rId63"/>
+    <p:sldId id="306" r:id="rId64"/>
+    <p:sldId id="307" r:id="rId65"/>
+    <p:sldId id="308" r:id="rId66"/>
+    <p:sldId id="309" r:id="rId67"/>
+    <p:sldId id="321" r:id="rId68"/>
+    <p:sldId id="322" r:id="rId69"/>
+    <p:sldId id="323" r:id="rId70"/>
+    <p:sldId id="341" r:id="rId71"/>
+    <p:sldId id="324" r:id="rId72"/>
+    <p:sldId id="325" r:id="rId73"/>
+    <p:sldId id="326" r:id="rId74"/>
+    <p:sldId id="327" r:id="rId75"/>
+    <p:sldId id="328" r:id="rId76"/>
+    <p:sldId id="329" r:id="rId77"/>
+    <p:sldId id="330" r:id="rId78"/>
+    <p:sldId id="331" r:id="rId79"/>
+    <p:sldId id="332" r:id="rId80"/>
+    <p:sldId id="333" r:id="rId81"/>
+    <p:sldId id="334" r:id="rId82"/>
+    <p:sldId id="335" r:id="rId83"/>
+    <p:sldId id="336" r:id="rId84"/>
+    <p:sldId id="337" r:id="rId85"/>
+    <p:sldId id="338" r:id="rId86"/>
+    <p:sldId id="339" r:id="rId87"/>
+    <p:sldId id="340" r:id="rId88"/>
   </p:sldIdLst>
   <p:sldSz cx="12192000" cy="6858000"/>
   <p:notesSz cx="6858000" cy="9144000"/>
@@ -211,6 +212,35 @@
           <inkml:channelProperty channel="Y" name="resolution" value="1000" units="1/cm"/>
         </inkml:channelProperties>
       </inkml:inkSource>
+      <inkml:timestamp xml:id="ts0" timeString="2025-06-14T13:12:54.803"/>
+    </inkml:context>
+    <inkml:brush xml:id="br0">
+      <inkml:brushProperty name="width" value="0.3" units="cm"/>
+      <inkml:brushProperty name="height" value="0.6" units="cm"/>
+      <inkml:brushProperty name="color" value="#FFFC00"/>
+      <inkml:brushProperty name="tip" value="rectangle"/>
+      <inkml:brushProperty name="rasterOp" value="maskPen"/>
+      <inkml:brushProperty name="ignorePressure" value="1"/>
+    </inkml:brush>
+  </inkml:definitions>
+  <inkml:trace contextRef="#ctx0" brushRef="#br0">4067 557,'-7'-6,"-1"1,1-1,-1 2,0-1,0 1,-1 0,1 1,-10-3,-13-6,-115-42,-2 6,-168-31,-315-23,263 66,-626 18,1193 19,1180 68,-912-20,207 19,-588-64,-75-8,-24-4,-34-8,0 2,-96-14,78 17,-239-40,-553-61,-966 1,1708 112,115-1,-1 0,1 0,0 0,-1-1,1 1,0 0,-1 0,1 0,0 0,-1 0,1 0,0 0,-1 1,1-1,0 0,-1 0,1 0,0 0,-1 0,1 0,0 1,-1-1,1 0,0 0,0 0,-1 1,1-1,0 0,0 0,-1 1,1-1,0 0,0 1,0-1,0 0,-1 1,1-1,19 9,211 41,-140-33,368 72,-313-56,-143-32,1-1,-1 1,1 0,-1 0,0 0,1 0,-1 0,0 0,0 1,0-1,0 0,3 4,-5-5,0 1,0-1,-1 1,1-1,0 1,0-1,0 1,-1-1,1 0,0 1,0-1,-1 1,1-1,0 1,-1-1,1 0,-1 1,1-1,0 0,-1 1,1-1,-1 0,1 0,-1 1,1-1,-1 0,1 0,-1 0,1 0,-1 0,1 0,-1 0,1 1,-2-2,-79 13,78-12,-502 37,-294 29,615-37,170-26,1 0,0 1,0 0,0 1,0 0,-18 11,30-15,-1 0,1 0,0 0,-1 0,1 0,0 0,0 0,-1 0,1 0,0 1,0-1,1 1,-1-1,0 0,0 1,1-1,-1 1,1 0,-1-1,1 1,0-1,-1 1,1 0,0-1,0 1,0 0,0-1,1 1,-1-1,0 1,1 0,-1-1,1 1,-1-1,1 1,0-1,1 3,6 4,-1 0,1-1,0 0,1 0,0-1,0 0,0-1,1 0,14 5,198 70,123 15,121 16,335 54,862 62,-1536-215,144-7,-259-5,1-1,-1-1,25-5,-37 7,1 0,-1 0,1 0,-1 0,1 0,-1 0,1 0,0-1,-1 1,1 0,-1 0,1 0,-1-1,1 1,-1 0,1-1,-1 1,1 0,-1-1,0 1,1 0,-1-1,0 1,1-1,-1 1,0-1,1 1,-1-1,0 1,0-1,0 1,1-1,-1 1,0-1,0 0,0 1,0-1,0 1,0-1,0 1,0-1,0 0,0 1,-1-1,1 1,0-1,0 1,0-1,-1 1,1-1,0 1,-1-1,1 1,0-1,-1 1,1 0,0-1,-1 1,1 0,-1-1,1 1,-1 0,1-1,-1 1,-41-23,-51-9,0 3,-192-32,240 53,-590-82,533 87,102 3,0 0,0 0,-1-1,1 1,0 0,0 0,0 0,-1 0,1 0,0 0,0 0,-1 0,1 0,0 0,0 0,-1 0,1 0,0 0,0 0,-1 0,1 0,0 0,0 0,0 1,-1-1,1 0,0 0,0 0,0 0,-1 0,1 0,0 1,0-1,0 0,0 0,-1 0,1 1,0-1,0 0,0 0,0 0,0 1,0-1,0 0,0 0,0 1,0-1,0 0,0 0,0 1,0-1,0 0,0 0,0 1,24 10,81 18,118 16,-121-26,294 55,1494 241,-1800-301,18 3,118 4,-202-23,-24 1,0 1,0 0,0 0,0 0,0-1,0 1,0 0,0 0,0 0,0-1,0 1,0 0,0 0,0 0,0-1,0 1,0 0,0 0,0 0,0-1,0 1,0 0,-1 0,1 0,0 0,0-1,0 1,0 0,0 0,-1 0,1 0,0 0,0-1,0 1,0 0,-1 0,1 0,0 0,0 0,0 0,-1 0,1 0,0 0,0 0,0 0,-1 0,1 0,0 0,0 0,0 0,-1 0,1 0,0 0,-40-13,1 1,-69-10,44 10,-104-21,-360-92,516 121,-47-18,57 21,0 0,0 0,-1 0,1 0,0-1,0 1,0-1,0 1,1-1,-1 0,0 0,1 0,-1 0,1 0,0 0,-1 0,1 0,-1-5,2 6,0 0,0-1,0 1,0 0,1-1,-1 1,0 0,1-1,-1 1,1 0,-1 0,1-1,0 1,0 0,-1 0,1 0,0 0,0 0,0 0,0 0,0 0,0 1,3-2,31-17,-32 18,16-8,-6 5,-1-2,0 1,-1-2,16-10,-26 16,0 1,0-1,0 0,0 0,0 0,0 1,0-1,0 0,-1 0,1 0,0-1,-1 1,1 0,0 0,-1 0,0 0,1-1,-1 1,0 0,1 0,-1-1,0 1,0 0,0 0,0-2,-1 1,-1 0,1 0,0 0,-1 0,1 1,-1-1,0 1,1-1,-1 1,0-1,0 1,0 0,0 0,0 0,0 0,-4-1,-34-11,-1 1,-1 2,-46-4,47 7,-787-96,795 98,62 4,-4 1,-24 0,9 0,1 0,-1-1,0 0,0-1,1 0,-1 0,0-1,15-7,-24 9,0 1,0-1,0 1,0-1,-1 0,1 1,0-1,0 0,-1 0,1 0,0 1,-1-1,1 0,-1 0,1 0,-1 0,0 0,1 0,-1 0,0 0,0 0,0 0,1 0,-1 0,0 0,0 0,0 0,-1 0,1 0,0 0,-1-2,0 0,-1 0,0 0,1 1,-1-1,0 1,-1-1,1 1,0 0,-1 0,-3-3,-10-5,-1 0,0 0,-1 2,0 0,-35-9,-97-18,140 33,7 2,-29-8,72 3,869 5,-204 3,-530-10,-166 6,0 1,-1-1,1-1,-1 0,1 0,-1-1,0 0,12-5,-20 7,1 1,-1-1,1 1,-1-1,1 1,-1-1,1 1,-1-1,1 1,-1-1,0 1,1-1,-1 0,0 1,1-1,-1 0,0 1,0-1,0 0,0 1,0-1,0 0,0 1,0-1,0 0,0-1,-1 0,1 1,-1-1,0 0,0 1,-1-1,1 0,0 1,0-1,-1 1,1 0,-1-1,-1 0,-14-9,-1 1,1 1,-2 0,-20-6,-174-54,-374-70,291 83,-3 14,-2 12,-422 13,518 26,-345 60,528-64,1 0,-34 13,52-17,1 0,0 0,0 0,0 0,0 1,0-1,0 1,0-1,0 1,0 0,-1 1,3-2,-1-1,1 1,0 0,0-1,-1 1,1-1,0 1,0-1,0 1,0 0,0-1,0 1,0 0,0-1,0 1,0-1,0 1,0 0,0-1,1 1,-1-1,0 1,0 0,1-1,-1 1,0-1,1 1,3 3,-1-1,1 0,0 0,0-1,0 1,1-1,-1 0,10 4,25 6,0-1,51 7,-60-13,0 1,0 1,0 1,-1 2,39 18,-68-28,1 0,-1 0,1 0,-1 0,1 1,-1-1,1 0,-1 0,1 0,-1 1,1-1,-1 0,1 0,-1 1,0-1,1 0,-1 1,0-1,1 0,-1 1,0-1,1 1,-1-1,0 1,0-1,1 1,-1-1,0 1,0-1,0 1,0-1,0 1,1-1,-1 1,0-1,0 1,0-1,-1 1,1-1,0 1,0-1,0 1,0-1,0 1,-1-1,1 1,0-1,0 1,-1-1,1 1,0-1,-1 0,1 1,0-1,-2 1,-11 6,-1 0,0-1,0 0,-1-2,0 1,-27 3,-5 2,-535 144,94-77,425-70,27-1,72-3,321 4,279 9,228 32,-852-48,0 0,1-1,-1 0,14-4,26-3,66 1,235 17,118 47,-371-44,-4 2,84 7,-167-24,-24-5,-53-12,0 3,-2 2,-81-6,89 12,-320-35,331 33,24 0</inkml:trace>
+</inkml:ink>
+</file>
+
+<file path=ppt/ink/ink10.xml><?xml version="1.0" encoding="utf-8"?>
+<inkml:ink xmlns:inkml="http://www.w3.org/2003/InkML">
+  <inkml:definitions>
+    <inkml:context xml:id="ctx0">
+      <inkml:inkSource xml:id="inkSrc0">
+        <inkml:traceFormat>
+          <inkml:channel name="X" type="integer" min="-2.14748E9" max="2.14748E9" units="cm"/>
+          <inkml:channel name="Y" type="integer" min="-2.14748E9" max="2.14748E9" units="cm"/>
+        </inkml:traceFormat>
+        <inkml:channelProperties>
+          <inkml:channelProperty channel="X" name="resolution" value="1000" units="1/cm"/>
+          <inkml:channelProperty channel="Y" name="resolution" value="1000" units="1/cm"/>
+        </inkml:channelProperties>
+      </inkml:inkSource>
       <inkml:timestamp xml:id="ts0" timeString="2025-06-13T14:43:14.044"/>
     </inkml:context>
     <inkml:brush xml:id="br0">
@@ -226,7 +256,355 @@
 </inkml:ink>
 </file>
 
-<file path=ppt/ink/ink10.xml><?xml version="1.0" encoding="utf-8"?>
+<file path=ppt/ink/ink11.xml><?xml version="1.0" encoding="utf-8"?>
+<inkml:ink xmlns:inkml="http://www.w3.org/2003/InkML">
+  <inkml:definitions>
+    <inkml:context xml:id="ctx0">
+      <inkml:inkSource xml:id="inkSrc0">
+        <inkml:traceFormat>
+          <inkml:channel name="X" type="integer" min="-2.14748E9" max="2.14748E9" units="cm"/>
+          <inkml:channel name="Y" type="integer" min="-2.14748E9" max="2.14748E9" units="cm"/>
+        </inkml:traceFormat>
+        <inkml:channelProperties>
+          <inkml:channelProperty channel="X" name="resolution" value="1000" units="1/cm"/>
+          <inkml:channelProperty channel="Y" name="resolution" value="1000" units="1/cm"/>
+        </inkml:channelProperties>
+      </inkml:inkSource>
+      <inkml:timestamp xml:id="ts0" timeString="2025-06-13T14:43:14.854"/>
+    </inkml:context>
+    <inkml:brush xml:id="br0">
+      <inkml:brushProperty name="width" value="0.3" units="cm"/>
+      <inkml:brushProperty name="height" value="0.6" units="cm"/>
+      <inkml:brushProperty name="color" value="#FFFC00"/>
+      <inkml:brushProperty name="tip" value="rectangle"/>
+      <inkml:brushProperty name="rasterOp" value="maskPen"/>
+      <inkml:brushProperty name="ignorePressure" value="1"/>
+    </inkml:brush>
+  </inkml:definitions>
+  <inkml:trace contextRef="#ctx0" brushRef="#br0">2117 693,'-532'-23,"-318"-132,191 27,599 118,44 3,16 1,26-8,-21 12,898-319,-892 318,6-3,0 2,0-1,0 2,32-3,-48 6,1 0,-1 0,0 0,0 0,0 1,1-1,-1 0,0 0,0 1,0-1,0 0,0 1,0 0,1-1,-1 1,0-1,-1 1,1 0,0 0,0 0,0-1,0 1,-1 0,1 0,0 0,-1 0,1 0,-1 0,1 1,-1-1,1 0,-1 0,0 0,0 0,1 0,-1 1,0-1,0 0,0 0,-1 3,0 4,0 1,-1-1,0 0,-6 14,4-11,-13 34,0 3,1 1,-13 70,28-115,1-1,-1 1,1-1,0 1,0-1,0 1,0-1,0 1,1-1,0 1,0-1,0 1,0-1,0 0,1 0,-1 1,1-1,0 0,0 0,0-1,0 1,5 4,-2-3,1-1,-1 0,1 0,-1-1,1 0,0 0,0 0,0 0,0-1,0 0,0-1,9 1,32-5,-41 2,0 1,0 0,0 0,0 1,0-1,0 1,0 1,0-1,0 1,0 0,0 0,0 1,0 0,-1 0,10 5,5 17</inkml:trace>
+</inkml:ink>
+</file>
+
+<file path=ppt/ink/ink12.xml><?xml version="1.0" encoding="utf-8"?>
+<inkml:ink xmlns:inkml="http://www.w3.org/2003/InkML">
+  <inkml:definitions>
+    <inkml:context xml:id="ctx0">
+      <inkml:inkSource xml:id="inkSrc0">
+        <inkml:traceFormat>
+          <inkml:channel name="X" type="integer" min="-2.14748E9" max="2.14748E9" units="cm"/>
+          <inkml:channel name="Y" type="integer" min="-2.14748E9" max="2.14748E9" units="cm"/>
+        </inkml:traceFormat>
+        <inkml:channelProperties>
+          <inkml:channelProperty channel="X" name="resolution" value="1000" units="1/cm"/>
+          <inkml:channelProperty channel="Y" name="resolution" value="1000" units="1/cm"/>
+        </inkml:channelProperties>
+      </inkml:inkSource>
+      <inkml:timestamp xml:id="ts0" timeString="2025-06-13T14:43:16.293"/>
+    </inkml:context>
+    <inkml:brush xml:id="br0">
+      <inkml:brushProperty name="width" value="0.3" units="cm"/>
+      <inkml:brushProperty name="height" value="0.6" units="cm"/>
+      <inkml:brushProperty name="color" value="#FFFC00"/>
+      <inkml:brushProperty name="tip" value="rectangle"/>
+      <inkml:brushProperty name="rasterOp" value="maskPen"/>
+      <inkml:brushProperty name="ignorePressure" value="1"/>
+    </inkml:brush>
+  </inkml:definitions>
+  <inkml:trace contextRef="#ctx0" brushRef="#br0">5510 3023,'-38'0,"-1"2,1 1,-51 11,-134 40,-94 57,-109 78,-111 105,-82 120,-36 124,392-286,11 12,11 10,13 11,-280 457,342-458,13 7,12 6,14 6,13 6,-86 371,153-467,-32 370,71-433,6 0,32 266,-15-317,4-1,5-1,3-1,5-2,4 0,4-3,56 93,-55-117,3-2,3-1,3-3,2-3,3-1,2-3,2-3,3-2,95 58,-74-60,2-4,1-3,2-4,174 45,-149-56,1-5,0-5,197 0,-168-20,0-7,-1-5,-1-7,-1-5,-2-7,-1-6,159-72,-146 43,-3-8,-4-5,-4-7,-4-5,-4-6,-4-6,194-216,-168 143,-8-6,-9-6,-8-7,188-394,-178 272,-13-5,-16-6,-13-4,-16-4,63-601,-120 136,-35 613,-65-342,45 396,-5 1,-89-210,84 255,-3 3,-5 2,-100-137,109 173,-2 2,-1 3,-3 1,-2 2,-2 2,-1 3,-2 2,-2 2,-81-37,82 49,-1 3,-1 2,-1 2,0 3,-1 2,0 3,0 3,-1 2,0 3,-81 10,55 2,1 4,1 4,1 4,-121 50,88-21,2 5,3 5,-104 79,62-27,5 8,6 5,-231 270,219-204,9 6,-185 337,230-342,-92 250,141-303,7 2,-26 156,57-228,3 2,4-1,2 1,12 125,-4-162,2-1,2 0,1 0,2-1,1 0,2-1,1 0,33 53,-31-63,2 0,0 0,1-2,2-1,0 0,1-2,1 0,0-2,2 0,52 24,-35-23,2-2,0-2,1-2,0-2,0-2,1-2,75 0,-29-8,0-5,-1-3,0-4,104-31,-44 0,-2-6,193-96,-144 44,-5-9,-5-9,-5-7,-6-9,-6-7,297-324,-302 273,-9-8,-8-6,-10-7,-10-5,185-434,-240 459,60-242,-100 289,25-262,-53 307,-4-1,-16-147,7 200,-2 1,-2-1,-3 2,-33-87,36 116,0-1,-1 1,-1 1,-1 0,-1 1,0 0,-2 1,-33-30,37 39,0 0,-1 1,0 0,0 1,-1 0,0 1,-1 1,1 0,-1 1,0 0,0 1,0 1,0 1,-23 0,11 3,0 1,0 2,0 0,1 2,0 1,0 1,1 1,0 2,-31 19,-18 15,2 4,2 2,-87 87,-298 354,-51 186,-207 497,137 68,502-1046,-60 256,118-384,3 1,2 1,4 0,5 137,4-184,0 0,2 0,1 0,1-1,1 0,1 0,1-1,1 0,1 0,1-1,26 36,-26-44,2 0,0 0,0-2,2 0,-1 0,1-2,1 0,0 0,0-2,1 0,0-1,1-1,-1-1,1 0,30 3,0-4,-1-3,1-1,-1-2,0-3,0-1,0-3,57-18,-2-5,-1-5,-2-4,141-81,-97 36,-3-7,165-141,-120 68,-7-8,-8-8,161-222,-145 143,302-558,-179 113,-123 74,-160 501,21-250,-46 330,-1 1,-3-1,-2 1,-2 0,-18-69,20 103,0 1,-2-1,1 1,-2 1,0-1,-1 1,0 1,-1-1,-1 1,0 1,0 0,-2 0,1 1,-1 1,-15-10,13 12,0 1,-1 1,0 1,0 0,-1 1,1 0,-1 1,0 1,0 1,0 0,0 1,0 1,0 0,0 1,-26 7,2 1,0 2,1 1,-38 19,1 5,-85 56,-8 24,-258 230,-304 387,-76 237,312-291,-505 916,474-549,417-793,-99 352,134-262,66-283,3 0,3 102,4-134,1-1,2 1,0 0,2-1,1 0,15 34,-15-46,0 0,1-1,1 0,0 0,1-1,0 0,2-1,-1 0,17 12,-12-12,0-2,1 0,0-2,0 0,1 0,0-2,39 10,-21-10,0-1,0-2,0-2,57-3,-22-5,-1-3,105-28,-57 3,138-59,-58 3,-5-8,292-198,-215 102,418-390,-394 290,348-447,-354 354,-17-12,-19-11,-17-12,-19-9,-19-9,-19-8,120-474,-213 576,63-538,-124 621,-13-2,-22-278,-4 368,-8 2,-8 0,-52-169,52 242,-5 1,-5 2,-3 2,-92-147,102 193,-1 1,-2 2,-3 1,-1 2,-2 2,-2 2,-59-40,68 56,-2 2,0 1,-1 2,-1 2,0 2,-1 1,-1 2,0 2,0 1,-74-3,50 11,-1 3,1 3,0 3,0 3,1 2,1 3,-75 31,14 4,2 6,3 4,-192 136,130-63,5 9,-179 189,129-89,10 10,-309 474,361-461,13 6,12 6,-105 302,189-422,7 2,6 2,-21 183,53-261,3 1,5 0,3 0,4 0,3-1,24 103,-18-134,3 0,1-2,3 0,2-1,3-1,1-1,3-2,1-1,49 54,-36-53,2-2,3-2,0-3,3-1,1-3,2-3,104 48,-57-40,3-4,1-5,1-5,1-4,1-5,1-5,219-2,-182-17,0-7,-1-5,-1-8,-1-5,221-80,-239 62,-2-7,-3-4,-2-6,-3-5,-4-4,-3-6,-3-4,177-188,-207 186,-4-2,-4-4,-5-2,72-144,-93 151,-5-2,-3-1,-5-1,-3-2,20-149,-38 177,-4-1,-2 1,-10-108,4 142,-1-1,-1 1,-1 0,-2 1,-2 0,-1 0,-1 1,-1 1,-1 0,-29-38,33 54,-1 0,0 0,0 1,-2 1,1 0,-2 0,1 2,-1 0,-1 1,1 0,-1 1,-1 1,1 0,-1 2,0 0,0 0,-1 2,1 0,0 1,-1 1,-19 2,-5 3,0 1,0 3,1 2,1 1,-1 2,-72 37,7 6,3 4,-181 142,88-38,-217 238,-257 404,19 208,106 119,428-826,-142 585,217-685,9 2,9 1,4 300,25-366,7-1,6 0,6-2,7 0,53 151,-45-188,4-1,5-3,4-2,4-2,5-2,82 98,-79-119,3-3,3-3,2-3,4-3,2-4,118 67,-121-84,2-4,1-3,1-4,2-3,1-3,137 20,-151-36,0-3,1-3,-1-2,0-4,0-3,0-3,-1-3,0-2,-1-4,-1-2,-1-3,-1-3,-2-3,0-2,-3-3,0-3,95-81,-78 50,-2-4,-3-2,-4-4,-4-2,76-129,-60 70,-6-4,-7-3,69-226,-65 124,69-483,-70-330,-102 63,-61 160,-24 206,4 199,89 353,-48-101,64 161,-2 0,0 0,-1 1,-25-30,29 42,1 0,-1 0,-1 1,1 0,-15-8</inkml:trace>
+</inkml:ink>
+</file>
+
+<file path=ppt/ink/ink13.xml><?xml version="1.0" encoding="utf-8"?>
+<inkml:ink xmlns:inkml="http://www.w3.org/2003/InkML">
+  <inkml:definitions>
+    <inkml:context xml:id="ctx0">
+      <inkml:inkSource xml:id="inkSrc0">
+        <inkml:traceFormat>
+          <inkml:channel name="X" type="integer" min="-2.14748E9" max="2.14748E9" units="cm"/>
+          <inkml:channel name="Y" type="integer" min="-2.14748E9" max="2.14748E9" units="cm"/>
+        </inkml:traceFormat>
+        <inkml:channelProperties>
+          <inkml:channelProperty channel="X" name="resolution" value="1000" units="1/cm"/>
+          <inkml:channelProperty channel="Y" name="resolution" value="1000" units="1/cm"/>
+        </inkml:channelProperties>
+      </inkml:inkSource>
+      <inkml:timestamp xml:id="ts0" timeString="2025-06-14T13:19:22.083"/>
+    </inkml:context>
+    <inkml:brush xml:id="br0">
+      <inkml:brushProperty name="width" value="0.3" units="cm"/>
+      <inkml:brushProperty name="height" value="0.6" units="cm"/>
+      <inkml:brushProperty name="color" value="#FFFC00"/>
+      <inkml:brushProperty name="tip" value="rectangle"/>
+      <inkml:brushProperty name="rasterOp" value="maskPen"/>
+      <inkml:brushProperty name="ignorePressure" value="1"/>
+    </inkml:brush>
+  </inkml:definitions>
+  <inkml:trace contextRef="#ctx0" brushRef="#br0">1054 290,'0'-3,"0"1,0-1,-1 1,1-1,-1 0,0 1,0 0,0-1,0 1,0-1,0 1,-1 0,1 0,-1 0,0 0,1 0,-1 0,0 0,0 1,0-1,-1 1,1-1,0 1,0 0,-1 0,1 0,-1 0,1 0,-1 0,1 1,-5-1,-10-2,1 2,-1-1,-30 3,37 0,-115 9,-195 44,171-26,88-18,28-5,1 0,-1 2,1 2,-52 20,64-15,20-14,0 0,0 0,0 1,-1-1,1 0,0 1,0-1,0 0,-1 1,1-1,0 0,0 0,0 1,0-1,0 1,0-1,0 0,0 1,0-1,0 0,0 1,0-1,0 0,0 1,0-1,0 0,0 1,0-1,1 0,-1 1,0-1,0 1,4 1,-1 0,0-1,0 1,0 0,1-1,-1 0,1 0,-1 0,1 0,0 0,4-1,84 11,117-2,-160-8,1520 3,-1123-6,-388 2,249-9,-288 7,1-1,32-8,-28-2,-24 13,1 0,-1-1,0 1,1 0,-1-1,0 1,1-1,-1 1,0-1,0 1,1-1,-1 1,0-1,0 1,0-1,0 1,0-1,0 0,0 1,0-1,0 1,0-1,0 1,0-1,0 0,-2-2,0 1,0 0,0-1,0 1,0 0,0 0,0 1,-1-1,1 0,-1 1,1-1,-1 1,0 0,-4-1,-54-19,-1 2,-81-12,97 21,-728-141,-11 40,744 106,-193-14,187 18,0 2,-88 12,134-13,0 0,-1 0,1 1,-1-1,1 0,0 1,-1-1,1 1,0 0,-1-1,1 1,0 0,0 0,0 0,-1 0,0 1,2-1,0-1,-1 1,1 0,0-1,0 1,0 0,0-1,-1 1,1 0,0 0,0-1,0 1,0 0,1-1,-1 1,0 0,0 0,0-1,0 1,1 0,-1-1,0 1,1 0,2 4,1-1,-1 0,0-1,1 1,0 0,0-1,0 0,8 4,31 17,1-2,1-2,75 22,153 30,-208-56,346 71,-380-77,-59-6,-579-6,291-4,215 4,48-1,1 2,-97 13,114-4</inkml:trace>
+</inkml:ink>
+</file>
+
+<file path=ppt/ink/ink14.xml><?xml version="1.0" encoding="utf-8"?>
+<inkml:ink xmlns:inkml="http://www.w3.org/2003/InkML">
+  <inkml:definitions>
+    <inkml:context xml:id="ctx0">
+      <inkml:inkSource xml:id="inkSrc0">
+        <inkml:traceFormat>
+          <inkml:channel name="X" type="integer" min="-2.14748E9" max="2.14748E9" units="cm"/>
+          <inkml:channel name="Y" type="integer" min="-2.14748E9" max="2.14748E9" units="cm"/>
+        </inkml:traceFormat>
+        <inkml:channelProperties>
+          <inkml:channelProperty channel="X" name="resolution" value="1000" units="1/cm"/>
+          <inkml:channelProperty channel="Y" name="resolution" value="1000" units="1/cm"/>
+        </inkml:channelProperties>
+      </inkml:inkSource>
+      <inkml:timestamp xml:id="ts0" timeString="2025-06-14T13:19:24.387"/>
+    </inkml:context>
+    <inkml:brush xml:id="br0">
+      <inkml:brushProperty name="width" value="0.3" units="cm"/>
+      <inkml:brushProperty name="height" value="0.6" units="cm"/>
+      <inkml:brushProperty name="color" value="#FFFC00"/>
+      <inkml:brushProperty name="tip" value="rectangle"/>
+      <inkml:brushProperty name="rasterOp" value="maskPen"/>
+      <inkml:brushProperty name="ignorePressure" value="1"/>
+    </inkml:brush>
+  </inkml:definitions>
+  <inkml:trace contextRef="#ctx0" brushRef="#br0">1652 452,'-1507'0,"1489"0,0-1,0-1,-24-5,38 7,1-1,0 0,-1 0,1-1,0 1,0-1,0 1,0-1,0 0,0 0,-3-4,5 5,0 0,1 0,-1-1,0 1,1 0,-1-1,1 1,-1-1,1 1,-1 0,1-1,0 1,0-1,0 1,0-1,0 1,0-1,0 1,1-1,-1 1,0-1,1 1,-1 0,1-1,-1 1,1 0,1-2,2-4,0 1,1 0,0 0,0 0,0 1,0 0,1 0,0 0,8-5,67-35,-55 32,83-38,182-57,-196 76,-37 14,94-17,-115 21,-32 10,-24 10,-17 10,0 2,2 2,0 1,-60 50,33-25,6-9,-38 28,85-59,1 0,0 1,0 0,1 0,0 0,1 1,-1 0,-7 16,12-21,-1 1,2-1,-1 1,0-1,1 0,0 1,-1-1,1 1,1-1,-1 1,0-1,1 1,0-1,0 0,0 1,0-1,0 0,1 0,-1 1,1-1,0-1,0 1,0 0,1 0,-1-1,0 1,1-1,0 0,-1 0,1 0,4 3,5 2,-1-1,1 1,0-2,0 0,1 0,25 5,1-3,0-2,0-2,0-1,0-2,1-2,72-12,-100 11,0 0,-1 0,1-1,-1 0,0-1,0 0,-1-1,1 0,-1-1,-1 0,1 0,-1-1,0 0,-1-1,0 0,-1-1,1 1,-2-1,1 0,-2-1,1 0,-1 0,-1 0,0 0,-1-1,0 1,0-1,0-22,-2 27,1-12,-1-1,0 1,-5-36,4 50,-1 1,0 0,0 0,0 0,0 0,-1 0,1 0,-1 0,0 0,0 0,-1 1,1-1,-1 1,0 0,0 0,0 0,0 0,0 0,0 1,-1-1,0 1,1 0,-1 0,-4-1,-3 0,1 1,-1 0,1 1,-1 0,1 1,-1 0,0 1,1 0,-1 1,1 0,-17 5,12-2,0 1,0 0,1 0,0 2,0 0,1 0,-15 13,26-20,0 1,0-1,0 1,1-1,-1 1,1 0,-1 0,1 0,0 0,-1 0,1 0,0 0,0 0,1 0,-1 0,0 0,1 1,-1 3,1-4,0 0,1-1,-1 1,1 0,0-1,-1 1,1 0,0-1,0 1,0-1,0 1,0-1,0 0,1 0,-1 1,0-1,1 0,-1 0,2 1,7 3,0 0,1 0,-1-1,1-1,0 1,17 2,29 2,0-2,0-2,0-3,0-2,0-3,0-2,105-26,-133 29,-29 3,1 0,-1 1,1-1,-1 0,0 0,1 0,-1 0,1 1,-1-1,0 0,1 0,-1 1,0-1,1 0,-1 1,0-1,0 0,1 1,-1-1,0 1,0-1,0 0,0 1,1-1,-1 1,0-1,0 0,0 1,0-1,0 1,0-1,0 1,-1 4,-1 0,1 0,-1 0,0 0,-1-1,1 1,-4 4,-1 4,-6 11,-19 50,29-66,1 0,-1 0,1 0,1 0,0 1,0-1,0 0,1 1,1-1,1 14,-1-18,1-1,-1 0,1 0,0 0,-1 0,1 0,1-1,-1 1,0 0,1-1,-1 0,1 1,0-1,-1 0,1 0,0-1,0 1,1-1,-1 1,0-1,0 0,1 0,-1-1,0 1,4 0,10 1,-1-1,0 0,31-3,-35 1,1-2,-1 1,0-2,0 1,0-2,0 0,-1 0,0-1,0 0,-1-1,1 0,-1-1,-1 0,16-16,-4-3</inkml:trace>
+</inkml:ink>
+</file>
+
+<file path=ppt/ink/ink15.xml><?xml version="1.0" encoding="utf-8"?>
+<inkml:ink xmlns:inkml="http://www.w3.org/2003/InkML">
+  <inkml:definitions>
+    <inkml:context xml:id="ctx0">
+      <inkml:inkSource xml:id="inkSrc0">
+        <inkml:traceFormat>
+          <inkml:channel name="X" type="integer" min="-2.14748E9" max="2.14748E9" units="cm"/>
+          <inkml:channel name="Y" type="integer" min="-2.14748E9" max="2.14748E9" units="cm"/>
+        </inkml:traceFormat>
+        <inkml:channelProperties>
+          <inkml:channelProperty channel="X" name="resolution" value="1000" units="1/cm"/>
+          <inkml:channelProperty channel="Y" name="resolution" value="1000" units="1/cm"/>
+        </inkml:channelProperties>
+      </inkml:inkSource>
+      <inkml:timestamp xml:id="ts0" timeString="2025-06-14T13:19:29.278"/>
+    </inkml:context>
+    <inkml:brush xml:id="br0">
+      <inkml:brushProperty name="width" value="0.3" units="cm"/>
+      <inkml:brushProperty name="height" value="0.6" units="cm"/>
+      <inkml:brushProperty name="color" value="#FFFC00"/>
+      <inkml:brushProperty name="tip" value="rectangle"/>
+      <inkml:brushProperty name="rasterOp" value="maskPen"/>
+      <inkml:brushProperty name="ignorePressure" value="1"/>
+    </inkml:brush>
+  </inkml:definitions>
+  <inkml:trace contextRef="#ctx0" brushRef="#br0">12298 122,'-693'49,"286"-9,-494-6,0-35,444-1,-5903-2,4074 5,2261-1,-19-1,-77 10,116-8,0 0,0 0,1 0,-1 1,0 0,1 0,-1 0,1 0,0 1,0-1,0 1,0 1,0-1,0 0,1 1,0 0,0-1,0 1,0 1,0-1,1 0,0 1,0-1,0 1,0 0,1-1,0 1,-1 7,-1 11,2 1,0 0,1-1,7 41,-4-32,7 119,-4-49,21 112,112 461,27 142,626 3531,-690-3806,144 937,-94-274,32-8,-94-690,-88-499,2 14,0-1,2 1,9 24,-13-40,1-1,0 1,0 0,1-1,0 0,-1 0,2 0,-1 0,0-1,1 1,0-1,0 0,1-1,-1 1,9 3,-1-2,0 0,0-1,0-1,0 0,0-1,23 0,85-5,-61 0,60-2,453-22,-2-47,-383 41,2 9,211-1,609 27,101-1,-786-20,24 0,1485 15,-942 7,7255-3,-8146 0,13 0,0 0,0 0,0-2,0 0,18-5,-28 6,-1 0,1-1,-1 0,1 0,-1 0,1 0,-1 0,0-1,0 1,0-1,0 0,-1 0,1 0,-1 0,0 0,1-1,-2 1,1-1,0 1,-1-1,1 0,-1 0,0 1,0-5,5-42,-2 0,-3 0,-7-69,2 20,0-1136,44 606,34 4,-13-97,-34 324,22-21,9-140,-53-283,-17 620,-62-344,-94-214,82 405,-47-277,73 359,-20-122,31-174,44-5,6-325,-1 897,-1 1,-5-38,4 52,0 0,0 0,0 0,-1 0,0 1,0-1,-1 1,0 0,0 0,0 0,-1 0,-5-4,-4-3,-1 1,0 1,-1 0,0 1,-1 1,0 0,0 2,-1 0,0 1,-36-8,-12 3,-123-3,90 9,-578-45,-1145-50,295 100,637 4,615-1,-386 55,417-20,-218 31,-3-37,152-12,215-14,-1-3,-155-17,-39-16</inkml:trace>
+</inkml:ink>
+</file>
+
+<file path=ppt/ink/ink16.xml><?xml version="1.0" encoding="utf-8"?>
+<inkml:ink xmlns:inkml="http://www.w3.org/2003/InkML">
+  <inkml:definitions>
+    <inkml:context xml:id="ctx0">
+      <inkml:inkSource xml:id="inkSrc0">
+        <inkml:traceFormat>
+          <inkml:channel name="X" type="integer" min="-2.14748E9" max="2.14748E9" units="cm"/>
+          <inkml:channel name="Y" type="integer" min="-2.14748E9" max="2.14748E9" units="cm"/>
+        </inkml:traceFormat>
+        <inkml:channelProperties>
+          <inkml:channelProperty channel="X" name="resolution" value="1000" units="1/cm"/>
+          <inkml:channelProperty channel="Y" name="resolution" value="1000" units="1/cm"/>
+        </inkml:channelProperties>
+      </inkml:inkSource>
+      <inkml:timestamp xml:id="ts0" timeString="2025-06-13T15:17:54.529"/>
+    </inkml:context>
+    <inkml:brush xml:id="br0">
+      <inkml:brushProperty name="width" value="0.3" units="cm"/>
+      <inkml:brushProperty name="height" value="0.6" units="cm"/>
+      <inkml:brushProperty name="color" value="#FFFC00"/>
+      <inkml:brushProperty name="tip" value="rectangle"/>
+      <inkml:brushProperty name="rasterOp" value="maskPen"/>
+      <inkml:brushProperty name="ignorePressure" value="1"/>
+    </inkml:brush>
+  </inkml:definitions>
+  <inkml:trace contextRef="#ctx0" brushRef="#br0">1082 1870,'1'12,"0"0,1 0,1 0,0-1,7 18,1 7,5 33,-3 0,7 128,-18 144,-3-204,1 200,-25 793,-2-753,-108 1010,30-338,33-243,41 78,32-680,0-122,3 0,16 82,-18-157,-1 0,1 0,1 0,-1 0,6 9,-8-15,1-1,-1 1,0 0,1 0,-1-1,1 1,0 0,-1-1,1 1,-1-1,1 1,0-1,0 1,-1-1,1 1,0-1,0 0,-1 1,1-1,0 0,0 0,1 1,-1-2,0 1,0-1,0 1,0-1,1 0,-1 1,0-1,0 0,0 0,-1 0,1 1,0-1,0 0,0 0,-1 0,1-1,0 1,-1 0,1 0,0-2,6-13,-1 0,-1 0,-1 0,0 0,3-33,1-95,-7 101,0-688,-4 342,3 371,-1-1,1 0,1 0,7-34,-8 52,0 0,0 0,0 0,0 0,1 0,-1 0,0 0,1 0,-1 0,0 0,1 0,-1 0,1 0,0 0,-1 1,1-1,0 0,-1 0,1 0,0 1,0-1,0 1,0-1,0 0,0 1,-1 0,1-1,0 1,0-1,1 1,-1 0,1 0,0 0,0 1,-1 0,1 0,-1 0,1 0,-1 0,1 1,-1-1,0 0,1 1,-1-1,0 1,0-1,0 1,0 0,0-1,-1 1,2 3,27 76,-4 1,16 96,-19-37,4 16,-21-134,1-1,1 1,1-1,14 29,-21-49,-1-1,1 1,0 0,-1-1,1 1,0-1,0 1,0-1,0 1,0-1,0 1,1-1,-1 0,0 0,1 0,-1 0,1 0,-1 0,1 0,-1 0,1 0,0-1,-1 1,1-1,2 1,-2-2,0-1,0 1,-1-1,1 0,-1 0,1 0,-1 0,0 0,0 0,0 0,0 0,0 0,0 0,0 0,-1-1,1 1,-1 0,0-1,1 1,-1-4,11-107,-6-218,-7 198,-2-434,3 1205,2-347,-2-258,2 43,-1-70,1-1,0 1,0-1,0 0,1 0,0 0,0 0,0 0,0 0,6 8,-8-13,1 1,-1-1,0 1,0-1,0 1,1-1,-1 0,0 1,1-1,-1 0,0 1,1-1,-1 0,0 1,1-1,-1 0,1 0,-1 1,1-1,-1 0,1 0,-1 0,0 0,1 1,-1-1,1 0,-1 0,1 0,-1 0,1 0,-1 0,1 0,-1 0,1-1,-1 1,1 0,-1 0,1 0,-1 0,0-1,1 1,-1 0,1-1,-1 1,0 0,1 0,-1-1,1 0,11-31,-4-20,-2-1,-2-60,-3 75,4-207,-3-103,-1-119,-1-120,-3-2809,3 3320,7-182,-1 229,-6 29,0 0,1 0,-1 0,0 0,0 0,1 0,-1 0,0 0,0 0,0 0,1 0,-1 0,0 0,0 0,1 0,-1 1,0-1,0 0,0 0,1 0,-1 0,0 0,0 0,0 1,1-1,-1 0,0 0,0 0,0 1,0-1,0 0,0 0,1 0,-1 1,0-1,0 0,0 0,0 0,0 1,0-1,0 0,0 0,0 1,0-1,0 0,0 0,0 1,0-1,0 0,0 0,12 65,112 1160,-76 15,-48-1225,2 81,18 126,-4-153,-16-67,1 0,-1 0,1 0,-1 0,1 0,0 0,-1 0,1 0,0-1,0 1,0 0,1-1,-1 1,0-1,1 1,-1-1,1 1,-1-1,1 0,0 0,-1 0,1 0,0 0,0 0,3 0,-3-1,-1-1,1 0,0 0,-1-1,1 1,-1 0,1-1,-1 1,0 0,0-1,1 1,-1-1,0 0,0 1,0-1,-1 0,1 0,0 0,-1 0,1 1,-1-1,0 0,1-2,7-39,-2 1,-2-1,-2 0,-7-86,4 87,-19-290,-12-106,-177-2185,161 2100,33 417,14 472,-6-10,-96 823,-67 3,111-794,56-367,-81 630,81-626,1-11,1 0,0 0,0 0,2 0,0 0,3 19,2-24,1-18,2-37,-3-46,-3 0,-13-118,-30-169,-36-149,-37-135,-246-1217,219 1170,74 371,26 171,40 168,0-1,0 0,-1 0,1 0,0 0,0 0,-1 0,1 0,-1 0,1 0,-1 1,1-1,-1 0,1 0,-1 1,0-1,1 0,-1 1,0-1,0 0,-1 0,1 2,0 0,0 0,1 0,-1 1,0-1,1 0,-1 1,1-1,-1 0,1 1,0-1,-1 0,1 1,0-1,0 3,-6 158,7 130,25 2148,-25-2352,7 184,-3-205,27 127,-30-186,0 1,1-1,0 0,7 13,-10-20,0-1,0 0,0 1,0-1,0 0,0 0,1 1,-1-1,0 0,0 0,0 1,1-1,-1 0,0 0,0 0,1 0,-1 1,0-1,0 0,1 0,-1 0,0 0,1 0,-1 0,0 0,0 0,1 1,-1-1,0 0,1 0,-1 0,0-1,1 1,-1 0,0 0,1 0,-1 0,0 0,0 0,1 0,-1 0,0-1,0 1,1 0,-1 0,0-1,12-31,-2-41,-2 0,-4-79,0 18,14-308,65-943,61 4,-97 1074,-42 275,1 0,2 1,13-34,-21 64,1 0,-1 0,0 0,1 1,-1-1,1 0,-1 0,1 0,-1 0,1 0,0 1,-1-1,1 0,0 0,0 1,0-1,-1 1,1-1,0 1,0-1,0 1,0-1,0 1,2-1,-2 2,0 0,0-1,1 1,-1 0,0 0,0 0,0 0,0 0,-1 0,1 0,0 0,0 0,0 0,-1 1,1-1,-1 0,1 0,-1 1,1 1,8 30,-2 1,6 66,7 218,-8 123,-67 2365,22-2377,10-170,-15 235,42-410,10-335,-12 186,4-243,69-1814,-69 2043,-3 69,-1 18,1 129,-2 137,-1 104,-17 897,1-218,18-688,1-223,28 191,-8-234,-22-99,0 1,1 0,0-1,0 1,0-1,0 0,1 1,-1-1,1 0,0-1,1 1,-1 0,1-1,-1 0,8 5,-10-8,0 1,1-1,-1 1,0-1,1 0,-1 0,0 0,1 0,-1 0,0 0,0 0,1 0,-1-1,0 1,1 0,-1-1,0 1,0-1,0 0,1 1,-1-1,0 0,0 0,0 1,0-1,0 0,0 0,-1 0,1 0,0 0,0 0,-1-1,1 1,0 0,0-3,6-10,-2 0,1-1,-2 0,1-1,1-18,13-105,1-159,-18 253,43-1724,-46 2064,-90 1838,87-2072,-8 242,21-217,-1-64,-8-22,0 0,0 1,0-1,0 0,0 0,1 0,-1 1,0-1,0 0,0 0,0 0,0 0,0 0,1 0,-1 1,0-1,0 0,0 0,1 0,-1 0,0 0,0 0,0 0,0 0,1 0,-1 0,0 0,0 0,0 0,1 0,-1 0,0 0,0 0,0 0,1 0,-1 0,0 0,0 0,0 0,1 0,-1 0,0 0,0-1,0 1,0 0,1 0,1-4,0 0,-1 1,1-1,-1 0,1 0,-1 0,-1-1,2-5,9-87,-3-105,-6 150,3-273,-1-102,-4-2081,-1 2033,1 424,1 19,-2 0,-6-51,1 71,-1 19,-5 30,-57 320,25 11,44-366,-56 1000,57-987,2 44,-2-56,-1 0,1 0,-1 0,1 0,0 0,0 0,0 0,1-1,-1 1,1 0,-1-1,1 1,4 4,-5-7,-1 1,1-1,0 1,-1-1,1 0,0 1,0-1,0 0,-1 0,1 0,0 1,0-1,0 0,-1 0,1 0,0 0,0 0,0-1,0 1,-1 0,1 0,0 0,0-1,-1 1,1 0,0-1,0 1,-1-1,1 1,0-1,-1 1,1-1,-1 1,1-1,0 0,-1 1,0-1,1 0,-1 1,1-2,18-38,-8-1,-3 0,-1-1,3-76,-10 105,19-1394,-24 835,7 541,3 78,23 866,-27-695,4 1959,-5-2129,-1 15,8 64,-2-105,-3-24,0-42,-7-298,2 23,0-96,81-1962,-72 2280,23-215,-22 285,-6 27,-1 0,0 0,0 0,1 0,-1 0,0 0,0 0,0-1,1 1,-1 0,0 0,0 0,1 0,-1 0,0 1,0-1,0 0,1 0,-1 0,0 0,0 0,0 0,1 0,-1 0,0 0,0 0,0 1,1-1,-1 0,0 0,0 0,0 0,0 1,1-1,-1 0,0 0,0 0,0 1,0-1,0 0,0 0,0 0,0 1,0-1,0 0,0 0,0 1,0-1,0 0,0 0,0 0,0 1,0-1,0 0,0 0,0 1,0-1,0 0,0 1,5 32,1 50,1 150,-2 101,-94 2216,85-2485,-9 285,14-328,0 0,6 26,0-31,-7-17,0 0,0 0,1 0,-1 0,0 0,0 0,1 0,-1 0,0 0,0 0,1 0,-1 0,0 0,0 0,1 0,-1 0,0 0,0 0,0-1,1 1,-1 0,0 0,0 0,0 0,1 0,-1-1,0 1,0 0,0 0,0 0,0-1,1 1,-1 0,0 0,0 0,0-1,0 1,0 0,0 0,0-1,0 1,0 0,0 0,0-1,4-14,0 0,-1 0,1-22,15-348,-16 297,11-309,189-1817,-171 2012,-20 161,-12 41,0 0,0 1,0-1,0 0,0 0,0 0,0 1,0-1,0 0,0 0,0 0,0 0,0 1,1-1,-1 0,0 0,0 0,0 0,0 1,0-1,1 0,-1 0,0 0,0 0,0 0,0 0,1 0,-1 1,0-1,0 0,0 0,1 0,-1 0,0 0,0 0,0 0,1 0,-1 0,0 0,0 0,0 0,1 0,-1 0,0 0,0-1,0 1,1 0,-1 0,0 0,0 0,0 0,0 0,1 0,-1-1,0 1,0 0,0 0,0 0,0 0,1-1,-1 1,0 0,0 0,0 0,0-1,4 24,-1 0,-1-1,-1 36,-9 223,-22 118,-152 1142,-57 1,230-1489,-23 203,32-254,-1 0,1 0,-1 0,1 0,0 0,0-1,0 1,0 0,0 0,1 0,-1 0,0 0,1 0,0-1,-1 1,1 0,0 0,1 2,0-7,0 0,0 0,-1-1,1 1,-1 0,0-1,0 1,-1-1,1 1,0-6,26-297,-24 233,17-283,114-964,115 8,-202 1137,-26 130,-21 44,1 1,-1 0,0-1,0 1,0 0,1 0,-1 0,0-1,0 1,1 0,-1 0,0 0,0-1,1 1,-1 0,0 0,1 0,-1 0,0 0,1 0,-1 0,0 0,0 0,1 0,-1 0,0 0,1 0,-1 0,0 0,1 0,-1 0,0 0,1 0,-1 0,0 1,0-1,1 0,-1 0,0 0,0 0,1 1,-1-1,0 0,0 0,0 1,1-1,-1 0,0 0,0 1,0-1,0 0,0 1,1-1,-1 0,0 0,0 1,3 12,0 0,-1 0,0 0,0 22,-3 191,-84 667,-62 6,-24 184,164-1040,8-72,5-47,-32 338,25-254,-89 617,-49 423,133-984,-14 116,9-122</inkml:trace>
+</inkml:ink>
+</file>
+
+<file path=ppt/ink/ink17.xml><?xml version="1.0" encoding="utf-8"?>
+<inkml:ink xmlns:inkml="http://www.w3.org/2003/InkML">
+  <inkml:definitions>
+    <inkml:context xml:id="ctx0">
+      <inkml:inkSource xml:id="inkSrc0">
+        <inkml:traceFormat>
+          <inkml:channel name="X" type="integer" min="-2.14748E9" max="2.14748E9" units="cm"/>
+          <inkml:channel name="Y" type="integer" min="-2.14748E9" max="2.14748E9" units="cm"/>
+        </inkml:traceFormat>
+        <inkml:channelProperties>
+          <inkml:channelProperty channel="X" name="resolution" value="1000" units="1/cm"/>
+          <inkml:channelProperty channel="Y" name="resolution" value="1000" units="1/cm"/>
+        </inkml:channelProperties>
+      </inkml:inkSource>
+      <inkml:timestamp xml:id="ts0" timeString="2025-06-13T15:17:56.637"/>
+    </inkml:context>
+    <inkml:brush xml:id="br0">
+      <inkml:brushProperty name="width" value="0.3" units="cm"/>
+      <inkml:brushProperty name="height" value="0.6" units="cm"/>
+      <inkml:brushProperty name="color" value="#FFFC00"/>
+      <inkml:brushProperty name="tip" value="rectangle"/>
+      <inkml:brushProperty name="rasterOp" value="maskPen"/>
+      <inkml:brushProperty name="ignorePressure" value="1"/>
+    </inkml:brush>
+  </inkml:definitions>
+  <inkml:trace contextRef="#ctx0" brushRef="#br0">1407 6666,'10'12,"-1"1,0 1,-1-1,0 1,-1 1,6 16,-2-7,-6-12,0 0,0 1,-1-1,3 20,-6-28,-1 0,1 0,-1 1,0-1,0 0,-1 0,1 0,-1 0,0 0,0 0,-1 0,1 0,-1 0,0 0,0 0,0-1,-3 5,-5 2,6-13,12-32,441-1586,-344 1105,46-627,-132 770,-22 293,3 79,0 1,1-1,-1 1,0 0,0-1,0 1,0-1,0 1,0-1,0 1,0 0,0-1,0 1,-1-1,1 1,0 0,0-1,0 1,0-1,-1 1,1 0,0-1,0 1,-1 0,1-1,0 1,0 0,-1-1,1 1,0 0,-1 0,1-1,-1 1,1 0,0 0,-1 0,1 0,-1 0,1-1,0 1,-1 0,1 0,-1 0,1 0,-1 0,1 0,0 0,-1 0,1 1,-1-1,1 0,0 0,-1 0,1 0,-1 0,1 1,0-1,-1 0,1 0,0 1,-1-1,1 0,0 1,-1-1,1 1,-11 13,1 0,0 1,2 1,0-1,0 1,1 1,-4 18,-2-2,-188 563,192-568,7-20,-9 25,1 0,-9 62,19-77,4-17,9-35,30-192,-35 172,58-403,-21-3,-15-512,-42 771,11 183,-2-1,0 1,-1 0,-9-27,13 44,0-1,-1 1,1 0,0 0,-1 0,1 0,-1 0,1 0,-1 0,0 0,1 0,-1 0,0 0,0 0,1 1,-1-1,0 0,0 1,0-1,0 0,0 1,0-1,0 1,0-1,-1 1,1 0,0 0,0-1,0 1,0 0,0 0,-1 0,1 0,0 0,0 0,0 1,0-1,0 0,-1 0,1 1,0-1,0 1,0-1,0 1,0-1,0 1,-1 1,-9 8,2 0,-1 1,1 0,1 1,0 0,-11 23,-88 187,-28 107,-709 2129,830-2412,-59 246,71-239,2-52,0-1,0 1,0-1,0 0,0 1,0-1,0 1,1-1,-1 1,0-1,0 0,0 1,0-1,1 1,-1-1,0 0,0 1,1-1,-1 0,0 1,0-1,1 0,-1 0,0 1,1-1,-1 0,1 0,-1 1,0-1,1 0,1 0,-1-1,0 0,0 0,0 1,0-1,0 0,0 0,0 0,0 0,0 0,0 0,-1 0,1 0,0-1,0-1,17-33,-2-1,-2-1,-2 0,11-51,-20 76,51-240,-7-97,-20-108,-32-123,-94-671,-73 3,110 880,15 129,43 218,-1 1,-1 1,-14-36,20 56,-1-1,1 0,0 1,0-1,-1 1,1-1,0 1,-1-1,1 1,0-1,-1 1,1-1,-1 1,1 0,-1-1,1 1,-1 0,1-1,-1 1,1 0,-1-1,0 1,1 0,-1 0,1 0,-1 0,0 0,1 0,-1 0,1 0,-2 0,0 1,1 0,-1 0,1 1,0-1,0 0,0 1,-1-1,1 1,1 0,-1-1,0 1,0 0,0 3,-13 40,-10 63,-29 177,-12 114,-117 810,38 2,111-656,33-543,6 112,-5-115,0 0,1 0,0 0,1 0,0 0,0 0,1-1,0 1,7 10,-10-17,-1-1,1 0,0 0,0 0,0 1,0-1,0 0,0 0,0 0,1-1,-1 1,0 0,0 0,1-1,-1 1,0 0,1-1,-1 1,1-1,-1 0,0 0,1 1,-1-1,1 0,-1 0,1 0,-1 0,1-1,-1 1,1 0,-1-1,1 1,-1-1,0 1,1-1,-1 0,0 1,2-2,3-3,-1 0,1 0,-1 0,-1-1,1 0,-1 1,5-9,12-29,-1 0,-3-1,-1-1,-2 0,10-64,24-142,21-355,-35-260,-30 606,-3 69</inkml:trace>
+</inkml:ink>
+</file>
+
+<file path=ppt/ink/ink18.xml><?xml version="1.0" encoding="utf-8"?>
+<inkml:ink xmlns:inkml="http://www.w3.org/2003/InkML">
+  <inkml:definitions>
+    <inkml:context xml:id="ctx0">
+      <inkml:inkSource xml:id="inkSrc0">
+        <inkml:traceFormat>
+          <inkml:channel name="X" type="integer" min="-2.14748E9" max="2.14748E9" units="cm"/>
+          <inkml:channel name="Y" type="integer" min="-2.14748E9" max="2.14748E9" units="cm"/>
+        </inkml:traceFormat>
+        <inkml:channelProperties>
+          <inkml:channelProperty channel="X" name="resolution" value="1000" units="1/cm"/>
+          <inkml:channelProperty channel="Y" name="resolution" value="1000" units="1/cm"/>
+        </inkml:channelProperties>
+      </inkml:inkSource>
+      <inkml:timestamp xml:id="ts0" timeString="2025-06-13T15:48:12.685"/>
+    </inkml:context>
+    <inkml:brush xml:id="br0">
+      <inkml:brushProperty name="width" value="0.3" units="cm"/>
+      <inkml:brushProperty name="height" value="0.6" units="cm"/>
+      <inkml:brushProperty name="color" value="#FFFC00"/>
+      <inkml:brushProperty name="tip" value="rectangle"/>
+      <inkml:brushProperty name="rasterOp" value="maskPen"/>
+      <inkml:brushProperty name="ignorePressure" value="1"/>
+    </inkml:brush>
+  </inkml:definitions>
+  <inkml:trace contextRef="#ctx0" brushRef="#br0">2200 415,'-5'8,"0"1,-1-1,0-1,0 1,-1-1,0 0,0-1,-1 1,1-2,-1 1,-1-1,1 0,-1 0,0-1,-13 4,-10 2,-1-1,0-1,-38 2,-123 7,-258-12,294-7,-923-4,1284-25,489-117,-574 119,-82 20,-16 3,0 1,0 1,1 1,22-1,-92 27,-154 68,-27 12,115-59,-1-1,1 5,-124 72,226-112,0 0,0 1,1 1,1 0,0 0,-18 22,27-29,0-1,0 1,0 0,0 0,0 0,1 1,0-1,-1 0,1 0,0 1,1-1,-1 1,0-1,1 1,0-1,0 1,0-1,0 1,1-1,-1 1,1-1,0 1,0-1,0 0,1 1,-1-1,1 0,0 0,-1 0,1 0,1 0,-1-1,0 1,5 3,12 9,0-1,2 0,-1-2,2 0,-1-2,2 0,-1-2,32 8,-17-3,224 66,2-12,4-12,298 24,-304-58,370-19,-613-3,-27 0,-36 2,-109 14,-175 40,140-21,156-28,-373 66,378-64,26-7,19-5,2-1,197-40,27 14,112 3,161 11,224 29,233 55,189 59,890 153,177 21,15-93,-1628-179,-132-20,-124-15,-269 5,0-4,153-32,-215 31,-1-1,0-2,46-22,-65 27,-1 1,1-2,-1 1,0-1,-1 0,1-1,-1 1,-1-2,1 1,-1-1,0 0,-1 0,0 0,5-11,-9 15,0 1,0 0,-1 0,1-1,-1 1,1 0,-1-1,0 1,0 0,-1-1,1 1,-1 0,0-1,0 1,0 0,0 0,0 0,-1 0,1 0,-1 0,0 0,0 0,0 1,0-1,0 1,-1-1,1 1,-1 0,1 0,-4-2,-9-7,0 0,0 2,-1-1,0 2,-25-10,-106-27,-114-10,-134 3,-198-13,-236-31,-239-48,-199-55,-4942-970,5533 1027,230 47,326 68,54 11,0 3,-87-7,145 20,-1 0,0 1,1-1,-1 2,1-1,0 1,-1 1,1-1,0 1,0 1,0-1,-14 10,4 1,-1 1,2 1,-19 21,5-6,-201 167,95-87,130-106,4-3,0 1,0-1,0 1,0 0,1 0,-1 0,1 0,-4 6,6-8,-1 0,1 0,0-1,0 1,0 0,0-1,0 1,0 0,0-1,0 1,0 0,0 0,0-1,0 1,1 0,-1-1,0 1,0 0,1-1,-1 1,1-1,0 2,24 13,8-5,60 9,163 21,154 23,148 27,1360 238,-424-71,-1473-253,55 8,119 35,-191-45,1-1,0 1,-1-1,1 0,0 0,0 0,0-1,8 0,-9-1,-1 0,1-1,-1 1,0-1,0 0,1 1,-1-1,-1-1,4-1,10-8,139-86,232-108,-309 167,30-16,327-149,-573 296,91-64</inkml:trace>
+</inkml:ink>
+</file>
+
+<file path=ppt/ink/ink19.xml><?xml version="1.0" encoding="utf-8"?>
+<inkml:ink xmlns:inkml="http://www.w3.org/2003/InkML">
+  <inkml:definitions>
+    <inkml:context xml:id="ctx0">
+      <inkml:inkSource xml:id="inkSrc0">
+        <inkml:traceFormat>
+          <inkml:channel name="X" type="integer" min="-2.14748E9" max="2.14748E9" units="cm"/>
+          <inkml:channel name="Y" type="integer" min="-2.14748E9" max="2.14748E9" units="cm"/>
+        </inkml:traceFormat>
+        <inkml:channelProperties>
+          <inkml:channelProperty channel="X" name="resolution" value="1000" units="1/cm"/>
+          <inkml:channelProperty channel="Y" name="resolution" value="1000" units="1/cm"/>
+        </inkml:channelProperties>
+      </inkml:inkSource>
+      <inkml:timestamp xml:id="ts0" timeString="2025-06-13T15:49:17.439"/>
+    </inkml:context>
+    <inkml:brush xml:id="br0">
+      <inkml:brushProperty name="width" value="0.3" units="cm"/>
+      <inkml:brushProperty name="height" value="0.6" units="cm"/>
+      <inkml:brushProperty name="color" value="#FFFC00"/>
+      <inkml:brushProperty name="tip" value="rectangle"/>
+      <inkml:brushProperty name="rasterOp" value="maskPen"/>
+      <inkml:brushProperty name="ignorePressure" value="1"/>
+    </inkml:brush>
+  </inkml:definitions>
+  <inkml:trace contextRef="#ctx0" brushRef="#br0">10905 1684,'-125'-3,"-129"-21,-123-38,272 43,-278-50,-88-22,-102-22,-96-18,97 18,-1389-254,-15 136,1694 220,-305 27,218-3,-75 5,116 21,-533 131,839-164,-1 0,1 1,0 1,-36 19,56-26,0 0,0 1,0-1,1 0,-1 1,0-1,1 1,-1-1,1 1,-1 0,1 0,0 0,-1 0,1 0,0 0,-1 3,3-3,-1 0,0-1,0 1,1 0,-1 0,1 0,-1 0,1-1,0 1,0 0,-1-1,1 1,0 0,1-1,-1 1,0-1,0 0,1 1,-1-1,1 0,-1 0,3 2,25 15,-1-1,2-1,0-2,1 0,1-3,33 9,-34-10,266 78,128 19,110 18,846 157,20-92,-1340-186,-37-3,1 1,0 1,-1 1,37 11,-59-14,-1 0,1-1,-1 1,1 0,-1 0,1-1,-1 1,0 0,0 0,1 1,-1-1,0 0,0 0,0 1,0-1,0 0,0 1,0-1,-1 1,2 2,1 33,-4-32,1 0,0-1,0 1,1 0,-1-1,1 1,0-1,0 1,4 7,-1-4,1-1,0 0,1 0,-1 0,1-1,1 0,-1 0,9 5,6 3,0-1,24 10,37 14,2-3,88 22,180 31,-348-86,21 4,304 66,-224-53,111 4,-176-25,-40 3,0 0,0-1,0 1,0 0,0-1,0 1,0-1,0 1,0 0,0-1,0 1,0-1,-1 1,1 0,0-1,0 1,0 0,0-1,-1 1,1 0,0-1,0 1,-1 0,1 0,0-1,-1 1,1 0,0 0,-1-1,1 1,0 0,-1 0,1 0,0 0,-1 0,1 0,-1-1,1 1,0 0,-1 0,1 0,-1 0,1 1,-89-31,-153-31,-133-22,-1034-185,320 65,840 149,183 36,59 14,14 2,111 15,206 40,196 42,164 33,726 146,1330 234,-2484-469,-221-34,52 0,-86-5,-1 0,0 0,1 1,-1-1,1 0,-1 0,0 0,1 0,-1 0,0 0,1 0,-1 0,1 0,-1 0,0 0,1-1,-1 1,0 0,1 0,-1 0,1 0,-1-1,0 1,0 0,1 0,-1 0,0-1,1 1,-1 0,0-1,0 1,1 0,-1-1,0 1,0 0,0-1,1 1,-20-13,-62-17,-146-35,177 53,-431-98,-750-71,1193 178,29 4,1-1,0-1,-1 1,1-1,0-1,0 1,0-1,0-1,0 0,0 0,1 0,-11-7,17 9,0 1,1-1,-1 0,1 1,-1-1,1 0,-1 0,1 0,-1 1,1-1,0 0,0 0,-1 0,1 0,0 0,0 0,0 0,0 1,0-1,0 0,0 0,0 0,0 0,0 0,1 0,-1 0,0 0,1 1,-1-1,0 0,1 0,-1 0,1 1,0-1,0-1,28-23,35-15,-41 27,41-31,-58 39,1-1,-1-1,0 1,0-1,0 0,-1 0,0-1,-1 1,7-16,-4 5,1 0,1 0,1 0,0 1,2 1,0-1,0 2,2 0,-1 1,29-23,161-117,-199 152,-1 0,0 0,0-1,0 1,-1-1,1 0,-1 1,1-1,-1 0,0 0,0-1,0 1,0 0,-1-1,1 1,-1-1,0 1,0-1,-1 0,1 1,0-8,-3 7,0 0,0-1,0 1,0 0,-1 0,0 0,0 0,0 1,0-1,0 1,-1-1,0 1,1 1,-1-1,0 0,-1 1,1 0,0 0,-5-2,-33-14,-84-26,-174-33,-169-28,-208-39,-198-35,-1546-288,66 14,2154 414,139 30,62 9,0 0,0 0,0 1,1-1,-1 0,0 0,0 0,0 0,0 0,0 0,0 0,0 0,0 0,0 0,0 0,0 1,0-1,0 0,0 0,0 0,0 0,0 0,0 0,0 0,0 0,0 0,0 0,0 0,0 1,0-1,0 0,0 0,0 0,0 0,27 9,458 110,-191-50,1825 365,-1091-275,-999-154,-29-5,0 0,0 0,-1 0,1 0,0 0,0 0,0 0,0 0,0 0,0 0,0 0,0 1,0-1,0 0,0 0,0 0,0 0,0 0,0 0,0 0,0 0,0 0,-1 0,1 0,0 1,0-1,0 0,0 0,0 0,0 0,0 0,0 0,0 0,-48 1,38-1,-375 6,-434 63,789-65,0-1,1 1,-1 1,-47 17,67-15,19-1,18 0,1-1,-1-1,45 0,5 0,813 64,-884-67,8-1,0 2,0 0,-1 1,28 8,-39-10,0 0,1 0,-1 0,0 0,0 1,0-1,0 1,0-1,0 1,0 0,-1 0,1 0,0 0,-1 0,0 0,1 0,-1 0,0 0,0 1,0-1,-1 1,1-1,0 0,-1 1,0-1,1 1,-1-1,0 1,0-1,-1 1,1-1,-1 5,-13 39,10-34,0 0,1 0,-3 17,5-25,1-1,0 1,0 0,0-1,1 1,-1-1,1 1,0 0,0-1,0 0,0 1,1-1,-1 0,1 1,0-1,3 3,1 1,1 0,0-1,1 0,-1 0,1 0,1-1,-1 0,1-1,-1 0,1-1,1 1,-1-2,11 3,19 3,73 4,-104-12,535 5,-439-8,-94 3,-1 0,0 0,1 1,-1 0,12 4,-16-4,-1 1,1 0,-1 0,0 1,0-1,0 1,0 0,0 0,-1 0,1 1,5 6,-5-5,0-1,0 0,0 0,1-1,0 1,-1-1,1 0,1 0,-1 0,0-1,10 3,4 0,1-1,24 2,-37-6,100 9,108-6,116-18,-164 5,-67 5,209-5,-246 11,-1 3,117 24,-26 0,-72-17</inkml:trace>
+</inkml:ink>
+</file>
+
+<file path=ppt/ink/ink2.xml><?xml version="1.0" encoding="utf-8"?>
+<inkml:ink xmlns:inkml="http://www.w3.org/2003/InkML">
+  <inkml:definitions>
+    <inkml:context xml:id="ctx0">
+      <inkml:inkSource xml:id="inkSrc0">
+        <inkml:traceFormat>
+          <inkml:channel name="X" type="integer" min="-2.14748E9" max="2.14748E9" units="cm"/>
+          <inkml:channel name="Y" type="integer" min="-2.14748E9" max="2.14748E9" units="cm"/>
+        </inkml:traceFormat>
+        <inkml:channelProperties>
+          <inkml:channelProperty channel="X" name="resolution" value="1000" units="1/cm"/>
+          <inkml:channelProperty channel="Y" name="resolution" value="1000" units="1/cm"/>
+        </inkml:channelProperties>
+      </inkml:inkSource>
+      <inkml:timestamp xml:id="ts0" timeString="2025-06-14T13:13:38.919"/>
+    </inkml:context>
+    <inkml:brush xml:id="br0">
+      <inkml:brushProperty name="width" value="0.3" units="cm"/>
+      <inkml:brushProperty name="height" value="0.6" units="cm"/>
+      <inkml:brushProperty name="color" value="#FFFC00"/>
+      <inkml:brushProperty name="tip" value="rectangle"/>
+      <inkml:brushProperty name="rasterOp" value="maskPen"/>
+      <inkml:brushProperty name="ignorePressure" value="1"/>
+    </inkml:brush>
+  </inkml:definitions>
+  <inkml:trace contextRef="#ctx0" brushRef="#br0">3634 755,'-63'-8,"13"1,-587-15,498 21,-1315 0,956 1,493 0,-43 3,47-3,0-1,0 1,0 0,0 0,1 0,-1 0,0 1,0-1,0 0,0 0,0 0,0 1,0-1,0 0,1 1,-1-1,0 1,0-1,0 1,1-1,-1 1,0 0,1-1,-1 1,0 0,1 0,-1-1,1 1,-1 0,1 0,0 0,-1 0,1 0,0-1,0 1,-1 0,1 2,1-2,0 1,0-1,0 1,0-1,0 0,0 0,0 1,0-1,1 0,-1 0,0 0,1 0,-1 0,1-1,-1 1,1 0,-1-1,1 1,3 0,42 8,-39-8,123 13,178-4,-198-9,1472-40,-1187-6,-332 33,-1-3,0-2,-1-4,63-29,-96 36,0 1,1 2,0 1,1 1,0 1,0 2,1 2,37-2,216 8,-281-2,-1 0,1 0,-1 0,0 0,1-1,-1 1,1-1,-1 0,0 0,1 0,-1-1,0 1,3-3,-6 4,0-1,1 1,-1 0,0-1,0 1,0-1,0 1,0-1,0 1,0 0,0-1,0 1,0-1,0 1,0-1,0 1,0 0,0-1,0 1,-1-1,1 1,0-1,0 1,0 0,-1-1,1 1,0 0,0-1,-1 1,1 0,0-1,-1 1,1 0,-1-1,-33-19,-83-26,-2 6,-144-31,205 56,-345-79,-4 17,-4 18,-1 18,-505 14,872 29,0 2,1 2,-1 1,1 3,-49 18,-47 18,-253 50,340-90,-60-1,28-2,82-3,0 0,0 0,0 1,0-1,0 1,0 0,0-1,0 1,1 1,-1-1,0 0,0 1,1 0,-1-1,1 1,-3 3,5-5,-1 1,1-1,0 1,-1-1,1 1,0-1,0 1,0 0,0-1,0 1,-1-1,1 1,0 0,0-1,0 1,1-1,-1 1,0 0,0-1,0 1,0-1,0 1,1 0,-1-1,0 1,1-1,-1 1,0-1,1 1,-1-1,3 3,-1-1,1 0,0 0,0 0,-1 0,1-1,0 1,1-1,3 2,57 16,85 16,-92-23,574 107,1023 59,-1256-165,-289-20,-106 7,-1 0,1 0,0-1,0 1,-1-1,1 0,0 0,0 0,-1 0,1 0,-1-1,0 1,5-4,-7 5,0-1,0 1,1-1,-1 1,0 0,0-1,0 1,0-1,0 1,0-1,0 1,0-1,0 1,0 0,0-1,0 1,-1-1,1 1,0-1,0 1,0 0,-1-1,1 1,0-1,0 1,-1 0,1-1,-1 1,-20-17,-16 0,0 2,0 1,-1 2,-45-9,60 15,-791-151,-14 61,-190 36,924 61,73 4,28 2,41 9,-48-16,446 94,16-28,-450-65,1113 94,-988-96,-86-4,-51 4,0 1,0 0,0 0,0 0,0 0,0 0,0 0,0 0,0 0,-1 0,1 0,0-1,0 1,0 0,0 0,0 0,0 0,0 0,0 0,0 0,0-1,0 1,0 0,0 0,0 0,0 0,0 0,0 0,0 0,0-1,0 1,0 0,0 0,1 0,-1 0,0 0,0 0,0 0,0 0,0 0,0-1,0 1,0 0,0 0,0 0,0 0,1 0,-1 0,0 0,0 0,0 0,0 0,0 0,0 0,0 0,1 0,-1 0,0 0,0 0,-28-6,-586-16,431 21,-831 1,1024 0,0 1,1-2,-1 0,0 0,0 0,0-1,0-1,16-6,-26 9,0 0,0 0,1-1,-1 1,0 0,0-1,1 1,-1 0,0 0,0-1,0 1,1-1,-1 1,0 0,0-1,0 1,0 0,0-1,0 1,0-1,0 1,0 0,0-1,0 1,0 0,0-1,0 1,0-1,-1 1,1 0,0-1,0 1,0 0,0-1,-1 1,1 0,0 0,0-1,-1 1,1 0,0 0,-1-1,1 1,0 0,-1 0,1 0,0-1,-1 1,-6-5,-1-1,0 1,0 1,-1 0,1 0,-1 1,-15-5,-71-11,81 16,-104-12,-220 1,332 14,-31 2,32 3,23 5,56 17,83 16,-92-26,967 223,7-37,-678-134,-187-35,-107-16,-67-18,0 0,0 0,0 0,0 0,0 0,0 1,0-1,0 0,0 0,0 0,0 0,0 0,0 0,0 1,0-1,0 0,0 0,0 0,0 0,0 0,0 0,0 1,0-1,0 0,0 0,0 0,0 0,0 0,0 0,0 1,0-1,0 0,0 0,0 0,0 0,1 0,-1 0,0 0,0 0,0 0,0 0,0 1,0-1,1 0,-42-2,-472-72,314 40,-110-17,-674-99,861 141,-187 8,152 5,146-4,0 0,0 1,-1 1,1 0,0 1,-11 4,20-7,0 1,0 0,0 0,1 0,-1 0,0 0,1 0,-1 0,0 1,1-1,0 1,-1-1,1 1,0 0,0-1,0 1,-1 2,1-2,1 1,0-1,0 0,0 0,0 0,0 0,0 0,1 1,-1-1,1 0,-1 0,1 0,0 0,0 0,0 0,0 0,0-1,1 1,-1 0,2 2,9 8,1 0,0-1,0-1,1 0,0-1,1 0,0-1,24 9,92 39,253 71,151-3,-496-117,68 16,168 12,-221-38,-53 3,-1 0,0 0,1-1,-1 1,0 0,1 0,-1 0,1 0,-1 0,0 0,1-1,-1 1,0 0,1 0,-1 0,0-1,0 1,1 0,-1-1,0 1,0 0,1-1,-1 1,0 0,0-1,0 1,0 0,1-1,-1 1,0 0,0-1,0 1,0 0,0-1,0 1,0-1,0 1,0 0,0-1,0 1,0-1,-1 1,1 0,0-1,0 1,0 0,0-1,-1 1,1 0,0-1,0 1,0 0,-1 0,1-1,0 1,-1 0,1 0,0-1,-1 1,-11-10,0 0,-1 1,0 1,0 0,-1 1,0 0,-24-8,3 1,-514-183,-18 38,465 131,96 27,-1-1,0 0,0 0,1-1,-1 1,-8-7,15 2,14 3,24 0,41 2,806 9,-389-1,-391-1,-1 4,0 5,201 54,-172-32,382 95,10-38,-483-89,58 0,-82-5,-1-1,0 0,0-1,0-1,33-11,142-71,51-19,-222 98,43-18,-59 23,-1 0,1 0,-1-1,0 0,0 0,0 0,0 0,0 0,-1-1,4-4,-7 8,1-1,-1 1,0-1,0 1,0-1,1 1,-1-1,0 1,0 0,0-1,0 1,0-1,0 1,0-1,0 1,0-1,0 1,0-1,0 1,0-1,0 1,0-1,-1 1,1-1,0 1,0-1,0 1,-1 0,1-1,0 1,-1-1,1 1,0 0,-1-1,1 1,0 0,-1 0,1-1,-1 1,1 0,-1 0,0-1,-9-3,-1 1,1 0,-1 0,0 1,0 0,0 1,0 0,-19 1,-3-1,-952-5,611 10,-34-2,586-9,-1-7,289-62,-323 54,-83 15,65-18,-74 12,189-58,-193 54</inkml:trace>
+</inkml:ink>
+</file>
+
+<file path=ppt/ink/ink20.xml><?xml version="1.0" encoding="utf-8"?>
+<inkml:ink xmlns:inkml="http://www.w3.org/2003/InkML">
+  <inkml:definitions>
+    <inkml:context xml:id="ctx0">
+      <inkml:inkSource xml:id="inkSrc0">
+        <inkml:traceFormat>
+          <inkml:channel name="X" type="integer" min="-2.14748E9" max="2.14748E9" units="cm"/>
+          <inkml:channel name="Y" type="integer" min="-2.14748E9" max="2.14748E9" units="cm"/>
+        </inkml:traceFormat>
+        <inkml:channelProperties>
+          <inkml:channelProperty channel="X" name="resolution" value="1000" units="1/cm"/>
+          <inkml:channelProperty channel="Y" name="resolution" value="1000" units="1/cm"/>
+        </inkml:channelProperties>
+      </inkml:inkSource>
+      <inkml:timestamp xml:id="ts0" timeString="2025-06-13T15:50:15.232"/>
+    </inkml:context>
+    <inkml:brush xml:id="br0">
+      <inkml:brushProperty name="width" value="0.3" units="cm"/>
+      <inkml:brushProperty name="height" value="0.6" units="cm"/>
+      <inkml:brushProperty name="color" value="#FFFC00"/>
+      <inkml:brushProperty name="tip" value="rectangle"/>
+      <inkml:brushProperty name="rasterOp" value="maskPen"/>
+      <inkml:brushProperty name="ignorePressure" value="1"/>
+    </inkml:brush>
+  </inkml:definitions>
+  <inkml:trace contextRef="#ctx0" brushRef="#br0">1 210,'0'-1,"1"0,-1 0,1-1,-1 1,1 0,-1 0,1 0,0 0,0 0,0 0,0 0,0 0,0 0,0 0,0 0,0 0,0 1,0-1,0 1,0-1,1 1,-1-1,0 1,1-1,-1 1,0 0,3 0,46-7,-40 7,520-12,-329 13,207 0,575-4,-6-32,-930 32,44-3,114-20,-197 25,1-1,0 1,-1-2,0 1,1-1,-1 0,0-1,0 0,-1 0,1-1,-1 0,10-9,-14 10,1 1,0-1,0 1,0 0,0 0,0 0,1 0,-1 1,1-1,-1 1,1 1,0-1,8-1,35-4</inkml:trace>
+</inkml:ink>
+</file>
+
+<file path=ppt/ink/ink21.xml><?xml version="1.0" encoding="utf-8"?>
+<inkml:ink xmlns:inkml="http://www.w3.org/2003/InkML">
+  <inkml:definitions>
+    <inkml:context xml:id="ctx0">
+      <inkml:inkSource xml:id="inkSrc0">
+        <inkml:traceFormat>
+          <inkml:channel name="X" type="integer" min="-2.14748E9" max="2.14748E9" units="cm"/>
+          <inkml:channel name="Y" type="integer" min="-2.14748E9" max="2.14748E9" units="cm"/>
+        </inkml:traceFormat>
+        <inkml:channelProperties>
+          <inkml:channelProperty channel="X" name="resolution" value="1000" units="1/cm"/>
+          <inkml:channelProperty channel="Y" name="resolution" value="1000" units="1/cm"/>
+        </inkml:channelProperties>
+      </inkml:inkSource>
+      <inkml:timestamp xml:id="ts0" timeString="2025-06-13T15:50:16.421"/>
+    </inkml:context>
+    <inkml:brush xml:id="br0">
+      <inkml:brushProperty name="width" value="0.3" units="cm"/>
+      <inkml:brushProperty name="height" value="0.6" units="cm"/>
+      <inkml:brushProperty name="color" value="#FFFC00"/>
+      <inkml:brushProperty name="tip" value="rectangle"/>
+      <inkml:brushProperty name="rasterOp" value="maskPen"/>
+      <inkml:brushProperty name="ignorePressure" value="1"/>
+    </inkml:brush>
+  </inkml:definitions>
+  <inkml:trace contextRef="#ctx0" brushRef="#br0">1 353,'26'-2,"-1"-1,1-1,-1-2,31-9,37-9,38 3,138-5,143 13,-325 11,1413-3,-376 5,-1019 0,80-1,270-34,-415 28,-1-2,1-1,-2-3,1-1,42-23,-42 19,1 1,1 2,0 1,1 3,0 1,0 2,87-4,-106 13,-1 1,32 6,-15 1</inkml:trace>
+</inkml:ink>
+</file>
+
+<file path=ppt/ink/ink22.xml><?xml version="1.0" encoding="utf-8"?>
 <inkml:ink xmlns:inkml="http://www.w3.org/2003/InkML">
   <inkml:definitions>
     <inkml:context xml:id="ctx0">
@@ -255,7 +633,7 @@
 </inkml:ink>
 </file>
 
-<file path=ppt/ink/ink11.xml><?xml version="1.0" encoding="utf-8"?>
+<file path=ppt/ink/ink23.xml><?xml version="1.0" encoding="utf-8"?>
 <inkml:ink xmlns:inkml="http://www.w3.org/2003/InkML">
   <inkml:definitions>
     <inkml:context xml:id="ctx0">
@@ -284,7 +662,7 @@
 </inkml:ink>
 </file>
 
-<file path=ppt/ink/ink12.xml><?xml version="1.0" encoding="utf-8"?>
+<file path=ppt/ink/ink24.xml><?xml version="1.0" encoding="utf-8"?>
 <inkml:ink xmlns:inkml="http://www.w3.org/2003/InkML">
   <inkml:definitions>
     <inkml:context xml:id="ctx0">
@@ -313,7 +691,7 @@
 </inkml:ink>
 </file>
 
-<file path=ppt/ink/ink13.xml><?xml version="1.0" encoding="utf-8"?>
+<file path=ppt/ink/ink25.xml><?xml version="1.0" encoding="utf-8"?>
 <inkml:ink xmlns:inkml="http://www.w3.org/2003/InkML">
   <inkml:definitions>
     <inkml:context xml:id="ctx0">
@@ -342,7 +720,7 @@
 </inkml:ink>
 </file>
 
-<file path=ppt/ink/ink14.xml><?xml version="1.0" encoding="utf-8"?>
+<file path=ppt/ink/ink26.xml><?xml version="1.0" encoding="utf-8"?>
 <inkml:ink xmlns:inkml="http://www.w3.org/2003/InkML">
   <inkml:definitions>
     <inkml:context xml:id="ctx0">
@@ -371,7 +749,7 @@
 </inkml:ink>
 </file>
 
-<file path=ppt/ink/ink15.xml><?xml version="1.0" encoding="utf-8"?>
+<file path=ppt/ink/ink27.xml><?xml version="1.0" encoding="utf-8"?>
 <inkml:ink xmlns:inkml="http://www.w3.org/2003/InkML">
   <inkml:definitions>
     <inkml:context xml:id="ctx0">
@@ -400,7 +778,7 @@
 </inkml:ink>
 </file>
 
-<file path=ppt/ink/ink16.xml><?xml version="1.0" encoding="utf-8"?>
+<file path=ppt/ink/ink28.xml><?xml version="1.0" encoding="utf-8"?>
 <inkml:ink xmlns:inkml="http://www.w3.org/2003/InkML">
   <inkml:definitions>
     <inkml:context xml:id="ctx0">
@@ -429,7 +807,7 @@
 </inkml:ink>
 </file>
 
-<file path=ppt/ink/ink17.xml><?xml version="1.0" encoding="utf-8"?>
+<file path=ppt/ink/ink29.xml><?xml version="1.0" encoding="utf-8"?>
 <inkml:ink xmlns:inkml="http://www.w3.org/2003/InkML">
   <inkml:definitions>
     <inkml:context xml:id="ctx0">
@@ -458,7 +836,36 @@
 </inkml:ink>
 </file>
 
-<file path=ppt/ink/ink18.xml><?xml version="1.0" encoding="utf-8"?>
+<file path=ppt/ink/ink3.xml><?xml version="1.0" encoding="utf-8"?>
+<inkml:ink xmlns:inkml="http://www.w3.org/2003/InkML">
+  <inkml:definitions>
+    <inkml:context xml:id="ctx0">
+      <inkml:inkSource xml:id="inkSrc0">
+        <inkml:traceFormat>
+          <inkml:channel name="X" type="integer" min="-2.14748E9" max="2.14748E9" units="cm"/>
+          <inkml:channel name="Y" type="integer" min="-2.14748E9" max="2.14748E9" units="cm"/>
+        </inkml:traceFormat>
+        <inkml:channelProperties>
+          <inkml:channelProperty channel="X" name="resolution" value="1000" units="1/cm"/>
+          <inkml:channelProperty channel="Y" name="resolution" value="1000" units="1/cm"/>
+        </inkml:channelProperties>
+      </inkml:inkSource>
+      <inkml:timestamp xml:id="ts0" timeString="2025-06-14T13:14:11.340"/>
+    </inkml:context>
+    <inkml:brush xml:id="br0">
+      <inkml:brushProperty name="width" value="0.3" units="cm"/>
+      <inkml:brushProperty name="height" value="0.6" units="cm"/>
+      <inkml:brushProperty name="color" value="#FFFC00"/>
+      <inkml:brushProperty name="tip" value="rectangle"/>
+      <inkml:brushProperty name="rasterOp" value="maskPen"/>
+      <inkml:brushProperty name="ignorePressure" value="1"/>
+    </inkml:brush>
+  </inkml:definitions>
+  <inkml:trace contextRef="#ctx0" brushRef="#br0">3634 755,'-63'-8,"13"1,-587-15,498 21,-1315 0,956 1,493 0,-43 3,47-3,0-1,0 1,0 0,0 0,1 0,-1 0,0 1,0-1,0 0,0 0,0 0,0 1,0-1,0 0,1 1,-1-1,0 1,0-1,0 1,1-1,-1 1,0 0,1-1,-1 1,0 0,1 0,-1-1,1 1,-1 0,1 0,0 0,-1 0,1 0,0-1,0 1,-1 0,1 2,1-2,0 1,0-1,0 1,0-1,0 0,0 0,0 1,0-1,1 0,-1 0,0 0,1 0,-1 0,1-1,-1 1,1 0,-1-1,1 1,3 0,42 8,-39-8,123 13,178-4,-198-9,1472-40,-1187-6,-332 33,-1-3,0-2,-1-4,63-29,-96 36,0 1,1 2,0 1,1 1,0 1,0 2,1 2,37-2,216 8,-281-2,-1 0,1 0,-1 0,0 0,1-1,-1 1,1-1,-1 0,0 0,1 0,-1-1,0 1,3-3,-6 4,0-1,1 1,-1 0,0-1,0 1,0-1,0 1,0-1,0 1,0 0,0-1,0 1,0-1,0 1,0-1,0 1,0 0,0-1,0 1,-1-1,1 1,0-1,0 1,0 0,-1-1,1 1,0 0,0-1,-1 1,1 0,0-1,-1 1,1 0,-1-1,-33-19,-83-26,-2 6,-144-31,205 56,-345-79,-4 17,-4 18,-1 18,-505 14,872 29,0 2,1 2,-1 1,1 3,-49 18,-47 18,-253 50,340-90,-60-1,28-2,82-3,0 0,0 0,0 1,0-1,0 1,0 0,0-1,0 1,1 1,-1-1,0 0,0 1,1 0,-1-1,1 1,-3 3,5-5,-1 1,1-1,0 1,-1-1,1 1,0-1,0 1,0 0,0-1,0 1,-1-1,1 1,0 0,0-1,0 1,1-1,-1 1,0 0,0-1,0 1,0-1,0 1,1 0,-1-1,0 1,1-1,-1 1,0-1,1 1,-1-1,3 3,-1-1,1 0,0 0,0 0,-1 0,1-1,0 1,1-1,3 2,57 16,85 16,-92-23,574 107,1023 59,-1256-165,-289-20,-106 7,-1 0,1 0,0-1,0 1,-1-1,1 0,0 0,0 0,-1 0,1 0,-1-1,0 1,5-4,-7 5,0-1,0 1,1-1,-1 1,0 0,0-1,0 1,0-1,0 1,0-1,0 1,0-1,0 1,0 0,0-1,0 1,-1-1,1 1,0-1,0 1,0 0,-1-1,1 1,0-1,0 1,-1 0,1-1,-1 1,-20-17,-16 0,0 2,0 1,-1 2,-45-9,60 15,-791-151,-14 61,-190 36,924 61,73 4,28 2,41 9,-48-16,446 94,16-28,-450-65,1113 94,-988-96,-86-4,-51 4,0 1,0 0,0 0,0 0,0 0,0 0,0 0,0 0,0 0,-1 0,1 0,0-1,0 1,0 0,0 0,0 0,0 0,0 0,0 0,0 0,0-1,0 1,0 0,0 0,0 0,0 0,0 0,0 0,0 0,0-1,0 1,0 0,0 0,1 0,-1 0,0 0,0 0,0 0,0 0,0 0,0-1,0 1,0 0,0 0,0 0,0 0,1 0,-1 0,0 0,0 0,0 0,0 0,0 0,0 0,0 0,1 0,-1 0,0 0,0 0,-28-6,-586-16,431 21,-831 1,1024 0,0 1,1-2,-1 0,0 0,0 0,0-1,0-1,16-6,-26 9,0 0,0 0,1-1,-1 1,0 0,0-1,1 1,-1 0,0 0,0-1,0 1,1-1,-1 1,0 0,0-1,0 1,0 0,0-1,0 1,0-1,0 1,0 0,0-1,0 1,0 0,0-1,0 1,0-1,-1 1,1 0,0-1,0 1,0 0,0-1,-1 1,1 0,0 0,0-1,-1 1,1 0,0 0,-1-1,1 1,0 0,-1 0,1 0,0-1,-1 1,-6-5,-1-1,0 1,0 1,-1 0,1 0,-1 1,-15-5,-71-11,81 16,-104-12,-220 1,332 14,-31 2,32 3,23 5,56 17,83 16,-92-26,967 223,7-37,-678-134,-187-35,-107-16,-67-18,0 0,0 0,0 0,0 0,0 0,0 1,0-1,0 0,0 0,0 0,0 0,0 0,0 0,0 1,0-1,0 0,0 0,0 0,0 0,0 0,0 0,0 1,0-1,0 0,0 0,0 0,0 0,0 0,0 0,0 1,0-1,0 0,0 0,0 0,0 0,1 0,-1 0,0 0,0 0,0 0,0 0,0 1,0-1,1 0,-42-2,-472-72,314 40,-110-17,-674-99,861 141,-187 8,152 5,146-4,0 0,0 1,-1 1,1 0,0 1,-11 4,20-7,0 1,0 0,0 0,1 0,-1 0,0 0,1 0,-1 0,0 1,1-1,0 1,-1-1,1 1,0 0,0-1,0 1,-1 2,1-2,1 1,0-1,0 0,0 0,0 0,0 0,0 0,1 1,-1-1,1 0,-1 0,1 0,0 0,0 0,0 0,0 0,0-1,1 1,-1 0,2 2,9 8,1 0,0-1,0-1,1 0,0-1,1 0,0-1,24 9,92 39,253 71,151-3,-496-117,68 16,168 12,-221-38,-53 3,-1 0,0 0,1-1,-1 1,0 0,1 0,-1 0,1 0,-1 0,0 0,1-1,-1 1,0 0,1 0,-1 0,0-1,0 1,1 0,-1-1,0 1,0 0,1-1,-1 1,0 0,0-1,0 1,0 0,1-1,-1 1,0 0,0-1,0 1,0 0,0-1,0 1,0-1,0 1,0 0,0-1,0 1,0-1,-1 1,1 0,0-1,0 1,0 0,0-1,-1 1,1 0,0-1,0 1,0 0,-1 0,1-1,0 1,-1 0,1 0,0-1,-1 1,-11-10,0 0,-1 1,0 1,0 0,-1 1,0 0,-24-8,3 1,-514-183,-18 38,465 131,96 27,-1-1,0 0,0 0,1-1,-1 1,-8-7,15 2,14 3,24 0,41 2,806 9,-389-1,-391-1,-1 4,0 5,201 54,-172-32,382 95,10-38,-483-89,58 0,-82-5,-1-1,0 0,0-1,0-1,33-11,142-71,51-19,-222 98,43-18,-59 23,-1 0,1 0,-1-1,0 0,0 0,0 0,0 0,0 0,-1-1,4-4,-7 8,1-1,-1 1,0-1,0 1,0-1,1 1,-1-1,0 1,0 0,0-1,0 1,0-1,0 1,0-1,0 1,0-1,0 1,0-1,0 1,0-1,0 1,0-1,-1 1,1-1,0 1,0-1,0 1,-1 0,1-1,0 1,-1-1,1 1,0 0,-1-1,1 1,0 0,-1 0,1-1,-1 1,1 0,-1 0,0-1,-9-3,-1 1,1 0,-1 0,0 1,0 0,0 1,0 0,-19 1,-3-1,-952-5,611 10,-34-2,586-9,-1-7,289-62,-323 54,-83 15,65-18,-74 12,189-58,-193 54</inkml:trace>
+</inkml:ink>
+</file>
+
+<file path=ppt/ink/ink30.xml><?xml version="1.0" encoding="utf-8"?>
 <inkml:ink xmlns:inkml="http://www.w3.org/2003/InkML">
   <inkml:definitions>
     <inkml:context xml:id="ctx0">
@@ -487,7 +894,7 @@
 </inkml:ink>
 </file>
 
-<file path=ppt/ink/ink19.xml><?xml version="1.0" encoding="utf-8"?>
+<file path=ppt/ink/ink31.xml><?xml version="1.0" encoding="utf-8"?>
 <inkml:ink xmlns:inkml="http://www.w3.org/2003/InkML">
   <inkml:definitions>
     <inkml:context xml:id="ctx0">
@@ -516,36 +923,7 @@
 </inkml:ink>
 </file>
 
-<file path=ppt/ink/ink2.xml><?xml version="1.0" encoding="utf-8"?>
-<inkml:ink xmlns:inkml="http://www.w3.org/2003/InkML">
-  <inkml:definitions>
-    <inkml:context xml:id="ctx0">
-      <inkml:inkSource xml:id="inkSrc0">
-        <inkml:traceFormat>
-          <inkml:channel name="X" type="integer" min="-2.14748E9" max="2.14748E9" units="cm"/>
-          <inkml:channel name="Y" type="integer" min="-2.14748E9" max="2.14748E9" units="cm"/>
-        </inkml:traceFormat>
-        <inkml:channelProperties>
-          <inkml:channelProperty channel="X" name="resolution" value="1000" units="1/cm"/>
-          <inkml:channelProperty channel="Y" name="resolution" value="1000" units="1/cm"/>
-        </inkml:channelProperties>
-      </inkml:inkSource>
-      <inkml:timestamp xml:id="ts0" timeString="2025-06-13T14:43:14.854"/>
-    </inkml:context>
-    <inkml:brush xml:id="br0">
-      <inkml:brushProperty name="width" value="0.3" units="cm"/>
-      <inkml:brushProperty name="height" value="0.6" units="cm"/>
-      <inkml:brushProperty name="color" value="#FFFC00"/>
-      <inkml:brushProperty name="tip" value="rectangle"/>
-      <inkml:brushProperty name="rasterOp" value="maskPen"/>
-      <inkml:brushProperty name="ignorePressure" value="1"/>
-    </inkml:brush>
-  </inkml:definitions>
-  <inkml:trace contextRef="#ctx0" brushRef="#br0">2117 693,'-532'-23,"-318"-132,191 27,599 118,44 3,16 1,26-8,-21 12,898-319,-892 318,6-3,0 2,0-1,0 2,32-3,-48 6,1 0,-1 0,0 0,0 0,0 1,1-1,-1 0,0 0,0 1,0-1,0 0,0 1,0 0,1-1,-1 1,0-1,-1 1,1 0,0 0,0 0,0-1,0 1,-1 0,1 0,0 0,-1 0,1 0,-1 0,1 1,-1-1,1 0,-1 0,0 0,0 0,1 0,-1 1,0-1,0 0,0 0,-1 3,0 4,0 1,-1-1,0 0,-6 14,4-11,-13 34,0 3,1 1,-13 70,28-115,1-1,-1 1,1-1,0 1,0-1,0 1,0-1,0 1,1-1,0 1,0-1,0 1,0-1,0 0,1 0,-1 1,1-1,0 0,0 0,0-1,0 1,5 4,-2-3,1-1,-1 0,1 0,-1-1,1 0,0 0,0 0,0 0,0-1,0 0,0-1,9 1,32-5,-41 2,0 1,0 0,0 0,0 1,0-1,0 1,0 1,0-1,0 1,0 0,0 0,0 1,0 0,-1 0,10 5,5 17</inkml:trace>
-</inkml:ink>
-</file>
-
-<file path=ppt/ink/ink20.xml><?xml version="1.0" encoding="utf-8"?>
+<file path=ppt/ink/ink32.xml><?xml version="1.0" encoding="utf-8"?>
 <inkml:ink xmlns:inkml="http://www.w3.org/2003/InkML">
   <inkml:definitions>
     <inkml:context xml:id="ctx0">
@@ -574,7 +952,7 @@
 </inkml:ink>
 </file>
 
-<file path=ppt/ink/ink21.xml><?xml version="1.0" encoding="utf-8"?>
+<file path=ppt/ink/ink33.xml><?xml version="1.0" encoding="utf-8"?>
 <inkml:ink xmlns:inkml="http://www.w3.org/2003/InkML">
   <inkml:definitions>
     <inkml:context xml:id="ctx0">
@@ -603,7 +981,7 @@
 </inkml:ink>
 </file>
 
-<file path=ppt/ink/ink22.xml><?xml version="1.0" encoding="utf-8"?>
+<file path=ppt/ink/ink34.xml><?xml version="1.0" encoding="utf-8"?>
 <inkml:ink xmlns:inkml="http://www.w3.org/2003/InkML">
   <inkml:definitions>
     <inkml:context xml:id="ctx0">
@@ -632,7 +1010,7 @@
 </inkml:ink>
 </file>
 
-<file path=ppt/ink/ink23.xml><?xml version="1.0" encoding="utf-8"?>
+<file path=ppt/ink/ink35.xml><?xml version="1.0" encoding="utf-8"?>
 <inkml:ink xmlns:inkml="http://www.w3.org/2003/InkML">
   <inkml:definitions>
     <inkml:context xml:id="ctx0">
@@ -661,7 +1039,7 @@
 </inkml:ink>
 </file>
 
-<file path=ppt/ink/ink24.xml><?xml version="1.0" encoding="utf-8"?>
+<file path=ppt/ink/ink36.xml><?xml version="1.0" encoding="utf-8"?>
 <inkml:ink xmlns:inkml="http://www.w3.org/2003/InkML">
   <inkml:definitions>
     <inkml:context xml:id="ctx0">
@@ -690,7 +1068,7 @@
 </inkml:ink>
 </file>
 
-<file path=ppt/ink/ink25.xml><?xml version="1.0" encoding="utf-8"?>
+<file path=ppt/ink/ink37.xml><?xml version="1.0" encoding="utf-8"?>
 <inkml:ink xmlns:inkml="http://www.w3.org/2003/InkML">
   <inkml:definitions>
     <inkml:context xml:id="ctx0">
@@ -719,7 +1097,7 @@
 </inkml:ink>
 </file>
 
-<file path=ppt/ink/ink26.xml><?xml version="1.0" encoding="utf-8"?>
+<file path=ppt/ink/ink38.xml><?xml version="1.0" encoding="utf-8"?>
 <inkml:ink xmlns:inkml="http://www.w3.org/2003/InkML">
   <inkml:definitions>
     <inkml:context xml:id="ctx0">
@@ -748,7 +1126,7 @@
 </inkml:ink>
 </file>
 
-<file path=ppt/ink/ink27.xml><?xml version="1.0" encoding="utf-8"?>
+<file path=ppt/ink/ink39.xml><?xml version="1.0" encoding="utf-8"?>
 <inkml:ink xmlns:inkml="http://www.w3.org/2003/InkML">
   <inkml:definitions>
     <inkml:context xml:id="ctx0">
@@ -777,7 +1155,36 @@
 </inkml:ink>
 </file>
 
-<file path=ppt/ink/ink28.xml><?xml version="1.0" encoding="utf-8"?>
+<file path=ppt/ink/ink4.xml><?xml version="1.0" encoding="utf-8"?>
+<inkml:ink xmlns:inkml="http://www.w3.org/2003/InkML">
+  <inkml:definitions>
+    <inkml:context xml:id="ctx0">
+      <inkml:inkSource xml:id="inkSrc0">
+        <inkml:traceFormat>
+          <inkml:channel name="X" type="integer" min="-2.14748E9" max="2.14748E9" units="cm"/>
+          <inkml:channel name="Y" type="integer" min="-2.14748E9" max="2.14748E9" units="cm"/>
+        </inkml:traceFormat>
+        <inkml:channelProperties>
+          <inkml:channelProperty channel="X" name="resolution" value="1000" units="1/cm"/>
+          <inkml:channelProperty channel="Y" name="resolution" value="1000" units="1/cm"/>
+        </inkml:channelProperties>
+      </inkml:inkSource>
+      <inkml:timestamp xml:id="ts0" timeString="2025-06-14T13:14:13.418"/>
+    </inkml:context>
+    <inkml:brush xml:id="br0">
+      <inkml:brushProperty name="width" value="0.3" units="cm"/>
+      <inkml:brushProperty name="height" value="0.6" units="cm"/>
+      <inkml:brushProperty name="color" value="#FFFC00"/>
+      <inkml:brushProperty name="tip" value="rectangle"/>
+      <inkml:brushProperty name="rasterOp" value="maskPen"/>
+      <inkml:brushProperty name="ignorePressure" value="1"/>
+    </inkml:brush>
+  </inkml:definitions>
+  <inkml:trace contextRef="#ctx0" brushRef="#br0">3634 755,'-63'-8,"13"1,-587-15,498 21,-1315 0,956 1,493 0,-43 3,47-3,0-1,0 1,0 0,0 0,1 0,-1 0,0 1,0-1,0 0,0 0,0 0,0 1,0-1,0 0,1 1,-1-1,0 1,0-1,0 1,1-1,-1 1,0 0,1-1,-1 1,0 0,1 0,-1-1,1 1,-1 0,1 0,0 0,-1 0,1 0,0-1,0 1,-1 0,1 2,1-2,0 1,0-1,0 1,0-1,0 0,0 0,0 1,0-1,1 0,-1 0,0 0,1 0,-1 0,1-1,-1 1,1 0,-1-1,1 1,3 0,42 8,-39-8,123 13,178-4,-198-9,1472-40,-1187-6,-332 33,-1-3,0-2,-1-4,63-29,-96 36,0 1,1 2,0 1,1 1,0 1,0 2,1 2,37-2,216 8,-281-2,-1 0,1 0,-1 0,0 0,1-1,-1 1,1-1,-1 0,0 0,1 0,-1-1,0 1,3-3,-6 4,0-1,1 1,-1 0,0-1,0 1,0-1,0 1,0-1,0 1,0 0,0-1,0 1,0-1,0 1,0-1,0 1,0 0,0-1,0 1,-1-1,1 1,0-1,0 1,0 0,-1-1,1 1,0 0,0-1,-1 1,1 0,0-1,-1 1,1 0,-1-1,-33-19,-83-26,-2 6,-144-31,205 56,-345-79,-4 17,-4 18,-1 18,-505 14,872 29,0 2,1 2,-1 1,1 3,-49 18,-47 18,-253 50,340-90,-60-1,28-2,82-3,0 0,0 0,0 1,0-1,0 1,0 0,0-1,0 1,1 1,-1-1,0 0,0 1,1 0,-1-1,1 1,-3 3,5-5,-1 1,1-1,0 1,-1-1,1 1,0-1,0 1,0 0,0-1,0 1,-1-1,1 1,0 0,0-1,0 1,1-1,-1 1,0 0,0-1,0 1,0-1,0 1,1 0,-1-1,0 1,1-1,-1 1,0-1,1 1,-1-1,3 3,-1-1,1 0,0 0,0 0,-1 0,1-1,0 1,1-1,3 2,57 16,85 16,-92-23,574 107,1023 59,-1256-165,-289-20,-106 7,-1 0,1 0,0-1,0 1,-1-1,1 0,0 0,0 0,-1 0,1 0,-1-1,0 1,5-4,-7 5,0-1,0 1,1-1,-1 1,0 0,0-1,0 1,0-1,0 1,0-1,0 1,0-1,0 1,0 0,0-1,0 1,-1-1,1 1,0-1,0 1,0 0,-1-1,1 1,0-1,0 1,-1 0,1-1,-1 1,-20-17,-16 0,0 2,0 1,-1 2,-45-9,60 15,-791-151,-14 61,-190 36,924 61,73 4,28 2,41 9,-48-16,446 94,16-28,-450-65,1113 94,-988-96,-86-4,-51 4,0 1,0 0,0 0,0 0,0 0,0 0,0 0,0 0,0 0,-1 0,1 0,0-1,0 1,0 0,0 0,0 0,0 0,0 0,0 0,0 0,0-1,0 1,0 0,0 0,0 0,0 0,0 0,0 0,0 0,0-1,0 1,0 0,0 0,1 0,-1 0,0 0,0 0,0 0,0 0,0 0,0-1,0 1,0 0,0 0,0 0,0 0,1 0,-1 0,0 0,0 0,0 0,0 0,0 0,0 0,0 0,1 0,-1 0,0 0,0 0,-28-6,-586-16,431 21,-831 1,1024 0,0 1,1-2,-1 0,0 0,0 0,0-1,0-1,16-6,-26 9,0 0,0 0,1-1,-1 1,0 0,0-1,1 1,-1 0,0 0,0-1,0 1,1-1,-1 1,0 0,0-1,0 1,0 0,0-1,0 1,0-1,0 1,0 0,0-1,0 1,0 0,0-1,0 1,0-1,-1 1,1 0,0-1,0 1,0 0,0-1,-1 1,1 0,0 0,0-1,-1 1,1 0,0 0,-1-1,1 1,0 0,-1 0,1 0,0-1,-1 1,-6-5,-1-1,0 1,0 1,-1 0,1 0,-1 1,-15-5,-71-11,81 16,-104-12,-220 1,332 14,-31 2,32 3,23 5,56 17,83 16,-92-26,967 223,7-37,-678-134,-187-35,-107-16,-67-18,0 0,0 0,0 0,0 0,0 0,0 1,0-1,0 0,0 0,0 0,0 0,0 0,0 0,0 1,0-1,0 0,0 0,0 0,0 0,0 0,0 0,0 1,0-1,0 0,0 0,0 0,0 0,0 0,0 0,0 1,0-1,0 0,0 0,0 0,0 0,1 0,-1 0,0 0,0 0,0 0,0 0,0 1,0-1,1 0,-42-2,-472-72,314 40,-110-17,-674-99,861 141,-187 8,152 5,146-4,0 0,0 1,-1 1,1 0,0 1,-11 4,20-7,0 1,0 0,0 0,1 0,-1 0,0 0,1 0,-1 0,0 1,1-1,0 1,-1-1,1 1,0 0,0-1,0 1,-1 2,1-2,1 1,0-1,0 0,0 0,0 0,0 0,0 0,1 1,-1-1,1 0,-1 0,1 0,0 0,0 0,0 0,0 0,0-1,1 1,-1 0,2 2,9 8,1 0,0-1,0-1,1 0,0-1,1 0,0-1,24 9,92 39,253 71,151-3,-496-117,68 16,168 12,-221-38,-53 3,-1 0,0 0,1-1,-1 1,0 0,1 0,-1 0,1 0,-1 0,0 0,1-1,-1 1,0 0,1 0,-1 0,0-1,0 1,1 0,-1-1,0 1,0 0,1-1,-1 1,0 0,0-1,0 1,0 0,1-1,-1 1,0 0,0-1,0 1,0 0,0-1,0 1,0-1,0 1,0 0,0-1,0 1,0-1,-1 1,1 0,0-1,0 1,0 0,0-1,-1 1,1 0,0-1,0 1,0 0,-1 0,1-1,0 1,-1 0,1 0,0-1,-1 1,-11-10,0 0,-1 1,0 1,0 0,-1 1,0 0,-24-8,3 1,-514-183,-18 38,465 131,96 27,-1-1,0 0,0 0,1-1,-1 1,-8-7,15 2,14 3,24 0,41 2,806 9,-389-1,-391-1,-1 4,0 5,201 54,-172-32,382 95,10-38,-483-89,58 0,-82-5,-1-1,0 0,0-1,0-1,33-11,142-71,51-19,-222 98,43-18,-59 23,-1 0,1 0,-1-1,0 0,0 0,0 0,0 0,0 0,-1-1,4-4,-7 8,1-1,-1 1,0-1,0 1,0-1,1 1,-1-1,0 1,0 0,0-1,0 1,0-1,0 1,0-1,0 1,0-1,0 1,0-1,0 1,0-1,0 1,0-1,-1 1,1-1,0 1,0-1,0 1,-1 0,1-1,0 1,-1-1,1 1,0 0,-1-1,1 1,0 0,-1 0,1-1,-1 1,1 0,-1 0,0-1,-9-3,-1 1,1 0,-1 0,0 1,0 0,0 1,0 0,-19 1,-3-1,-952-5,611 10,-34-2,586-9,-1-7,289-62,-323 54,-83 15,65-18,-74 12,189-58,-193 54</inkml:trace>
+</inkml:ink>
+</file>
+
+<file path=ppt/ink/ink40.xml><?xml version="1.0" encoding="utf-8"?>
 <inkml:ink xmlns:inkml="http://www.w3.org/2003/InkML">
   <inkml:definitions>
     <inkml:context xml:id="ctx0">
@@ -806,7 +1213,7 @@
 </inkml:ink>
 </file>
 
-<file path=ppt/ink/ink29.xml><?xml version="1.0" encoding="utf-8"?>
+<file path=ppt/ink/ink41.xml><?xml version="1.0" encoding="utf-8"?>
 <inkml:ink xmlns:inkml="http://www.w3.org/2003/InkML">
   <inkml:definitions>
     <inkml:context xml:id="ctx0">
@@ -835,36 +1242,7 @@
 </inkml:ink>
 </file>
 
-<file path=ppt/ink/ink3.xml><?xml version="1.0" encoding="utf-8"?>
-<inkml:ink xmlns:inkml="http://www.w3.org/2003/InkML">
-  <inkml:definitions>
-    <inkml:context xml:id="ctx0">
-      <inkml:inkSource xml:id="inkSrc0">
-        <inkml:traceFormat>
-          <inkml:channel name="X" type="integer" min="-2.14748E9" max="2.14748E9" units="cm"/>
-          <inkml:channel name="Y" type="integer" min="-2.14748E9" max="2.14748E9" units="cm"/>
-        </inkml:traceFormat>
-        <inkml:channelProperties>
-          <inkml:channelProperty channel="X" name="resolution" value="1000" units="1/cm"/>
-          <inkml:channelProperty channel="Y" name="resolution" value="1000" units="1/cm"/>
-        </inkml:channelProperties>
-      </inkml:inkSource>
-      <inkml:timestamp xml:id="ts0" timeString="2025-06-13T14:43:16.293"/>
-    </inkml:context>
-    <inkml:brush xml:id="br0">
-      <inkml:brushProperty name="width" value="0.3" units="cm"/>
-      <inkml:brushProperty name="height" value="0.6" units="cm"/>
-      <inkml:brushProperty name="color" value="#FFFC00"/>
-      <inkml:brushProperty name="tip" value="rectangle"/>
-      <inkml:brushProperty name="rasterOp" value="maskPen"/>
-      <inkml:brushProperty name="ignorePressure" value="1"/>
-    </inkml:brush>
-  </inkml:definitions>
-  <inkml:trace contextRef="#ctx0" brushRef="#br0">5510 3023,'-38'0,"-1"2,1 1,-51 11,-134 40,-94 57,-109 78,-111 105,-82 120,-36 124,392-286,11 12,11 10,13 11,-280 457,342-458,13 7,12 6,14 6,13 6,-86 371,153-467,-32 370,71-433,6 0,32 266,-15-317,4-1,5-1,3-1,5-2,4 0,4-3,56 93,-55-117,3-2,3-1,3-3,2-3,3-1,2-3,2-3,3-2,95 58,-74-60,2-4,1-3,2-4,174 45,-149-56,1-5,0-5,197 0,-168-20,0-7,-1-5,-1-7,-1-5,-2-7,-1-6,159-72,-146 43,-3-8,-4-5,-4-7,-4-5,-4-6,-4-6,194-216,-168 143,-8-6,-9-6,-8-7,188-394,-178 272,-13-5,-16-6,-13-4,-16-4,63-601,-120 136,-35 613,-65-342,45 396,-5 1,-89-210,84 255,-3 3,-5 2,-100-137,109 173,-2 2,-1 3,-3 1,-2 2,-2 2,-1 3,-2 2,-2 2,-81-37,82 49,-1 3,-1 2,-1 2,0 3,-1 2,0 3,0 3,-1 2,0 3,-81 10,55 2,1 4,1 4,1 4,-121 50,88-21,2 5,3 5,-104 79,62-27,5 8,6 5,-231 270,219-204,9 6,-185 337,230-342,-92 250,141-303,7 2,-26 156,57-228,3 2,4-1,2 1,12 125,-4-162,2-1,2 0,1 0,2-1,1 0,2-1,1 0,33 53,-31-63,2 0,0 0,1-2,2-1,0 0,1-2,1 0,0-2,2 0,52 24,-35-23,2-2,0-2,1-2,0-2,0-2,1-2,75 0,-29-8,0-5,-1-3,0-4,104-31,-44 0,-2-6,193-96,-144 44,-5-9,-5-9,-5-7,-6-9,-6-7,297-324,-302 273,-9-8,-8-6,-10-7,-10-5,185-434,-240 459,60-242,-100 289,25-262,-53 307,-4-1,-16-147,7 200,-2 1,-2-1,-3 2,-33-87,36 116,0-1,-1 1,-1 1,-1 0,-1 1,0 0,-2 1,-33-30,37 39,0 0,-1 1,0 0,0 1,-1 0,0 1,-1 1,1 0,-1 1,0 0,0 1,0 1,0 1,-23 0,11 3,0 1,0 2,0 0,1 2,0 1,0 1,1 1,0 2,-31 19,-18 15,2 4,2 2,-87 87,-298 354,-51 186,-207 497,137 68,502-1046,-60 256,118-384,3 1,2 1,4 0,5 137,4-184,0 0,2 0,1 0,1-1,1 0,1 0,1-1,1 0,1 0,1-1,26 36,-26-44,2 0,0 0,0-2,2 0,-1 0,1-2,1 0,0 0,0-2,1 0,0-1,1-1,-1-1,1 0,30 3,0-4,-1-3,1-1,-1-2,0-3,0-1,0-3,57-18,-2-5,-1-5,-2-4,141-81,-97 36,-3-7,165-141,-120 68,-7-8,-8-8,161-222,-145 143,302-558,-179 113,-123 74,-160 501,21-250,-46 330,-1 1,-3-1,-2 1,-2 0,-18-69,20 103,0 1,-2-1,1 1,-2 1,0-1,-1 1,0 1,-1-1,-1 1,0 1,0 0,-2 0,1 1,-1 1,-15-10,13 12,0 1,-1 1,0 1,0 0,-1 1,1 0,-1 1,0 1,0 1,0 0,0 1,0 1,0 0,0 1,-26 7,2 1,0 2,1 1,-38 19,1 5,-85 56,-8 24,-258 230,-304 387,-76 237,312-291,-505 916,474-549,417-793,-99 352,134-262,66-283,3 0,3 102,4-134,1-1,2 1,0 0,2-1,1 0,15 34,-15-46,0 0,1-1,1 0,0 0,1-1,0 0,2-1,-1 0,17 12,-12-12,0-2,1 0,0-2,0 0,1 0,0-2,39 10,-21-10,0-1,0-2,0-2,57-3,-22-5,-1-3,105-28,-57 3,138-59,-58 3,-5-8,292-198,-215 102,418-390,-394 290,348-447,-354 354,-17-12,-19-11,-17-12,-19-9,-19-9,-19-8,120-474,-213 576,63-538,-124 621,-13-2,-22-278,-4 368,-8 2,-8 0,-52-169,52 242,-5 1,-5 2,-3 2,-92-147,102 193,-1 1,-2 2,-3 1,-1 2,-2 2,-2 2,-59-40,68 56,-2 2,0 1,-1 2,-1 2,0 2,-1 1,-1 2,0 2,0 1,-74-3,50 11,-1 3,1 3,0 3,0 3,1 2,1 3,-75 31,14 4,2 6,3 4,-192 136,130-63,5 9,-179 189,129-89,10 10,-309 474,361-461,13 6,12 6,-105 302,189-422,7 2,6 2,-21 183,53-261,3 1,5 0,3 0,4 0,3-1,24 103,-18-134,3 0,1-2,3 0,2-1,3-1,1-1,3-2,1-1,49 54,-36-53,2-2,3-2,0-3,3-1,1-3,2-3,104 48,-57-40,3-4,1-5,1-5,1-4,1-5,1-5,219-2,-182-17,0-7,-1-5,-1-8,-1-5,221-80,-239 62,-2-7,-3-4,-2-6,-3-5,-4-4,-3-6,-3-4,177-188,-207 186,-4-2,-4-4,-5-2,72-144,-93 151,-5-2,-3-1,-5-1,-3-2,20-149,-38 177,-4-1,-2 1,-10-108,4 142,-1-1,-1 1,-1 0,-2 1,-2 0,-1 0,-1 1,-1 1,-1 0,-29-38,33 54,-1 0,0 0,0 1,-2 1,1 0,-2 0,1 2,-1 0,-1 1,1 0,-1 1,-1 1,1 0,-1 2,0 0,0 0,-1 2,1 0,0 1,-1 1,-19 2,-5 3,0 1,0 3,1 2,1 1,-1 2,-72 37,7 6,3 4,-181 142,88-38,-217 238,-257 404,19 208,106 119,428-826,-142 585,217-685,9 2,9 1,4 300,25-366,7-1,6 0,6-2,7 0,53 151,-45-188,4-1,5-3,4-2,4-2,5-2,82 98,-79-119,3-3,3-3,2-3,4-3,2-4,118 67,-121-84,2-4,1-3,1-4,2-3,1-3,137 20,-151-36,0-3,1-3,-1-2,0-4,0-3,0-3,-1-3,0-2,-1-4,-1-2,-1-3,-1-3,-2-3,0-2,-3-3,0-3,95-81,-78 50,-2-4,-3-2,-4-4,-4-2,76-129,-60 70,-6-4,-7-3,69-226,-65 124,69-483,-70-330,-102 63,-61 160,-24 206,4 199,89 353,-48-101,64 161,-2 0,0 0,-1 1,-25-30,29 42,1 0,-1 0,-1 1,1 0,-15-8</inkml:trace>
-</inkml:ink>
-</file>
-
-<file path=ppt/ink/ink30.xml><?xml version="1.0" encoding="utf-8"?>
+<file path=ppt/ink/ink42.xml><?xml version="1.0" encoding="utf-8"?>
 <inkml:ink xmlns:inkml="http://www.w3.org/2003/InkML">
   <inkml:definitions>
     <inkml:context xml:id="ctx0">
@@ -893,7 +1271,7 @@
 </inkml:ink>
 </file>
 
-<file path=ppt/ink/ink31.xml><?xml version="1.0" encoding="utf-8"?>
+<file path=ppt/ink/ink43.xml><?xml version="1.0" encoding="utf-8"?>
 <inkml:ink xmlns:inkml="http://www.w3.org/2003/InkML">
   <inkml:definitions>
     <inkml:context xml:id="ctx0">
@@ -922,7 +1300,7 @@
 </inkml:ink>
 </file>
 
-<file path=ppt/ink/ink32.xml><?xml version="1.0" encoding="utf-8"?>
+<file path=ppt/ink/ink44.xml><?xml version="1.0" encoding="utf-8"?>
 <inkml:ink xmlns:inkml="http://www.w3.org/2003/InkML">
   <inkml:definitions>
     <inkml:context xml:id="ctx0">
@@ -951,7 +1329,7 @@
 </inkml:ink>
 </file>
 
-<file path=ppt/ink/ink33.xml><?xml version="1.0" encoding="utf-8"?>
+<file path=ppt/ink/ink45.xml><?xml version="1.0" encoding="utf-8"?>
 <inkml:ink xmlns:inkml="http://www.w3.org/2003/InkML">
   <inkml:definitions>
     <inkml:context xml:id="ctx0">
@@ -980,7 +1358,7 @@
 </inkml:ink>
 </file>
 
-<file path=ppt/ink/ink34.xml><?xml version="1.0" encoding="utf-8"?>
+<file path=ppt/ink/ink46.xml><?xml version="1.0" encoding="utf-8"?>
 <inkml:ink xmlns:inkml="http://www.w3.org/2003/InkML">
   <inkml:definitions>
     <inkml:context xml:id="ctx0">
@@ -1009,7 +1387,7 @@
 </inkml:ink>
 </file>
 
-<file path=ppt/ink/ink35.xml><?xml version="1.0" encoding="utf-8"?>
+<file path=ppt/ink/ink47.xml><?xml version="1.0" encoding="utf-8"?>
 <inkml:ink xmlns:inkml="http://www.w3.org/2003/InkML">
   <inkml:definitions>
     <inkml:context xml:id="ctx0">
@@ -1038,7 +1416,7 @@
 </inkml:ink>
 </file>
 
-<file path=ppt/ink/ink36.xml><?xml version="1.0" encoding="utf-8"?>
+<file path=ppt/ink/ink48.xml><?xml version="1.0" encoding="utf-8"?>
 <inkml:ink xmlns:inkml="http://www.w3.org/2003/InkML">
   <inkml:definitions>
     <inkml:context xml:id="ctx0">
@@ -1067,7 +1445,7 @@
 </inkml:ink>
 </file>
 
-<file path=ppt/ink/ink37.xml><?xml version="1.0" encoding="utf-8"?>
+<file path=ppt/ink/ink49.xml><?xml version="1.0" encoding="utf-8"?>
 <inkml:ink xmlns:inkml="http://www.w3.org/2003/InkML">
   <inkml:definitions>
     <inkml:context xml:id="ctx0">
@@ -1096,7 +1474,36 @@
 </inkml:ink>
 </file>
 
-<file path=ppt/ink/ink38.xml><?xml version="1.0" encoding="utf-8"?>
+<file path=ppt/ink/ink5.xml><?xml version="1.0" encoding="utf-8"?>
+<inkml:ink xmlns:inkml="http://www.w3.org/2003/InkML">
+  <inkml:definitions>
+    <inkml:context xml:id="ctx0">
+      <inkml:inkSource xml:id="inkSrc0">
+        <inkml:traceFormat>
+          <inkml:channel name="X" type="integer" min="-2.14748E9" max="2.14748E9" units="cm"/>
+          <inkml:channel name="Y" type="integer" min="-2.14748E9" max="2.14748E9" units="cm"/>
+        </inkml:traceFormat>
+        <inkml:channelProperties>
+          <inkml:channelProperty channel="X" name="resolution" value="1000" units="1/cm"/>
+          <inkml:channelProperty channel="Y" name="resolution" value="1000" units="1/cm"/>
+        </inkml:channelProperties>
+      </inkml:inkSource>
+      <inkml:timestamp xml:id="ts0" timeString="2025-06-14T13:15:02.059"/>
+    </inkml:context>
+    <inkml:brush xml:id="br0">
+      <inkml:brushProperty name="width" value="0.3" units="cm"/>
+      <inkml:brushProperty name="height" value="0.6" units="cm"/>
+      <inkml:brushProperty name="color" value="#FFFC00"/>
+      <inkml:brushProperty name="tip" value="rectangle"/>
+      <inkml:brushProperty name="rasterOp" value="maskPen"/>
+      <inkml:brushProperty name="ignorePressure" value="1"/>
+    </inkml:brush>
+  </inkml:definitions>
+  <inkml:trace contextRef="#ctx0" brushRef="#br0">5038 278,'0'-1,"0"0,0 0,-1 0,1 1,0-1,-1 0,1 0,0 1,-1-1,1 0,-1 0,0 1,1-1,-1 1,1-1,-1 0,0 1,0-1,1 1,-1 0,0-1,0 1,1 0,-1-1,0 1,-1 0,-30-8,23 7,-761-143,448 95,-405-11,-334 61,877 6,1 8,0 7,-237 62,196-12,61-17,147-50,-588 199,601-203,-10 3,-1 1,1 1,1 0,-1 1,1 1,-22 17,33-25,1 0,-1 1,0-1,1 1,-1-1,1 1,-1-1,0 1,1 0,-1-1,1 1,0-1,-1 1,1 0,0-1,-1 1,1 0,0 0,0-1,-1 1,1 0,0 0,0-1,0 1,0 0,0 0,0-1,0 1,0 0,1 0,-1-1,0 1,0 0,1 0,-1-1,0 1,1 0,-1-1,1 1,-1 0,1-1,-1 1,1-1,-1 1,1-1,0 1,5 2,-1-1,1 1,-1-1,1-1,0 1,7 0,62 7,129 1,-155-9,2102-42,-1664-8,-368 24,-117 25,0-1,0 1,0-1,1 1,-1-1,0 0,0 0,0 0,0 0,0 0,0 0,0-1,-1 1,1 0,0-1,2-3,-5 4,0 0,0 0,0 0,0 0,0 0,0 0,0 0,0 0,0 1,0-1,-1 0,1 1,0-1,-1 0,1 1,0 0,-1-1,1 1,0 0,-1 0,1 0,-3 0,-84-11,0 5,-148 7,155 1,52-3,29 1,0 0,0 0,0-1,0 1,0 0,0 0,0 0,0 0,0 0,0 0,0 0,0 0,0 0,0 0,0-1,0 1,0 0,0 0,0 0,0 0,0 0,0 0,0 0,0 0,0 0,0-1,0 1,0 0,0 0,0 0,0 0,0 0,0 0,0 0,0 0,0 0,0 0,0-1,-1 1,1 0,0 0,0 0,0 0,0 0,0 0,0 0,0 0,0 0,0 0,0 0,-1 0,1 0,0 0,42-12,-28 8,116-25,100-28,-222 54,-2 2,-1 0,1-1,-1 1,0-1,0-1,1 1,-1-1,-1 0,1 0,0 0,-1 0,1-1,-1 0,4-5,-7 8,-1-1,0 1,0 0,0 0,1 0,-1 0,0 0,-1 0,1 0,0-1,0 1,0 0,-1 0,1 0,0 0,-1 0,1 0,-1 0,1 0,-1 0,0 0,1 0,-1 1,0-1,0 0,0 0,1 1,-1-1,-2-1,-34-19,35 21,-46-21,-2 3,0 2,-61-12,-163-19,255 45,-652-52,1901 60,-707-6,-1411 0,1629 46,-490-23,-176-17,-61-2,-21 0,-43 6,3 0,27 1,19-11,1 0,0 0,-1 0,1 1,0-1,0 0,-1 1,1-1,0 0,0 1,0-1,0 0,-1 1,1-1,0 0,0 1,0-1,0 0,0 1,0-1,0 1,0-1,0 0,0 1,0-1,0 0,0 1,0-1,0 0,1 1,1 2,1 0,0-1,0 1,0-1,0 0,1 0,-1 0,0 0,1-1,-1 0,5 2,89 30,104 21,-133-38,1554 290,-1294-277,-253-32</inkml:trace>
+</inkml:ink>
+</file>
+
+<file path=ppt/ink/ink50.xml><?xml version="1.0" encoding="utf-8"?>
 <inkml:ink xmlns:inkml="http://www.w3.org/2003/InkML">
   <inkml:definitions>
     <inkml:context xml:id="ctx0">
@@ -1125,7 +1532,7 @@
 </inkml:ink>
 </file>
 
-<file path=ppt/ink/ink39.xml><?xml version="1.0" encoding="utf-8"?>
+<file path=ppt/ink/ink51.xml><?xml version="1.0" encoding="utf-8"?>
 <inkml:ink xmlns:inkml="http://www.w3.org/2003/InkML">
   <inkml:definitions>
     <inkml:context xml:id="ctx0">
@@ -1154,36 +1561,7 @@
 </inkml:ink>
 </file>
 
-<file path=ppt/ink/ink4.xml><?xml version="1.0" encoding="utf-8"?>
-<inkml:ink xmlns:inkml="http://www.w3.org/2003/InkML">
-  <inkml:definitions>
-    <inkml:context xml:id="ctx0">
-      <inkml:inkSource xml:id="inkSrc0">
-        <inkml:traceFormat>
-          <inkml:channel name="X" type="integer" min="-2.14748E9" max="2.14748E9" units="cm"/>
-          <inkml:channel name="Y" type="integer" min="-2.14748E9" max="2.14748E9" units="cm"/>
-        </inkml:traceFormat>
-        <inkml:channelProperties>
-          <inkml:channelProperty channel="X" name="resolution" value="1000" units="1/cm"/>
-          <inkml:channelProperty channel="Y" name="resolution" value="1000" units="1/cm"/>
-        </inkml:channelProperties>
-      </inkml:inkSource>
-      <inkml:timestamp xml:id="ts0" timeString="2025-06-13T15:17:54.529"/>
-    </inkml:context>
-    <inkml:brush xml:id="br0">
-      <inkml:brushProperty name="width" value="0.3" units="cm"/>
-      <inkml:brushProperty name="height" value="0.6" units="cm"/>
-      <inkml:brushProperty name="color" value="#FFFC00"/>
-      <inkml:brushProperty name="tip" value="rectangle"/>
-      <inkml:brushProperty name="rasterOp" value="maskPen"/>
-      <inkml:brushProperty name="ignorePressure" value="1"/>
-    </inkml:brush>
-  </inkml:definitions>
-  <inkml:trace contextRef="#ctx0" brushRef="#br0">1082 1870,'1'12,"0"0,1 0,1 0,0-1,7 18,1 7,5 33,-3 0,7 128,-18 144,-3-204,1 200,-25 793,-2-753,-108 1010,30-338,33-243,41 78,32-680,0-122,3 0,16 82,-18-157,-1 0,1 0,1 0,-1 0,6 9,-8-15,1-1,-1 1,0 0,1 0,-1-1,1 1,0 0,-1-1,1 1,-1-1,1 1,0-1,0 1,-1-1,1 1,0-1,0 0,-1 1,1-1,0 0,0 0,1 1,-1-2,0 1,0-1,0 1,0-1,1 0,-1 1,0-1,0 0,0 0,-1 0,1 1,0-1,0 0,0 0,-1 0,1-1,0 1,-1 0,1 0,0-2,6-13,-1 0,-1 0,-1 0,0 0,3-33,1-95,-7 101,0-688,-4 342,3 371,-1-1,1 0,1 0,7-34,-8 52,0 0,0 0,0 0,0 0,1 0,-1 0,0 0,1 0,-1 0,0 0,1 0,-1 0,1 0,0 0,-1 1,1-1,0 0,-1 0,1 0,0 1,0-1,0 1,0-1,0 0,0 1,-1 0,1-1,0 1,0-1,1 1,-1 0,1 0,0 0,0 1,-1 0,1 0,-1 0,1 0,-1 0,1 1,-1-1,0 0,1 1,-1-1,0 1,0-1,0 1,0 0,0-1,-1 1,2 3,27 76,-4 1,16 96,-19-37,4 16,-21-134,1-1,1 1,1-1,14 29,-21-49,-1-1,1 1,0 0,-1-1,1 1,0-1,0 1,0-1,0 1,0-1,0 1,1-1,-1 0,0 0,1 0,-1 0,1 0,-1 0,1 0,-1 0,1 0,0-1,-1 1,1-1,2 1,-2-2,0-1,0 1,-1-1,1 0,-1 0,1 0,-1 0,0 0,0 0,0 0,0 0,0 0,0 0,0 0,-1-1,1 1,-1 0,0-1,1 1,-1-4,11-107,-6-218,-7 198,-2-434,3 1205,2-347,-2-258,2 43,-1-70,1-1,0 1,0-1,0 0,1 0,0 0,0 0,0 0,0 0,6 8,-8-13,1 1,-1-1,0 1,0-1,0 1,1-1,-1 0,0 1,1-1,-1 0,0 1,1-1,-1 0,0 1,1-1,-1 0,1 0,-1 1,1-1,-1 0,1 0,-1 0,0 0,1 1,-1-1,1 0,-1 0,1 0,-1 0,1 0,-1 0,1 0,-1 0,1-1,-1 1,1 0,-1 0,1 0,-1 0,0-1,1 1,-1 0,1-1,-1 1,0 0,1 0,-1-1,1 0,11-31,-4-20,-2-1,-2-60,-3 75,4-207,-3-103,-1-119,-1-120,-3-2809,3 3320,7-182,-1 229,-6 29,0 0,1 0,-1 0,0 0,0 0,1 0,-1 0,0 0,0 0,0 0,1 0,-1 0,0 0,0 0,1 0,-1 1,0-1,0 0,0 0,1 0,-1 0,0 0,0 0,0 1,1-1,-1 0,0 0,0 0,0 1,0-1,0 0,0 0,1 0,-1 1,0-1,0 0,0 0,0 0,0 1,0-1,0 0,0 0,0 1,0-1,0 0,0 0,0 1,0-1,0 0,0 0,12 65,112 1160,-76 15,-48-1225,2 81,18 126,-4-153,-16-67,1 0,-1 0,1 0,-1 0,1 0,0 0,-1 0,1 0,0-1,0 1,0 0,1-1,-1 1,0-1,1 1,-1-1,1 1,-1-1,1 0,0 0,-1 0,1 0,0 0,0 0,3 0,-3-1,-1-1,1 0,0 0,-1-1,1 1,-1 0,1-1,-1 1,0 0,0-1,1 1,-1-1,0 0,0 1,0-1,-1 0,1 0,0 0,-1 0,1 1,-1-1,0 0,1-2,7-39,-2 1,-2-1,-2 0,-7-86,4 87,-19-290,-12-106,-177-2185,161 2100,33 417,14 472,-6-10,-96 823,-67 3,111-794,56-367,-81 630,81-626,1-11,1 0,0 0,0 0,2 0,0 0,3 19,2-24,1-18,2-37,-3-46,-3 0,-13-118,-30-169,-36-149,-37-135,-246-1217,219 1170,74 371,26 171,40 168,0-1,0 0,-1 0,1 0,0 0,0 0,-1 0,1 0,-1 0,1 0,-1 1,1-1,-1 0,1 0,-1 1,0-1,1 0,-1 1,0-1,0 0,-1 0,1 2,0 0,0 0,1 0,-1 1,0-1,1 0,-1 1,1-1,-1 0,1 1,0-1,-1 0,1 1,0-1,0 3,-6 158,7 130,25 2148,-25-2352,7 184,-3-205,27 127,-30-186,0 1,1-1,0 0,7 13,-10-20,0-1,0 0,0 1,0-1,0 0,0 0,1 1,-1-1,0 0,0 0,0 1,1-1,-1 0,0 0,0 0,1 0,-1 1,0-1,0 0,1 0,-1 0,0 0,1 0,-1 0,0 0,0 0,1 1,-1-1,0 0,1 0,-1 0,0-1,1 1,-1 0,0 0,1 0,-1 0,0 0,0 0,1 0,-1 0,0-1,0 1,1 0,-1 0,0-1,12-31,-2-41,-2 0,-4-79,0 18,14-308,65-943,61 4,-97 1074,-42 275,1 0,2 1,13-34,-21 64,1 0,-1 0,0 0,1 1,-1-1,1 0,-1 0,1 0,-1 0,1 0,0 1,-1-1,1 0,0 0,0 1,0-1,-1 1,1-1,0 1,0-1,0 1,0-1,0 1,2-1,-2 2,0 0,0-1,1 1,-1 0,0 0,0 0,0 0,0 0,-1 0,1 0,0 0,0 0,0 0,-1 1,1-1,-1 0,1 0,-1 1,1 1,8 30,-2 1,6 66,7 218,-8 123,-67 2365,22-2377,10-170,-15 235,42-410,10-335,-12 186,4-243,69-1814,-69 2043,-3 69,-1 18,1 129,-2 137,-1 104,-17 897,1-218,18-688,1-223,28 191,-8-234,-22-99,0 1,1 0,0-1,0 1,0-1,0 0,1 1,-1-1,1 0,0-1,1 1,-1 0,1-1,-1 0,8 5,-10-8,0 1,1-1,-1 1,0-1,1 0,-1 0,0 0,1 0,-1 0,0 0,0 0,1 0,-1-1,0 1,1 0,-1-1,0 1,0-1,0 0,1 1,-1-1,0 0,0 0,0 1,0-1,0 0,0 0,-1 0,1 0,0 0,0 0,-1-1,1 1,0 0,0-3,6-10,-2 0,1-1,-2 0,1-1,1-18,13-105,1-159,-18 253,43-1724,-46 2064,-90 1838,87-2072,-8 242,21-217,-1-64,-8-22,0 0,0 1,0-1,0 0,0 0,1 0,-1 1,0-1,0 0,0 0,0 0,0 0,0 0,1 0,-1 1,0-1,0 0,0 0,1 0,-1 0,0 0,0 0,0 0,0 0,1 0,-1 0,0 0,0 0,0 0,1 0,-1 0,0 0,0 0,0 0,1 0,-1 0,0 0,0 0,0 0,1 0,-1 0,0 0,0-1,0 1,0 0,1 0,1-4,0 0,-1 1,1-1,-1 0,1 0,-1 0,-1-1,2-5,9-87,-3-105,-6 150,3-273,-1-102,-4-2081,-1 2033,1 424,1 19,-2 0,-6-51,1 71,-1 19,-5 30,-57 320,25 11,44-366,-56 1000,57-987,2 44,-2-56,-1 0,1 0,-1 0,1 0,0 0,0 0,0 0,1-1,-1 1,1 0,-1-1,1 1,4 4,-5-7,-1 1,1-1,0 1,-1-1,1 0,0 1,0-1,0 0,-1 0,1 0,0 1,0-1,0 0,-1 0,1 0,0 0,0 0,0-1,0 1,-1 0,1 0,0 0,0-1,-1 1,1 0,0-1,0 1,-1-1,1 1,0-1,-1 1,1-1,-1 1,1-1,0 0,-1 1,0-1,1 0,-1 1,1-2,18-38,-8-1,-3 0,-1-1,3-76,-10 105,19-1394,-24 835,7 541,3 78,23 866,-27-695,4 1959,-5-2129,-1 15,8 64,-2-105,-3-24,0-42,-7-298,2 23,0-96,81-1962,-72 2280,23-215,-22 285,-6 27,-1 0,0 0,0 0,1 0,-1 0,0 0,0 0,0-1,1 1,-1 0,0 0,0 0,1 0,-1 0,0 1,0-1,0 0,1 0,-1 0,0 0,0 0,0 0,1 0,-1 0,0 0,0 0,0 1,1-1,-1 0,0 0,0 0,0 0,0 1,1-1,-1 0,0 0,0 0,0 1,0-1,0 0,0 0,0 0,0 1,0-1,0 0,0 0,0 1,0-1,0 0,0 0,0 0,0 1,0-1,0 0,0 0,0 1,0-1,0 0,0 1,5 32,1 50,1 150,-2 101,-94 2216,85-2485,-9 285,14-328,0 0,6 26,0-31,-7-17,0 0,0 0,1 0,-1 0,0 0,0 0,1 0,-1 0,0 0,0 0,1 0,-1 0,0 0,0 0,1 0,-1 0,0 0,0 0,0-1,1 1,-1 0,0 0,0 0,0 0,1 0,-1-1,0 1,0 0,0 0,0 0,0-1,1 1,-1 0,0 0,0 0,0-1,0 1,0 0,0 0,0-1,0 1,0 0,0 0,0-1,4-14,0 0,-1 0,1-22,15-348,-16 297,11-309,189-1817,-171 2012,-20 161,-12 41,0 0,0 1,0-1,0 0,0 0,0 0,0 1,0-1,0 0,0 0,0 0,0 0,0 1,1-1,-1 0,0 0,0 0,0 0,0 1,0-1,1 0,-1 0,0 0,0 0,0 0,0 0,1 0,-1 1,0-1,0 0,0 0,1 0,-1 0,0 0,0 0,0 0,1 0,-1 0,0 0,0 0,0 0,1 0,-1 0,0 0,0-1,0 1,1 0,-1 0,0 0,0 0,0 0,0 0,1 0,-1-1,0 1,0 0,0 0,0 0,0 0,1-1,-1 1,0 0,0 0,0 0,0-1,4 24,-1 0,-1-1,-1 36,-9 223,-22 118,-152 1142,-57 1,230-1489,-23 203,32-254,-1 0,1 0,-1 0,1 0,0 0,0-1,0 1,0 0,0 0,1 0,-1 0,0 0,1 0,0-1,-1 1,1 0,0 0,1 2,0-7,0 0,0 0,-1-1,1 1,-1 0,0-1,0 1,-1-1,1 1,0-6,26-297,-24 233,17-283,114-964,115 8,-202 1137,-26 130,-21 44,1 1,-1 0,0-1,0 1,0 0,1 0,-1 0,0-1,0 1,1 0,-1 0,0 0,0-1,1 1,-1 0,0 0,1 0,-1 0,0 0,1 0,-1 0,0 0,0 0,1 0,-1 0,0 0,1 0,-1 0,0 0,1 0,-1 0,0 0,1 0,-1 0,0 1,0-1,1 0,-1 0,0 0,0 0,1 1,-1-1,0 0,0 0,0 1,1-1,-1 0,0 0,0 1,0-1,0 0,0 1,1-1,-1 0,0 0,0 1,3 12,0 0,-1 0,0 0,0 22,-3 191,-84 667,-62 6,-24 184,164-1040,8-72,5-47,-32 338,25-254,-89 617,-49 423,133-984,-14 116,9-122</inkml:trace>
-</inkml:ink>
-</file>
-
-<file path=ppt/ink/ink40.xml><?xml version="1.0" encoding="utf-8"?>
+<file path=ppt/ink/ink52.xml><?xml version="1.0" encoding="utf-8"?>
 <inkml:ink xmlns:inkml="http://www.w3.org/2003/InkML">
   <inkml:definitions>
     <inkml:context xml:id="ctx0">
@@ -1212,7 +1590,7 @@
 </inkml:ink>
 </file>
 
-<file path=ppt/ink/ink41.xml><?xml version="1.0" encoding="utf-8"?>
+<file path=ppt/ink/ink53.xml><?xml version="1.0" encoding="utf-8"?>
 <inkml:ink xmlns:inkml="http://www.w3.org/2003/InkML">
   <inkml:definitions>
     <inkml:context xml:id="ctx0">
@@ -1241,7 +1619,7 @@
 </inkml:ink>
 </file>
 
-<file path=ppt/ink/ink42.xml><?xml version="1.0" encoding="utf-8"?>
+<file path=ppt/ink/ink54.xml><?xml version="1.0" encoding="utf-8"?>
 <inkml:ink xmlns:inkml="http://www.w3.org/2003/InkML">
   <inkml:definitions>
     <inkml:context xml:id="ctx0">
@@ -1270,7 +1648,7 @@
 </inkml:ink>
 </file>
 
-<file path=ppt/ink/ink43.xml><?xml version="1.0" encoding="utf-8"?>
+<file path=ppt/ink/ink55.xml><?xml version="1.0" encoding="utf-8"?>
 <inkml:ink xmlns:inkml="http://www.w3.org/2003/InkML">
   <inkml:definitions>
     <inkml:context xml:id="ctx0">
@@ -1299,7 +1677,7 @@
 </inkml:ink>
 </file>
 
-<file path=ppt/ink/ink44.xml><?xml version="1.0" encoding="utf-8"?>
+<file path=ppt/ink/ink56.xml><?xml version="1.0" encoding="utf-8"?>
 <inkml:ink xmlns:inkml="http://www.w3.org/2003/InkML">
   <inkml:definitions>
     <inkml:context xml:id="ctx0">
@@ -1328,7 +1706,7 @@
 </inkml:ink>
 </file>
 
-<file path=ppt/ink/ink45.xml><?xml version="1.0" encoding="utf-8"?>
+<file path=ppt/ink/ink57.xml><?xml version="1.0" encoding="utf-8"?>
 <inkml:ink xmlns:inkml="http://www.w3.org/2003/InkML">
   <inkml:definitions>
     <inkml:context xml:id="ctx0">
@@ -1357,7 +1735,7 @@
 </inkml:ink>
 </file>
 
-<file path=ppt/ink/ink46.xml><?xml version="1.0" encoding="utf-8"?>
+<file path=ppt/ink/ink58.xml><?xml version="1.0" encoding="utf-8"?>
 <inkml:ink xmlns:inkml="http://www.w3.org/2003/InkML">
   <inkml:definitions>
     <inkml:context xml:id="ctx0">
@@ -1386,7 +1764,7 @@
 </inkml:ink>
 </file>
 
-<file path=ppt/ink/ink47.xml><?xml version="1.0" encoding="utf-8"?>
+<file path=ppt/ink/ink59.xml><?xml version="1.0" encoding="utf-8"?>
 <inkml:ink xmlns:inkml="http://www.w3.org/2003/InkML">
   <inkml:definitions>
     <inkml:context xml:id="ctx0">
@@ -1415,7 +1793,36 @@
 </inkml:ink>
 </file>
 
-<file path=ppt/ink/ink48.xml><?xml version="1.0" encoding="utf-8"?>
+<file path=ppt/ink/ink6.xml><?xml version="1.0" encoding="utf-8"?>
+<inkml:ink xmlns:inkml="http://www.w3.org/2003/InkML">
+  <inkml:definitions>
+    <inkml:context xml:id="ctx0">
+      <inkml:inkSource xml:id="inkSrc0">
+        <inkml:traceFormat>
+          <inkml:channel name="X" type="integer" min="-2.14748E9" max="2.14748E9" units="cm"/>
+          <inkml:channel name="Y" type="integer" min="-2.14748E9" max="2.14748E9" units="cm"/>
+        </inkml:traceFormat>
+        <inkml:channelProperties>
+          <inkml:channelProperty channel="X" name="resolution" value="1000" units="1/cm"/>
+          <inkml:channelProperty channel="Y" name="resolution" value="1000" units="1/cm"/>
+        </inkml:channelProperties>
+      </inkml:inkSource>
+      <inkml:timestamp xml:id="ts0" timeString="2025-06-14T13:15:04.119"/>
+    </inkml:context>
+    <inkml:brush xml:id="br0">
+      <inkml:brushProperty name="width" value="0.3" units="cm"/>
+      <inkml:brushProperty name="height" value="0.6" units="cm"/>
+      <inkml:brushProperty name="color" value="#FFFC00"/>
+      <inkml:brushProperty name="tip" value="rectangle"/>
+      <inkml:brushProperty name="rasterOp" value="maskPen"/>
+      <inkml:brushProperty name="ignorePressure" value="1"/>
+    </inkml:brush>
+  </inkml:definitions>
+  <inkml:trace contextRef="#ctx0" brushRef="#br0">2439 449,'-134'-30,"-195"-16,-129 20,411 24,33 2,-468-13,3 40,457-25,0 2,0 1,0 0,-38 16,55-18,0-1,0 1,1 0,-1 0,1 0,-1 1,1 0,0 0,1 0,-6 7,7-8,0 0,1 0,-1 0,1 1,0-1,0 0,0 1,1-1,-1 1,1-1,0 1,0-1,0 1,0-1,1 0,-1 1,1-1,1 5,2 2,0 0,1 1,0-1,0-1,1 1,0-1,1 0,12 12,1 0,2 0,28 18,-15-14,1-2,1-1,66 27,128 34,-226-82,154 48,230 39,-273-70,1-6,210-3,-303-10,20-1,56-9,-89 9,1 0,-1-1,0 0,0-1,0-1,-1 1,1-2,-1 0,17-12,-25 17,0 0,-1-1,1 1,0-1,0 0,-1 1,1-1,-1 0,0 0,1 0,-1 0,0 0,0 0,0 0,-1-1,1 1,0 0,-1 0,0-1,1 1,-1 0,0-1,0 1,0 0,0-1,-1 1,1 0,-2-5,0 3,-1 0,0-1,0 1,0 0,0 1,0-1,-1 0,0 1,0 0,0 0,0 0,0 0,-8-3,-32-12,0 1,-1 2,-92-17,-484-58,-9 53,601 36,17 2,1-1,-1-1,1 1,-1-2,0 0,1 0,0-1,0-1,-12-4,22 7,1 1,-1 0,1-1,-1 1,1-1,-1 1,1-1,-1 1,1-1,0 1,-1-1,1 1,0-1,-1 0,1 1,0-1,0 0,-1 1,1-1,0 0,0 1,0-1,0 0,0 1,0-1,0 0,0 1,0-1,0 0,1 1,-1-1,0 0,0 1,1-1,-1 1,0-1,1 0,-1 1,1-1,-1 1,0-1,1 1,-1-1,1 1,-1 0,2-1,29-22,-29 22,36-20,47-18,-58 28,-1-1,0-1,0-1,-2-1,41-33,-61 46,0-1,0 1,0 0,0 0,1 0,-1 0,1 1,0 0,-1 0,1 0,0 0,-1 1,1 0,7 0,4 0,431-1,-7 32,-185-11,-197-19,-58-1,0 0,0 0,0 0,0 0,0 0,0 0,-1 0,1 0,0 0,0 0,0 0,0-1,0 1,0 0,0 0,-1 0,1 0,0 0,0 0,0 0,0 0,0 0,0-1,0 1,0 0,0 0,0 0,0 0,0 0,0 0,0-1,0 1,0 0,0 0,0 0,0 0,0 0,0 0,0-1,0 1,0 0,0 0,0 0,0 0,0 0,0 0,0-1,0 1,0 0,0 0,1 0,-1 0,0 0,0 0,0 0,0 0,0 0,0 0,0-1,1 1,-34-12,-426-98,-18 27,-659-41,1107 123,22 1,1 0,-1 0,0 0,0-1,1 1,-1-2,0 1,1-1,-1 0,-9-5,16 7,0 0,0-1,0 1,0-1,0 1,0-1,0 1,0 0,0-1,0 1,1-1,-1 1,0-1,0 1,0 0,1-1,-1 1,0 0,0-1,1 1,-1 0,0-1,1 1,-1 0,0-1,1 1,-1 0,0 0,1 0,-1-1,1 1,-1 0,0 0,1 0,-1 0,1 0,-1 0,1 0,-1 0,0 0,2 0,36-14,80-16,-82 23,0-2,62-24,-98 33,0-1,0 1,0 0,0 0,0 0,-1 0,1 0,0 0,0 0,0 0,0 0,0 0,0-1,0 1,0 0,0 0,0 0,0 0,0 0,0 0,0 0,0 0,0-1,0 1,0 0,0 0,0 0,0 0,0 0,0 0,1 0,-1 0,0 0,0 0,0-1,0 1,0 0,0 0,0 0,0 0,0 0,0 0,0 0,0 0,1 0,-20 1,-24 5,27-2,0 0,1 0,0 2,-21 10,35-16,-1 1,1-1,0 1,0 0,0-1,0 1,0 0,0 0,0-1,0 1,1 0,-1 0,0 0,0 0,1 0,-1 0,0 0,1 1,-1-1,1 0,0 0,-1 0,1 0,0 1,0-1,0 0,0 2,1-1,0 0,0 1,1-1,-1 0,1-1,-1 1,1 0,0 0,0-1,0 1,0-1,0 1,0-1,0 0,0 0,3 1,34 14,0-3,1 0,0-3,47 6,-62-11,503 70,8-31,-412-35,-108-9,-13 0,-1 0,0-1,1 1,-1 0,0 0,1 0,-1 1,0-1,0 1,1-1,-1 1,0 0,0 0,0-1,0 2,0-1,0 0,0 0,0 1,0-1,0 1,-1-1,1 1,-1 0,2 2,-1-1,0 1,0 0,1-1,-1 1,1-1,0 0,0 0,0 0,0 0,0 0,1-1,-1 1,5 1,5 2,0-1,0 0,16 3,164 34,241 20,-56-11,-372-50,9 1,1 1,-1 0,27 11,-19-2</inkml:trace>
+</inkml:ink>
+</file>
+
+<file path=ppt/ink/ink60.xml><?xml version="1.0" encoding="utf-8"?>
 <inkml:ink xmlns:inkml="http://www.w3.org/2003/InkML">
   <inkml:definitions>
     <inkml:context xml:id="ctx0">
@@ -1444,7 +1851,7 @@
 </inkml:ink>
 </file>
 
-<file path=ppt/ink/ink49.xml><?xml version="1.0" encoding="utf-8"?>
+<file path=ppt/ink/ink61.xml><?xml version="1.0" encoding="utf-8"?>
 <inkml:ink xmlns:inkml="http://www.w3.org/2003/InkML">
   <inkml:definitions>
     <inkml:context xml:id="ctx0">
@@ -1473,36 +1880,7 @@
 </inkml:ink>
 </file>
 
-<file path=ppt/ink/ink5.xml><?xml version="1.0" encoding="utf-8"?>
-<inkml:ink xmlns:inkml="http://www.w3.org/2003/InkML">
-  <inkml:definitions>
-    <inkml:context xml:id="ctx0">
-      <inkml:inkSource xml:id="inkSrc0">
-        <inkml:traceFormat>
-          <inkml:channel name="X" type="integer" min="-2.14748E9" max="2.14748E9" units="cm"/>
-          <inkml:channel name="Y" type="integer" min="-2.14748E9" max="2.14748E9" units="cm"/>
-        </inkml:traceFormat>
-        <inkml:channelProperties>
-          <inkml:channelProperty channel="X" name="resolution" value="1000" units="1/cm"/>
-          <inkml:channelProperty channel="Y" name="resolution" value="1000" units="1/cm"/>
-        </inkml:channelProperties>
-      </inkml:inkSource>
-      <inkml:timestamp xml:id="ts0" timeString="2025-06-13T15:17:56.637"/>
-    </inkml:context>
-    <inkml:brush xml:id="br0">
-      <inkml:brushProperty name="width" value="0.3" units="cm"/>
-      <inkml:brushProperty name="height" value="0.6" units="cm"/>
-      <inkml:brushProperty name="color" value="#FFFC00"/>
-      <inkml:brushProperty name="tip" value="rectangle"/>
-      <inkml:brushProperty name="rasterOp" value="maskPen"/>
-      <inkml:brushProperty name="ignorePressure" value="1"/>
-    </inkml:brush>
-  </inkml:definitions>
-  <inkml:trace contextRef="#ctx0" brushRef="#br0">1407 6666,'10'12,"-1"1,0 1,-1-1,0 1,-1 1,6 16,-2-7,-6-12,0 0,0 1,-1-1,3 20,-6-28,-1 0,1 0,-1 1,0-1,0 0,-1 0,1 0,-1 0,0 0,0 0,-1 0,1 0,-1 0,0 0,0 0,0-1,-3 5,-5 2,6-13,12-32,441-1586,-344 1105,46-627,-132 770,-22 293,3 79,0 1,1-1,-1 1,0 0,0-1,0 1,0-1,0 1,0-1,0 1,0 0,0-1,0 1,-1-1,1 1,0 0,0-1,0 1,0-1,-1 1,1 0,0-1,0 1,-1 0,1-1,0 1,0 0,-1-1,1 1,0 0,-1 0,1-1,-1 1,1 0,0 0,-1 0,1 0,-1 0,1-1,0 1,-1 0,1 0,-1 0,1 0,-1 0,1 0,0 0,-1 0,1 1,-1-1,1 0,0 0,-1 0,1 0,-1 0,1 1,0-1,-1 0,1 0,0 1,-1-1,1 0,0 1,-1-1,1 1,-11 13,1 0,0 1,2 1,0-1,0 1,1 1,-4 18,-2-2,-188 563,192-568,7-20,-9 25,1 0,-9 62,19-77,4-17,9-35,30-192,-35 172,58-403,-21-3,-15-512,-42 771,11 183,-2-1,0 1,-1 0,-9-27,13 44,0-1,-1 1,1 0,0 0,-1 0,1 0,-1 0,1 0,-1 0,0 0,1 0,-1 0,0 0,0 0,1 1,-1-1,0 0,0 1,0-1,0 0,0 1,0-1,0 1,0-1,-1 1,1 0,0 0,0-1,0 1,0 0,0 0,-1 0,1 0,0 0,0 0,0 1,0-1,0 0,-1 0,1 1,0-1,0 1,0-1,0 1,0-1,0 1,-1 1,-9 8,2 0,-1 1,1 0,1 1,0 0,-11 23,-88 187,-28 107,-709 2129,830-2412,-59 246,71-239,2-52,0-1,0 1,0-1,0 0,0 1,0-1,0 1,1-1,-1 1,0-1,0 0,0 1,0-1,1 1,-1-1,0 0,0 1,1-1,-1 0,0 1,0-1,1 0,-1 0,0 1,1-1,-1 0,1 0,-1 1,0-1,1 0,1 0,-1-1,0 0,0 0,0 1,0-1,0 0,0 0,0 0,0 0,0 0,0 0,-1 0,1 0,0-1,0-1,17-33,-2-1,-2-1,-2 0,11-51,-20 76,51-240,-7-97,-20-108,-32-123,-94-671,-73 3,110 880,15 129,43 218,-1 1,-1 1,-14-36,20 56,-1-1,1 0,0 1,0-1,-1 1,1-1,0 1,-1-1,1 1,0-1,-1 1,1-1,-1 1,1 0,-1-1,1 1,-1 0,1-1,-1 1,1 0,-1-1,0 1,1 0,-1 0,1 0,-1 0,0 0,1 0,-1 0,1 0,-2 0,0 1,1 0,-1 0,1 1,0-1,0 0,0 1,-1-1,1 1,1 0,-1-1,0 1,0 0,0 3,-13 40,-10 63,-29 177,-12 114,-117 810,38 2,111-656,33-543,6 112,-5-115,0 0,1 0,0 0,1 0,0 0,0 0,1-1,0 1,7 10,-10-17,-1-1,1 0,0 0,0 0,0 1,0-1,0 0,0 0,0 0,1-1,-1 1,0 0,0 0,1-1,-1 1,0 0,1-1,-1 1,1-1,-1 0,0 0,1 1,-1-1,1 0,-1 0,1 0,-1 0,1-1,-1 1,1 0,-1-1,1 1,-1-1,0 1,1-1,-1 0,0 1,2-2,3-3,-1 0,1 0,-1 0,-1-1,1 0,-1 1,5-9,12-29,-1 0,-3-1,-1-1,-2 0,10-64,24-142,21-355,-35-260,-30 606,-3 69</inkml:trace>
-</inkml:ink>
-</file>
-
-<file path=ppt/ink/ink50.xml><?xml version="1.0" encoding="utf-8"?>
+<file path=ppt/ink/ink62.xml><?xml version="1.0" encoding="utf-8"?>
 <inkml:ink xmlns:inkml="http://www.w3.org/2003/InkML">
   <inkml:definitions>
     <inkml:context xml:id="ctx0">
@@ -1531,7 +1909,7 @@
 </inkml:ink>
 </file>
 
-<file path=ppt/ink/ink51.xml><?xml version="1.0" encoding="utf-8"?>
+<file path=ppt/ink/ink63.xml><?xml version="1.0" encoding="utf-8"?>
 <inkml:ink xmlns:inkml="http://www.w3.org/2003/InkML">
   <inkml:definitions>
     <inkml:context xml:id="ctx0">
@@ -1560,7 +1938,7 @@
 </inkml:ink>
 </file>
 
-<file path=ppt/ink/ink52.xml><?xml version="1.0" encoding="utf-8"?>
+<file path=ppt/ink/ink64.xml><?xml version="1.0" encoding="utf-8"?>
 <inkml:ink xmlns:inkml="http://www.w3.org/2003/InkML">
   <inkml:definitions>
     <inkml:context xml:id="ctx0">
@@ -1589,7 +1967,7 @@
 </inkml:ink>
 </file>
 
-<file path=ppt/ink/ink53.xml><?xml version="1.0" encoding="utf-8"?>
+<file path=ppt/ink/ink65.xml><?xml version="1.0" encoding="utf-8"?>
 <inkml:ink xmlns:inkml="http://www.w3.org/2003/InkML">
   <inkml:definitions>
     <inkml:context xml:id="ctx0">
@@ -1618,7 +1996,7 @@
 </inkml:ink>
 </file>
 
-<file path=ppt/ink/ink54.xml><?xml version="1.0" encoding="utf-8"?>
+<file path=ppt/ink/ink66.xml><?xml version="1.0" encoding="utf-8"?>
 <inkml:ink xmlns:inkml="http://www.w3.org/2003/InkML">
   <inkml:definitions>
     <inkml:context xml:id="ctx0">
@@ -1647,7 +2025,7 @@
 </inkml:ink>
 </file>
 
-<file path=ppt/ink/ink55.xml><?xml version="1.0" encoding="utf-8"?>
+<file path=ppt/ink/ink67.xml><?xml version="1.0" encoding="utf-8"?>
 <inkml:ink xmlns:inkml="http://www.w3.org/2003/InkML">
   <inkml:definitions>
     <inkml:context xml:id="ctx0">
@@ -1676,7 +2054,7 @@
 </inkml:ink>
 </file>
 
-<file path=ppt/ink/ink56.xml><?xml version="1.0" encoding="utf-8"?>
+<file path=ppt/ink/ink68.xml><?xml version="1.0" encoding="utf-8"?>
 <inkml:ink xmlns:inkml="http://www.w3.org/2003/InkML">
   <inkml:definitions>
     <inkml:context xml:id="ctx0">
@@ -1705,7 +2083,7 @@
 </inkml:ink>
 </file>
 
-<file path=ppt/ink/ink57.xml><?xml version="1.0" encoding="utf-8"?>
+<file path=ppt/ink/ink69.xml><?xml version="1.0" encoding="utf-8"?>
 <inkml:ink xmlns:inkml="http://www.w3.org/2003/InkML">
   <inkml:definitions>
     <inkml:context xml:id="ctx0">
@@ -1734,35 +2112,6 @@
 </inkml:ink>
 </file>
 
-<file path=ppt/ink/ink6.xml><?xml version="1.0" encoding="utf-8"?>
-<inkml:ink xmlns:inkml="http://www.w3.org/2003/InkML">
-  <inkml:definitions>
-    <inkml:context xml:id="ctx0">
-      <inkml:inkSource xml:id="inkSrc0">
-        <inkml:traceFormat>
-          <inkml:channel name="X" type="integer" min="-2.14748E9" max="2.14748E9" units="cm"/>
-          <inkml:channel name="Y" type="integer" min="-2.14748E9" max="2.14748E9" units="cm"/>
-        </inkml:traceFormat>
-        <inkml:channelProperties>
-          <inkml:channelProperty channel="X" name="resolution" value="1000" units="1/cm"/>
-          <inkml:channelProperty channel="Y" name="resolution" value="1000" units="1/cm"/>
-        </inkml:channelProperties>
-      </inkml:inkSource>
-      <inkml:timestamp xml:id="ts0" timeString="2025-06-13T15:48:12.685"/>
-    </inkml:context>
-    <inkml:brush xml:id="br0">
-      <inkml:brushProperty name="width" value="0.3" units="cm"/>
-      <inkml:brushProperty name="height" value="0.6" units="cm"/>
-      <inkml:brushProperty name="color" value="#FFFC00"/>
-      <inkml:brushProperty name="tip" value="rectangle"/>
-      <inkml:brushProperty name="rasterOp" value="maskPen"/>
-      <inkml:brushProperty name="ignorePressure" value="1"/>
-    </inkml:brush>
-  </inkml:definitions>
-  <inkml:trace contextRef="#ctx0" brushRef="#br0">2200 415,'-5'8,"0"1,-1-1,0-1,0 1,-1-1,0 0,0-1,-1 1,1-2,-1 1,-1-1,1 0,-1 0,0-1,-13 4,-10 2,-1-1,0-1,-38 2,-123 7,-258-12,294-7,-923-4,1284-25,489-117,-574 119,-82 20,-16 3,0 1,0 1,1 1,22-1,-92 27,-154 68,-27 12,115-59,-1-1,1 5,-124 72,226-112,0 0,0 1,1 1,1 0,0 0,-18 22,27-29,0-1,0 1,0 0,0 0,0 0,1 1,0-1,-1 0,1 0,0 1,1-1,-1 1,0-1,1 1,0-1,0 1,0-1,0 1,1-1,-1 1,1-1,0 1,0-1,0 0,1 1,-1-1,1 0,0 0,-1 0,1 0,1 0,-1-1,0 1,5 3,12 9,0-1,2 0,-1-2,2 0,-1-2,2 0,-1-2,32 8,-17-3,224 66,2-12,4-12,298 24,-304-58,370-19,-613-3,-27 0,-36 2,-109 14,-175 40,140-21,156-28,-373 66,378-64,26-7,19-5,2-1,197-40,27 14,112 3,161 11,224 29,233 55,189 59,890 153,177 21,15-93,-1628-179,-132-20,-124-15,-269 5,0-4,153-32,-215 31,-1-1,0-2,46-22,-65 27,-1 1,1-2,-1 1,0-1,-1 0,1-1,-1 1,-1-2,1 1,-1-1,0 0,-1 0,0 0,5-11,-9 15,0 1,0 0,-1 0,1-1,-1 1,1 0,-1-1,0 1,0 0,-1-1,1 1,-1 0,0-1,0 1,0 0,0 0,0 0,-1 0,1 0,-1 0,0 0,0 0,0 1,0-1,0 1,-1-1,1 1,-1 0,1 0,-4-2,-9-7,0 0,0 2,-1-1,0 2,-25-10,-106-27,-114-10,-134 3,-198-13,-236-31,-239-48,-199-55,-4942-970,5533 1027,230 47,326 68,54 11,0 3,-87-7,145 20,-1 0,0 1,1-1,-1 2,1-1,0 1,-1 1,1-1,0 1,0 1,0-1,-14 10,4 1,-1 1,2 1,-19 21,5-6,-201 167,95-87,130-106,4-3,0 1,0-1,0 1,0 0,1 0,-1 0,1 0,-4 6,6-8,-1 0,1 0,0-1,0 1,0 0,0-1,0 1,0 0,0-1,0 1,0 0,0 0,0-1,0 1,1 0,-1-1,0 1,0 0,1-1,-1 1,1-1,0 2,24 13,8-5,60 9,163 21,154 23,148 27,1360 238,-424-71,-1473-253,55 8,119 35,-191-45,1-1,0 1,-1-1,1 0,0 0,0 0,0-1,8 0,-9-1,-1 0,1-1,-1 1,0-1,0 0,1 1,-1-1,-1-1,4-1,10-8,139-86,232-108,-309 167,30-16,327-149,-573 296,91-64</inkml:trace>
-</inkml:ink>
-</file>
-
 <file path=ppt/ink/ink7.xml><?xml version="1.0" encoding="utf-8"?>
 <inkml:ink xmlns:inkml="http://www.w3.org/2003/InkML">
   <inkml:definitions>
@@ -1777,7 +2126,7 @@
           <inkml:channelProperty channel="Y" name="resolution" value="1000" units="1/cm"/>
         </inkml:channelProperties>
       </inkml:inkSource>
-      <inkml:timestamp xml:id="ts0" timeString="2025-06-13T15:49:17.439"/>
+      <inkml:timestamp xml:id="ts0" timeString="2025-06-14T13:15:05.069"/>
     </inkml:context>
     <inkml:brush xml:id="br0">
       <inkml:brushProperty name="width" value="0.3" units="cm"/>
@@ -1788,7 +2137,7 @@
       <inkml:brushProperty name="ignorePressure" value="1"/>
     </inkml:brush>
   </inkml:definitions>
-  <inkml:trace contextRef="#ctx0" brushRef="#br0">10905 1684,'-125'-3,"-129"-21,-123-38,272 43,-278-50,-88-22,-102-22,-96-18,97 18,-1389-254,-15 136,1694 220,-305 27,218-3,-75 5,116 21,-533 131,839-164,-1 0,1 1,0 1,-36 19,56-26,0 0,0 1,0-1,1 0,-1 1,0-1,1 1,-1-1,1 1,-1 0,1 0,0 0,-1 0,1 0,0 0,-1 3,3-3,-1 0,0-1,0 1,1 0,-1 0,1 0,-1 0,1-1,0 1,0 0,-1-1,1 1,0 0,1-1,-1 1,0-1,0 0,1 1,-1-1,1 0,-1 0,3 2,25 15,-1-1,2-1,0-2,1 0,1-3,33 9,-34-10,266 78,128 19,110 18,846 157,20-92,-1340-186,-37-3,1 1,0 1,-1 1,37 11,-59-14,-1 0,1-1,-1 1,1 0,-1 0,1-1,-1 1,0 0,0 0,1 1,-1-1,0 0,0 0,0 1,0-1,0 0,0 1,0-1,-1 1,2 2,1 33,-4-32,1 0,0-1,0 1,1 0,-1-1,1 1,0-1,0 1,4 7,-1-4,1-1,0 0,1 0,-1 0,1-1,1 0,-1 0,9 5,6 3,0-1,24 10,37 14,2-3,88 22,180 31,-348-86,21 4,304 66,-224-53,111 4,-176-25,-40 3,0 0,0-1,0 1,0 0,0-1,0 1,0-1,0 1,0 0,0-1,0 1,0-1,-1 1,1 0,0-1,0 1,0 0,0-1,-1 1,1 0,0-1,0 1,-1 0,1 0,0-1,-1 1,1 0,0 0,-1-1,1 1,0 0,-1 0,1 0,0 0,-1 0,1 0,-1-1,1 1,0 0,-1 0,1 0,-1 0,1 1,-89-31,-153-31,-133-22,-1034-185,320 65,840 149,183 36,59 14,14 2,111 15,206 40,196 42,164 33,726 146,1330 234,-2484-469,-221-34,52 0,-86-5,-1 0,0 0,1 1,-1-1,1 0,-1 0,0 0,1 0,-1 0,0 0,1 0,-1 0,1 0,-1 0,0 0,1-1,-1 1,0 0,1 0,-1 0,1 0,-1-1,0 1,0 0,1 0,-1 0,0-1,1 1,-1 0,0-1,0 1,1 0,-1-1,0 1,0 0,0-1,1 1,-20-13,-62-17,-146-35,177 53,-431-98,-750-71,1193 178,29 4,1-1,0-1,-1 1,1-1,0-1,0 1,0-1,0-1,0 0,0 0,1 0,-11-7,17 9,0 1,1-1,-1 0,1 1,-1-1,1 0,-1 0,1 0,-1 1,1-1,0 0,0 0,-1 0,1 0,0 0,0 0,0 0,0 1,0-1,0 0,0 0,0 0,0 0,0 0,1 0,-1 0,0 0,1 1,-1-1,0 0,1 0,-1 0,1 1,0-1,0-1,28-23,35-15,-41 27,41-31,-58 39,1-1,-1-1,0 1,0-1,0 0,-1 0,0-1,-1 1,7-16,-4 5,1 0,1 0,1 0,0 1,2 1,0-1,0 2,2 0,-1 1,29-23,161-117,-199 152,-1 0,0 0,0-1,0 1,-1-1,1 0,-1 1,1-1,-1 0,0 0,0-1,0 1,0 0,-1-1,1 1,-1-1,0 1,0-1,-1 0,1 1,0-8,-3 7,0 0,0-1,0 1,0 0,-1 0,0 0,0 0,0 1,0-1,0 1,-1-1,0 1,1 1,-1-1,0 0,-1 1,1 0,0 0,-5-2,-33-14,-84-26,-174-33,-169-28,-208-39,-198-35,-1546-288,66 14,2154 414,139 30,62 9,0 0,0 0,0 1,1-1,-1 0,0 0,0 0,0 0,0 0,0 0,0 0,0 0,0 0,0 0,0 0,0 1,0-1,0 0,0 0,0 0,0 0,0 0,0 0,0 0,0 0,0 0,0 0,0 0,0 1,0-1,0 0,0 0,0 0,0 0,27 9,458 110,-191-50,1825 365,-1091-275,-999-154,-29-5,0 0,0 0,-1 0,1 0,0 0,0 0,0 0,0 0,0 0,0 0,0 0,0 1,0-1,0 0,0 0,0 0,0 0,0 0,0 0,0 0,0 0,0 0,-1 0,1 0,0 1,0-1,0 0,0 0,0 0,0 0,0 0,0 0,0 0,-48 1,38-1,-375 6,-434 63,789-65,0-1,1 1,-1 1,-47 17,67-15,19-1,18 0,1-1,-1-1,45 0,5 0,813 64,-884-67,8-1,0 2,0 0,-1 1,28 8,-39-10,0 0,1 0,-1 0,0 0,0 1,0-1,0 1,0-1,0 1,0 0,-1 0,1 0,0 0,-1 0,0 0,1 0,-1 0,0 0,0 1,0-1,-1 1,1-1,0 0,-1 1,0-1,1 1,-1-1,0 1,0-1,-1 1,1-1,-1 5,-13 39,10-34,0 0,1 0,-3 17,5-25,1-1,0 1,0 0,0-1,1 1,-1-1,1 1,0 0,0-1,0 0,0 1,1-1,-1 0,1 1,0-1,3 3,1 1,1 0,0-1,1 0,-1 0,1 0,1-1,-1 0,1-1,-1 0,1-1,1 1,-1-2,11 3,19 3,73 4,-104-12,535 5,-439-8,-94 3,-1 0,0 0,1 1,-1 0,12 4,-16-4,-1 1,1 0,-1 0,0 1,0-1,0 1,0 0,0 0,-1 0,1 1,5 6,-5-5,0-1,0 0,0 0,1-1,0 1,-1-1,1 0,1 0,-1 0,0-1,10 3,4 0,1-1,24 2,-37-6,100 9,108-6,116-18,-164 5,-67 5,209-5,-246 11,-1 3,117 24,-26 0,-72-17</inkml:trace>
+  <inkml:trace contextRef="#ctx0" brushRef="#br0">91 0,'0'1071,"1"-1058,-1-1,-1 1,0 0,0-1,-1 1,-1-1,0 0,-1 0,0 0,-1 0,0 0,-1-1,0 0,-1 0,0-1,-9 10,-5 3</inkml:trace>
 </inkml:ink>
 </file>
 
@@ -1806,7 +2155,7 @@
           <inkml:channelProperty channel="Y" name="resolution" value="1000" units="1/cm"/>
         </inkml:channelProperties>
       </inkml:inkSource>
-      <inkml:timestamp xml:id="ts0" timeString="2025-06-13T15:50:15.232"/>
+      <inkml:timestamp xml:id="ts0" timeString="2025-06-14T13:15:07.429"/>
     </inkml:context>
     <inkml:brush xml:id="br0">
       <inkml:brushProperty name="width" value="0.3" units="cm"/>
@@ -1817,7 +2166,7 @@
       <inkml:brushProperty name="ignorePressure" value="1"/>
     </inkml:brush>
   </inkml:definitions>
-  <inkml:trace contextRef="#ctx0" brushRef="#br0">1 210,'0'-1,"1"0,-1 0,1-1,-1 1,1 0,-1 0,1 0,0 0,0 0,0 0,0 0,0 0,0 0,0 0,0 0,0 0,0 1,0-1,0 1,0-1,1 1,-1-1,0 1,1-1,-1 1,0 0,3 0,46-7,-40 7,520-12,-329 13,207 0,575-4,-6-32,-930 32,44-3,114-20,-197 25,1-1,0 1,-1-2,0 1,1-1,-1 0,0-1,0 0,-1 0,1-1,-1 0,10-9,-14 10,1 1,0-1,0 1,0 0,0 0,0 0,1 0,-1 1,1-1,-1 1,1 1,0-1,8-1,35-4</inkml:trace>
+  <inkml:trace contextRef="#ctx0" brushRef="#br0">0 159,'58'-4,"0"-2,0-2,108-32,4 0,-81 22,-30 4,0 3,1 3,88-1,-128 10,-1 2,1 0,0 1,-1 1,0 1,0 1,0 0,-1 2,0 0,-1 1,0 0,16 14,-3 1,-2 0,0 2,-2 1,-1 1,29 42,-43-51,0 0,-1 1,-1 0,-1 1,0-1,-2 1,-1 1,0-1,-2 1,1 44,-5 0,-2 0,-17 95,3-75,-3-2,-35 90,-76 158,40-111,-247 487,256-552,70-134,-22 46,32-64,1-1,-1 1,1-1,0 1,1-1,-1 1,1 0,-1-1,1 1,1 0,-1-1,3 10,-3-12,1-1,0 1,-1 0,1-1,0 1,0-1,0 1,0-1,0 1,0-1,1 0,-1 1,0-1,1 0,-1 0,1 0,-1 0,1-1,0 1,-1 0,4 0,0 0,0 0,0 0,0-1,0 0,0 0,0 0,8-2,28-5,-1-2,71-27,81-44,-107 42,18-6,288-107,-367 146,1 0,0 2,0 1,0 0,34 4,30-2,-85 0,-1 0,0 0,0-1,0 1,0-1,0 0,0 0,0 0,0 0,0 0,0-1,0 1,-1-1,1 0,-1 0,1 0,-1 0,0 0,1-1,-1 1,-1-1,1 1,0-1,2-4,5-16</inkml:trace>
 </inkml:ink>
 </file>
 
@@ -1835,7 +2184,7 @@
           <inkml:channelProperty channel="Y" name="resolution" value="1000" units="1/cm"/>
         </inkml:channelProperties>
       </inkml:inkSource>
-      <inkml:timestamp xml:id="ts0" timeString="2025-06-13T15:50:16.421"/>
+      <inkml:timestamp xml:id="ts0" timeString="2025-06-14T13:15:09.728"/>
     </inkml:context>
     <inkml:brush xml:id="br0">
       <inkml:brushProperty name="width" value="0.3" units="cm"/>
@@ -1846,7 +2195,7 @@
       <inkml:brushProperty name="ignorePressure" value="1"/>
     </inkml:brush>
   </inkml:definitions>
-  <inkml:trace contextRef="#ctx0" brushRef="#br0">1 353,'26'-2,"-1"-1,1-1,-1-2,31-9,37-9,38 3,138-5,143 13,-325 11,1413-3,-376 5,-1019 0,80-1,270-34,-415 28,-1-2,1-1,-2-3,1-1,42-23,-42 19,1 1,1 2,0 1,1 3,0 1,0 2,87-4,-106 13,-1 1,32 6,-15 1</inkml:trace>
+  <inkml:trace contextRef="#ctx0" brushRef="#br0">0 1,'69'4,"-1"3,116 27,-35-5,-12-10,1-5,1-7,210-15,-322 5,-12 1,1 0,-1 1,0 1,0 1,0 0,24 5,-36-5,0 0,-1 0,1 0,0 1,-1-1,0 1,1-1,-1 1,0 0,0 0,0 0,0 0,0 1,0-1,-1 0,1 1,-1-1,1 1,-1 0,0-1,0 1,0 0,-1 0,1 0,-1-1,1 1,-1 0,0 0,0 0,0 0,-1 0,1 0,-1 0,1-1,-2 5,-3 11,0 0,-2-1,0 1,-10 17,16-33,-36 66,-4-3,-50 63,-26 39,87-120,8-15,2 1,1 0,-22 59,40-90,0 0,0 1,0-1,1 1,0-1,-1 1,1-1,0 1,0-1,0 1,0-1,1 1,-1-1,1 1,0-1,-1 0,1 1,0-1,0 0,1 1,-1-1,0 0,1 0,-1 0,1 0,0 0,-1-1,1 1,0 0,0-1,0 0,0 1,1-1,-1 0,0 0,1 0,-1 0,5 1,10 2,1 0,0-1,-1 0,27-1,-32-1,351-2,-76-2,-266 3,0 1,0 1,0 1,-1 1,1 1,-1 1,0 0,32 17,-40-17,0 1,-1 1,0 0,0 1,-1 0,-1 1,1 0,-1 0,-1 1,0 0,-1 0,0 1,0 0,6 19,5 19,-2 2,-2 0,-3 0,-2 1,-2 1,-1 62,-6-42,-4 0,-2-1,-33 144,24-166,-2 0,-3-1,-1-1,-3-1,-2-1,-2-1,-1-2,-60 68,38-56,-2-2,-3-3,-2-2,-2-2,-100 58,137-91,0-1,-2-1,1-2,-32 10,49-18,-1 0,0 0,0-1,1 0,-1-1,0 0,0 0,0 0,0-1,1-1,-1 1,0-1,1 0,-1-1,1 0,0 0,0-1,-10-6,-5-7,0-1,2-1,0-1,1 0,-23-36,3-1,-33-65,43 62,9 8</inkml:trace>
 </inkml:ink>
 </file>
 
@@ -1999,7 +2348,7 @@
           <a:p>
             <a:fld id="{BF3E6356-3642-4B7C-983E-479F059B2F7F}" type="datetimeFigureOut">
               <a:rPr lang="es-GT" smtClean="0"/>
-              <a:t>13/06/2025</a:t>
+              <a:t>14/06/2025</a:t>
             </a:fld>
             <a:endParaRPr lang="es-GT"/>
           </a:p>
@@ -2199,7 +2548,7 @@
           <a:p>
             <a:fld id="{BF3E6356-3642-4B7C-983E-479F059B2F7F}" type="datetimeFigureOut">
               <a:rPr lang="es-GT" smtClean="0"/>
-              <a:t>13/06/2025</a:t>
+              <a:t>14/06/2025</a:t>
             </a:fld>
             <a:endParaRPr lang="es-GT"/>
           </a:p>
@@ -2409,7 +2758,7 @@
           <a:p>
             <a:fld id="{BF3E6356-3642-4B7C-983E-479F059B2F7F}" type="datetimeFigureOut">
               <a:rPr lang="es-GT" smtClean="0"/>
-              <a:t>13/06/2025</a:t>
+              <a:t>14/06/2025</a:t>
             </a:fld>
             <a:endParaRPr lang="es-GT"/>
           </a:p>
@@ -2609,7 +2958,7 @@
           <a:p>
             <a:fld id="{BF3E6356-3642-4B7C-983E-479F059B2F7F}" type="datetimeFigureOut">
               <a:rPr lang="es-GT" smtClean="0"/>
-              <a:t>13/06/2025</a:t>
+              <a:t>14/06/2025</a:t>
             </a:fld>
             <a:endParaRPr lang="es-GT"/>
           </a:p>
@@ -2885,7 +3234,7 @@
           <a:p>
             <a:fld id="{BF3E6356-3642-4B7C-983E-479F059B2F7F}" type="datetimeFigureOut">
               <a:rPr lang="es-GT" smtClean="0"/>
-              <a:t>13/06/2025</a:t>
+              <a:t>14/06/2025</a:t>
             </a:fld>
             <a:endParaRPr lang="es-GT"/>
           </a:p>
@@ -3153,7 +3502,7 @@
           <a:p>
             <a:fld id="{BF3E6356-3642-4B7C-983E-479F059B2F7F}" type="datetimeFigureOut">
               <a:rPr lang="es-GT" smtClean="0"/>
-              <a:t>13/06/2025</a:t>
+              <a:t>14/06/2025</a:t>
             </a:fld>
             <a:endParaRPr lang="es-GT"/>
           </a:p>
@@ -3568,7 +3917,7 @@
           <a:p>
             <a:fld id="{BF3E6356-3642-4B7C-983E-479F059B2F7F}" type="datetimeFigureOut">
               <a:rPr lang="es-GT" smtClean="0"/>
-              <a:t>13/06/2025</a:t>
+              <a:t>14/06/2025</a:t>
             </a:fld>
             <a:endParaRPr lang="es-GT"/>
           </a:p>
@@ -3710,7 +4059,7 @@
           <a:p>
             <a:fld id="{BF3E6356-3642-4B7C-983E-479F059B2F7F}" type="datetimeFigureOut">
               <a:rPr lang="es-GT" smtClean="0"/>
-              <a:t>13/06/2025</a:t>
+              <a:t>14/06/2025</a:t>
             </a:fld>
             <a:endParaRPr lang="es-GT"/>
           </a:p>
@@ -3823,7 +4172,7 @@
           <a:p>
             <a:fld id="{BF3E6356-3642-4B7C-983E-479F059B2F7F}" type="datetimeFigureOut">
               <a:rPr lang="es-GT" smtClean="0"/>
-              <a:t>13/06/2025</a:t>
+              <a:t>14/06/2025</a:t>
             </a:fld>
             <a:endParaRPr lang="es-GT"/>
           </a:p>
@@ -4136,7 +4485,7 @@
           <a:p>
             <a:fld id="{BF3E6356-3642-4B7C-983E-479F059B2F7F}" type="datetimeFigureOut">
               <a:rPr lang="es-GT" smtClean="0"/>
-              <a:t>13/06/2025</a:t>
+              <a:t>14/06/2025</a:t>
             </a:fld>
             <a:endParaRPr lang="es-GT"/>
           </a:p>
@@ -4425,7 +4774,7 @@
           <a:p>
             <a:fld id="{BF3E6356-3642-4B7C-983E-479F059B2F7F}" type="datetimeFigureOut">
               <a:rPr lang="es-GT" smtClean="0"/>
-              <a:t>13/06/2025</a:t>
+              <a:t>14/06/2025</a:t>
             </a:fld>
             <a:endParaRPr lang="es-GT"/>
           </a:p>
@@ -4668,7 +5017,7 @@
           <a:p>
             <a:fld id="{BF3E6356-3642-4B7C-983E-479F059B2F7F}" type="datetimeFigureOut">
               <a:rPr lang="es-GT" smtClean="0"/>
-              <a:t>13/06/2025</a:t>
+              <a:t>14/06/2025</a:t>
             </a:fld>
             <a:endParaRPr lang="es-GT"/>
           </a:p>
@@ -5156,6 +5505,106 @@
           <p:cNvPr id="3" name="Imagen 2">
             <a:extLst>
               <a:ext uri="{FF2B5EF4-FFF2-40B4-BE49-F238E27FC236}">
+                <a16:creationId xmlns:a16="http://schemas.microsoft.com/office/drawing/2014/main" id="{7AB0556B-3898-DE53-A8A8-CD4F757112E7}"/>
+              </a:ext>
+            </a:extLst>
+          </p:cNvPr>
+          <p:cNvPicPr>
+            <a:picLocks noChangeAspect="1"/>
+          </p:cNvPicPr>
+          <p:nvPr/>
+        </p:nvPicPr>
+        <p:blipFill>
+          <a:blip r:embed="rId2"/>
+          <a:stretch>
+            <a:fillRect/>
+          </a:stretch>
+        </p:blipFill>
+        <p:spPr>
+          <a:xfrm>
+            <a:off x="1594809" y="532996"/>
+            <a:ext cx="9002381" cy="5792008"/>
+          </a:xfrm>
+          <a:prstGeom prst="rect">
+            <a:avLst/>
+          </a:prstGeom>
+        </p:spPr>
+      </p:pic>
+      <p:sp>
+        <p:nvSpPr>
+          <p:cNvPr id="4" name="CuadroTexto 3">
+            <a:extLst>
+              <a:ext uri="{FF2B5EF4-FFF2-40B4-BE49-F238E27FC236}">
+                <a16:creationId xmlns:a16="http://schemas.microsoft.com/office/drawing/2014/main" id="{E5247BEE-5E80-18BD-B047-A9FB041708F9}"/>
+              </a:ext>
+            </a:extLst>
+          </p:cNvPr>
+          <p:cNvSpPr txBox="1"/>
+          <p:nvPr/>
+        </p:nvSpPr>
+        <p:spPr>
+          <a:xfrm>
+            <a:off x="2335236" y="1097280"/>
+            <a:ext cx="4698610" cy="369332"/>
+          </a:xfrm>
+          <a:prstGeom prst="rect">
+            <a:avLst/>
+          </a:prstGeom>
+          <a:noFill/>
+        </p:spPr>
+        <p:txBody>
+          <a:bodyPr wrap="square" rtlCol="0">
+            <a:spAutoFit/>
+          </a:bodyPr>
+          <a:lstStyle/>
+          <a:p>
+            <a:r>
+              <a:rPr lang="es-ES" dirty="0" err="1"/>
+              <a:t>Asi</a:t>
+            </a:r>
+            <a:r>
+              <a:rPr lang="es-ES" dirty="0"/>
+              <a:t> hasta llegar al nivel 5</a:t>
+            </a:r>
+            <a:endParaRPr lang="es-GT" dirty="0"/>
+          </a:p>
+        </p:txBody>
+      </p:sp>
+    </p:spTree>
+    <p:extLst>
+      <p:ext uri="{BB962C8B-B14F-4D97-AF65-F5344CB8AC3E}">
+        <p14:creationId xmlns:p14="http://schemas.microsoft.com/office/powerpoint/2010/main" val="789541050"/>
+      </p:ext>
+    </p:extLst>
+  </p:cSld>
+  <p:clrMapOvr>
+    <a:masterClrMapping/>
+  </p:clrMapOvr>
+</p:sld>
+</file>
+
+<file path=ppt/slides/slide11.xml><?xml version="1.0" encoding="utf-8"?>
+<p:sld xmlns:a="http://schemas.openxmlformats.org/drawingml/2006/main" xmlns:r="http://schemas.openxmlformats.org/officeDocument/2006/relationships" xmlns:p="http://schemas.openxmlformats.org/presentationml/2006/main">
+  <p:cSld>
+    <p:spTree>
+      <p:nvGrpSpPr>
+        <p:cNvPr id="1" name=""/>
+        <p:cNvGrpSpPr/>
+        <p:nvPr/>
+      </p:nvGrpSpPr>
+      <p:grpSpPr>
+        <a:xfrm>
+          <a:off x="0" y="0"/>
+          <a:ext cx="0" cy="0"/>
+          <a:chOff x="0" y="0"/>
+          <a:chExt cx="0" cy="0"/>
+        </a:xfrm>
+      </p:grpSpPr>
+      <p:pic>
+        <p:nvPicPr>
+          <p:cNvPr id="3" name="Imagen 2">
+            <a:extLst>
+              <a:ext uri="{FF2B5EF4-FFF2-40B4-BE49-F238E27FC236}">
                 <a16:creationId xmlns:a16="http://schemas.microsoft.com/office/drawing/2014/main" id="{B0D2E76F-386A-022C-E99C-5073B076019B}"/>
               </a:ext>
             </a:extLst>
@@ -5194,7 +5643,7 @@
 </p:sld>
 </file>
 
-<file path=ppt/slides/slide11.xml><?xml version="1.0" encoding="utf-8"?>
+<file path=ppt/slides/slide12.xml><?xml version="1.0" encoding="utf-8"?>
 <p:sld xmlns:a="http://schemas.openxmlformats.org/drawingml/2006/main" xmlns:r="http://schemas.openxmlformats.org/officeDocument/2006/relationships" xmlns:p="http://schemas.openxmlformats.org/presentationml/2006/main">
   <p:cSld>
     <p:spTree>
@@ -5261,7 +5710,7 @@
 </p:sld>
 </file>
 
-<file path=ppt/slides/slide12.xml><?xml version="1.0" encoding="utf-8"?>
+<file path=ppt/slides/slide13.xml><?xml version="1.0" encoding="utf-8"?>
 <p:sld xmlns:a="http://schemas.openxmlformats.org/drawingml/2006/main" xmlns:r="http://schemas.openxmlformats.org/officeDocument/2006/relationships" xmlns:p="http://schemas.openxmlformats.org/presentationml/2006/main">
   <p:cSld>
     <p:spTree>
@@ -5351,7 +5800,7 @@
 </p:sld>
 </file>
 
-<file path=ppt/slides/slide13.xml><?xml version="1.0" encoding="utf-8"?>
+<file path=ppt/slides/slide14.xml><?xml version="1.0" encoding="utf-8"?>
 <p:sld xmlns:a="http://schemas.openxmlformats.org/drawingml/2006/main" xmlns:r="http://schemas.openxmlformats.org/officeDocument/2006/relationships" xmlns:p="http://schemas.openxmlformats.org/presentationml/2006/main">
   <p:cSld>
     <p:spTree>
@@ -5447,7 +5896,7 @@
 </p:sld>
 </file>
 
-<file path=ppt/slides/slide14.xml><?xml version="1.0" encoding="utf-8"?>
+<file path=ppt/slides/slide15.xml><?xml version="1.0" encoding="utf-8"?>
 <p:sld xmlns:a="http://schemas.openxmlformats.org/drawingml/2006/main" xmlns:r="http://schemas.openxmlformats.org/officeDocument/2006/relationships" xmlns:p="http://schemas.openxmlformats.org/presentationml/2006/main">
   <p:cSld>
     <p:spTree>
@@ -5603,7 +6052,7 @@
 </p:sld>
 </file>
 
-<file path=ppt/slides/slide15.xml><?xml version="1.0" encoding="utf-8"?>
+<file path=ppt/slides/slide16.xml><?xml version="1.0" encoding="utf-8"?>
 <p:sld xmlns:a="http://schemas.openxmlformats.org/drawingml/2006/main" xmlns:r="http://schemas.openxmlformats.org/officeDocument/2006/relationships" xmlns:p="http://schemas.openxmlformats.org/presentationml/2006/main">
   <p:cSld>
     <p:spTree>
@@ -5669,7 +6118,7 @@
 </p:sld>
 </file>
 
-<file path=ppt/slides/slide16.xml><?xml version="1.0" encoding="utf-8"?>
+<file path=ppt/slides/slide17.xml><?xml version="1.0" encoding="utf-8"?>
 <p:sld xmlns:a="http://schemas.openxmlformats.org/drawingml/2006/main" xmlns:r="http://schemas.openxmlformats.org/officeDocument/2006/relationships" xmlns:p="http://schemas.openxmlformats.org/presentationml/2006/main">
   <p:cSld>
     <p:spTree>
@@ -5729,7 +6178,7 @@
 </p:sld>
 </file>
 
-<file path=ppt/slides/slide17.xml><?xml version="1.0" encoding="utf-8"?>
+<file path=ppt/slides/slide18.xml><?xml version="1.0" encoding="utf-8"?>
 <p:sld xmlns:a="http://schemas.openxmlformats.org/drawingml/2006/main" xmlns:r="http://schemas.openxmlformats.org/officeDocument/2006/relationships" xmlns:p="http://schemas.openxmlformats.org/presentationml/2006/main">
   <p:cSld>
     <p:spTree>
@@ -5957,7 +6406,7 @@
 </p:sld>
 </file>
 
-<file path=ppt/slides/slide18.xml><?xml version="1.0" encoding="utf-8"?>
+<file path=ppt/slides/slide19.xml><?xml version="1.0" encoding="utf-8"?>
 <p:sld xmlns:a="http://schemas.openxmlformats.org/drawingml/2006/main" xmlns:r="http://schemas.openxmlformats.org/officeDocument/2006/relationships" xmlns:p="http://schemas.openxmlformats.org/presentationml/2006/main">
   <p:cSld>
     <p:spTree>
@@ -6017,7 +6466,97 @@
 </p:sld>
 </file>
 
-<file path=ppt/slides/slide19.xml><?xml version="1.0" encoding="utf-8"?>
+<file path=ppt/slides/slide2.xml><?xml version="1.0" encoding="utf-8"?>
+<p:sld xmlns:a="http://schemas.openxmlformats.org/drawingml/2006/main" xmlns:r="http://schemas.openxmlformats.org/officeDocument/2006/relationships" xmlns:p="http://schemas.openxmlformats.org/presentationml/2006/main">
+  <p:cSld>
+    <p:spTree>
+      <p:nvGrpSpPr>
+        <p:cNvPr id="1" name=""/>
+        <p:cNvGrpSpPr/>
+        <p:nvPr/>
+      </p:nvGrpSpPr>
+      <p:grpSpPr>
+        <a:xfrm>
+          <a:off x="0" y="0"/>
+          <a:ext cx="0" cy="0"/>
+          <a:chOff x="0" y="0"/>
+          <a:chExt cx="0" cy="0"/>
+        </a:xfrm>
+      </p:grpSpPr>
+      <p:pic>
+        <p:nvPicPr>
+          <p:cNvPr id="5" name="Imagen 4">
+            <a:extLst>
+              <a:ext uri="{FF2B5EF4-FFF2-40B4-BE49-F238E27FC236}">
+                <a16:creationId xmlns:a16="http://schemas.microsoft.com/office/drawing/2014/main" id="{401C6A66-B042-239F-37F1-5F6483EBFBD3}"/>
+              </a:ext>
+            </a:extLst>
+          </p:cNvPr>
+          <p:cNvPicPr>
+            <a:picLocks noChangeAspect="1"/>
+          </p:cNvPicPr>
+          <p:nvPr/>
+        </p:nvPicPr>
+        <p:blipFill>
+          <a:blip r:embed="rId2"/>
+          <a:stretch>
+            <a:fillRect/>
+          </a:stretch>
+        </p:blipFill>
+        <p:spPr>
+          <a:xfrm>
+            <a:off x="4146207" y="466649"/>
+            <a:ext cx="3505689" cy="5277587"/>
+          </a:xfrm>
+          <a:prstGeom prst="rect">
+            <a:avLst/>
+          </a:prstGeom>
+        </p:spPr>
+      </p:pic>
+      <p:pic>
+        <p:nvPicPr>
+          <p:cNvPr id="7" name="Imagen 6">
+            <a:extLst>
+              <a:ext uri="{FF2B5EF4-FFF2-40B4-BE49-F238E27FC236}">
+                <a16:creationId xmlns:a16="http://schemas.microsoft.com/office/drawing/2014/main" id="{9FCE4984-2881-FD15-FF3A-D2CF8C9197DD}"/>
+              </a:ext>
+            </a:extLst>
+          </p:cNvPr>
+          <p:cNvPicPr>
+            <a:picLocks noChangeAspect="1"/>
+          </p:cNvPicPr>
+          <p:nvPr/>
+        </p:nvPicPr>
+        <p:blipFill>
+          <a:blip r:embed="rId3"/>
+          <a:stretch>
+            <a:fillRect/>
+          </a:stretch>
+        </p:blipFill>
+        <p:spPr>
+          <a:xfrm>
+            <a:off x="3451263" y="3759038"/>
+            <a:ext cx="3709193" cy="2181594"/>
+          </a:xfrm>
+          <a:prstGeom prst="rect">
+            <a:avLst/>
+          </a:prstGeom>
+        </p:spPr>
+      </p:pic>
+    </p:spTree>
+    <p:extLst>
+      <p:ext uri="{BB962C8B-B14F-4D97-AF65-F5344CB8AC3E}">
+        <p14:creationId xmlns:p14="http://schemas.microsoft.com/office/powerpoint/2010/main" val="3763616631"/>
+      </p:ext>
+    </p:extLst>
+  </p:cSld>
+  <p:clrMapOvr>
+    <a:masterClrMapping/>
+  </p:clrMapOvr>
+</p:sld>
+</file>
+
+<file path=ppt/slides/slide20.xml><?xml version="1.0" encoding="utf-8"?>
 <p:sld xmlns:a="http://schemas.openxmlformats.org/drawingml/2006/main" xmlns:r="http://schemas.openxmlformats.org/officeDocument/2006/relationships" xmlns:p="http://schemas.openxmlformats.org/presentationml/2006/main">
   <p:cSld>
     <p:spTree>
@@ -6077,97 +6616,7 @@
 </p:sld>
 </file>
 
-<file path=ppt/slides/slide2.xml><?xml version="1.0" encoding="utf-8"?>
-<p:sld xmlns:a="http://schemas.openxmlformats.org/drawingml/2006/main" xmlns:r="http://schemas.openxmlformats.org/officeDocument/2006/relationships" xmlns:p="http://schemas.openxmlformats.org/presentationml/2006/main">
-  <p:cSld>
-    <p:spTree>
-      <p:nvGrpSpPr>
-        <p:cNvPr id="1" name=""/>
-        <p:cNvGrpSpPr/>
-        <p:nvPr/>
-      </p:nvGrpSpPr>
-      <p:grpSpPr>
-        <a:xfrm>
-          <a:off x="0" y="0"/>
-          <a:ext cx="0" cy="0"/>
-          <a:chOff x="0" y="0"/>
-          <a:chExt cx="0" cy="0"/>
-        </a:xfrm>
-      </p:grpSpPr>
-      <p:pic>
-        <p:nvPicPr>
-          <p:cNvPr id="5" name="Imagen 4">
-            <a:extLst>
-              <a:ext uri="{FF2B5EF4-FFF2-40B4-BE49-F238E27FC236}">
-                <a16:creationId xmlns:a16="http://schemas.microsoft.com/office/drawing/2014/main" id="{401C6A66-B042-239F-37F1-5F6483EBFBD3}"/>
-              </a:ext>
-            </a:extLst>
-          </p:cNvPr>
-          <p:cNvPicPr>
-            <a:picLocks noChangeAspect="1"/>
-          </p:cNvPicPr>
-          <p:nvPr/>
-        </p:nvPicPr>
-        <p:blipFill>
-          <a:blip r:embed="rId2"/>
-          <a:stretch>
-            <a:fillRect/>
-          </a:stretch>
-        </p:blipFill>
-        <p:spPr>
-          <a:xfrm>
-            <a:off x="4146207" y="466649"/>
-            <a:ext cx="3505689" cy="5277587"/>
-          </a:xfrm>
-          <a:prstGeom prst="rect">
-            <a:avLst/>
-          </a:prstGeom>
-        </p:spPr>
-      </p:pic>
-      <p:pic>
-        <p:nvPicPr>
-          <p:cNvPr id="7" name="Imagen 6">
-            <a:extLst>
-              <a:ext uri="{FF2B5EF4-FFF2-40B4-BE49-F238E27FC236}">
-                <a16:creationId xmlns:a16="http://schemas.microsoft.com/office/drawing/2014/main" id="{9FCE4984-2881-FD15-FF3A-D2CF8C9197DD}"/>
-              </a:ext>
-            </a:extLst>
-          </p:cNvPr>
-          <p:cNvPicPr>
-            <a:picLocks noChangeAspect="1"/>
-          </p:cNvPicPr>
-          <p:nvPr/>
-        </p:nvPicPr>
-        <p:blipFill>
-          <a:blip r:embed="rId3"/>
-          <a:stretch>
-            <a:fillRect/>
-          </a:stretch>
-        </p:blipFill>
-        <p:spPr>
-          <a:xfrm>
-            <a:off x="3451263" y="3759038"/>
-            <a:ext cx="3709193" cy="2181594"/>
-          </a:xfrm>
-          <a:prstGeom prst="rect">
-            <a:avLst/>
-          </a:prstGeom>
-        </p:spPr>
-      </p:pic>
-    </p:spTree>
-    <p:extLst>
-      <p:ext uri="{BB962C8B-B14F-4D97-AF65-F5344CB8AC3E}">
-        <p14:creationId xmlns:p14="http://schemas.microsoft.com/office/powerpoint/2010/main" val="3763616631"/>
-      </p:ext>
-    </p:extLst>
-  </p:cSld>
-  <p:clrMapOvr>
-    <a:masterClrMapping/>
-  </p:clrMapOvr>
-</p:sld>
-</file>
-
-<file path=ppt/slides/slide20.xml><?xml version="1.0" encoding="utf-8"?>
+<file path=ppt/slides/slide21.xml><?xml version="1.0" encoding="utf-8"?>
 <p:sld xmlns:a="http://schemas.openxmlformats.org/drawingml/2006/main" xmlns:r="http://schemas.openxmlformats.org/officeDocument/2006/relationships" xmlns:p="http://schemas.openxmlformats.org/presentationml/2006/main">
   <p:cSld>
     <p:spTree>
@@ -6263,7 +6712,7 @@
 </p:sld>
 </file>
 
-<file path=ppt/slides/slide21.xml><?xml version="1.0" encoding="utf-8"?>
+<file path=ppt/slides/slide22.xml><?xml version="1.0" encoding="utf-8"?>
 <p:sld xmlns:a="http://schemas.openxmlformats.org/drawingml/2006/main" xmlns:r="http://schemas.openxmlformats.org/officeDocument/2006/relationships" xmlns:p="http://schemas.openxmlformats.org/presentationml/2006/main">
   <p:cSld>
     <p:spTree>
@@ -6323,7 +6772,7 @@
 </p:sld>
 </file>
 
-<file path=ppt/slides/slide22.xml><?xml version="1.0" encoding="utf-8"?>
+<file path=ppt/slides/slide23.xml><?xml version="1.0" encoding="utf-8"?>
 <p:sld xmlns:a="http://schemas.openxmlformats.org/drawingml/2006/main" xmlns:r="http://schemas.openxmlformats.org/officeDocument/2006/relationships" xmlns:p="http://schemas.openxmlformats.org/presentationml/2006/main">
   <p:cSld>
     <p:spTree>
@@ -6383,7 +6832,7 @@
 </p:sld>
 </file>
 
-<file path=ppt/slides/slide23.xml><?xml version="1.0" encoding="utf-8"?>
+<file path=ppt/slides/slide24.xml><?xml version="1.0" encoding="utf-8"?>
 <p:sld xmlns:a="http://schemas.openxmlformats.org/drawingml/2006/main" xmlns:r="http://schemas.openxmlformats.org/officeDocument/2006/relationships" xmlns:p="http://schemas.openxmlformats.org/presentationml/2006/main">
   <p:cSld>
     <p:spTree>
@@ -6443,7 +6892,7 @@
 </p:sld>
 </file>
 
-<file path=ppt/slides/slide24.xml><?xml version="1.0" encoding="utf-8"?>
+<file path=ppt/slides/slide25.xml><?xml version="1.0" encoding="utf-8"?>
 <p:sld xmlns:a="http://schemas.openxmlformats.org/drawingml/2006/main" xmlns:r="http://schemas.openxmlformats.org/officeDocument/2006/relationships" xmlns:p="http://schemas.openxmlformats.org/presentationml/2006/main">
   <p:cSld>
     <p:spTree>
@@ -6503,7 +6952,7 @@
 </p:sld>
 </file>
 
-<file path=ppt/slides/slide25.xml><?xml version="1.0" encoding="utf-8"?>
+<file path=ppt/slides/slide26.xml><?xml version="1.0" encoding="utf-8"?>
 <p:sld xmlns:a="http://schemas.openxmlformats.org/drawingml/2006/main" xmlns:r="http://schemas.openxmlformats.org/officeDocument/2006/relationships" xmlns:p="http://schemas.openxmlformats.org/presentationml/2006/main">
   <p:cSld>
     <p:spTree>
@@ -6614,7 +7063,7 @@
 </p:sld>
 </file>
 
-<file path=ppt/slides/slide26.xml><?xml version="1.0" encoding="utf-8"?>
+<file path=ppt/slides/slide27.xml><?xml version="1.0" encoding="utf-8"?>
 <p:sld xmlns:a="http://schemas.openxmlformats.org/drawingml/2006/main" xmlns:r="http://schemas.openxmlformats.org/officeDocument/2006/relationships" xmlns:p="http://schemas.openxmlformats.org/presentationml/2006/main">
   <p:cSld>
     <p:spTree>
@@ -6763,7 +7212,7 @@
 </p:sld>
 </file>
 
-<file path=ppt/slides/slide27.xml><?xml version="1.0" encoding="utf-8"?>
+<file path=ppt/slides/slide28.xml><?xml version="1.0" encoding="utf-8"?>
 <p:sld xmlns:a="http://schemas.openxmlformats.org/drawingml/2006/main" xmlns:r="http://schemas.openxmlformats.org/officeDocument/2006/relationships" xmlns:p="http://schemas.openxmlformats.org/presentationml/2006/main">
   <p:cSld>
     <p:spTree>
@@ -6991,7 +7440,7 @@
 </p:sld>
 </file>
 
-<file path=ppt/slides/slide28.xml><?xml version="1.0" encoding="utf-8"?>
+<file path=ppt/slides/slide29.xml><?xml version="1.0" encoding="utf-8"?>
 <p:sld xmlns:a="http://schemas.openxmlformats.org/drawingml/2006/main" xmlns:r="http://schemas.openxmlformats.org/officeDocument/2006/relationships" xmlns:p="http://schemas.openxmlformats.org/presentationml/2006/main">
   <p:cSld>
     <p:spTree>
@@ -7153,7 +7602,133 @@
 </p:sld>
 </file>
 
-<file path=ppt/slides/slide29.xml><?xml version="1.0" encoding="utf-8"?>
+<file path=ppt/slides/slide3.xml><?xml version="1.0" encoding="utf-8"?>
+<p:sld xmlns:a="http://schemas.openxmlformats.org/drawingml/2006/main" xmlns:r="http://schemas.openxmlformats.org/officeDocument/2006/relationships" xmlns:p="http://schemas.openxmlformats.org/presentationml/2006/main">
+  <p:cSld>
+    <p:spTree>
+      <p:nvGrpSpPr>
+        <p:cNvPr id="1" name=""/>
+        <p:cNvGrpSpPr/>
+        <p:nvPr/>
+      </p:nvGrpSpPr>
+      <p:grpSpPr>
+        <a:xfrm>
+          <a:off x="0" y="0"/>
+          <a:ext cx="0" cy="0"/>
+          <a:chOff x="0" y="0"/>
+          <a:chExt cx="0" cy="0"/>
+        </a:xfrm>
+      </p:grpSpPr>
+      <p:pic>
+        <p:nvPicPr>
+          <p:cNvPr id="3" name="Imagen 2">
+            <a:extLst>
+              <a:ext uri="{FF2B5EF4-FFF2-40B4-BE49-F238E27FC236}">
+                <a16:creationId xmlns:a16="http://schemas.microsoft.com/office/drawing/2014/main" id="{97DCF363-D2C2-64B2-64E8-FAF40EECC99A}"/>
+              </a:ext>
+            </a:extLst>
+          </p:cNvPr>
+          <p:cNvPicPr>
+            <a:picLocks noChangeAspect="1"/>
+          </p:cNvPicPr>
+          <p:nvPr/>
+        </p:nvPicPr>
+        <p:blipFill>
+          <a:blip r:embed="rId2"/>
+          <a:stretch>
+            <a:fillRect/>
+          </a:stretch>
+        </p:blipFill>
+        <p:spPr>
+          <a:xfrm>
+            <a:off x="3528654" y="923575"/>
+            <a:ext cx="5134692" cy="5010849"/>
+          </a:xfrm>
+          <a:prstGeom prst="rect">
+            <a:avLst/>
+          </a:prstGeom>
+        </p:spPr>
+      </p:pic>
+      <p:sp>
+        <p:nvSpPr>
+          <p:cNvPr id="4" name="CuadroTexto 3">
+            <a:extLst>
+              <a:ext uri="{FF2B5EF4-FFF2-40B4-BE49-F238E27FC236}">
+                <a16:creationId xmlns:a16="http://schemas.microsoft.com/office/drawing/2014/main" id="{0ED90ED7-DFD3-E197-1947-EA4F24FDE35C}"/>
+              </a:ext>
+            </a:extLst>
+          </p:cNvPr>
+          <p:cNvSpPr txBox="1"/>
+          <p:nvPr/>
+        </p:nvSpPr>
+        <p:spPr>
+          <a:xfrm>
+            <a:off x="1488838" y="554243"/>
+            <a:ext cx="4079631" cy="369332"/>
+          </a:xfrm>
+          <a:prstGeom prst="rect">
+            <a:avLst/>
+          </a:prstGeom>
+          <a:noFill/>
+        </p:spPr>
+        <p:txBody>
+          <a:bodyPr wrap="square" rtlCol="0">
+            <a:spAutoFit/>
+          </a:bodyPr>
+          <a:lstStyle/>
+          <a:p>
+            <a:r>
+              <a:rPr lang="es-ES" dirty="0"/>
+              <a:t>SELECCIONAMOS LAS LOSAS</a:t>
+            </a:r>
+            <a:endParaRPr lang="es-GT" dirty="0"/>
+          </a:p>
+        </p:txBody>
+      </p:sp>
+      <p:pic>
+        <p:nvPicPr>
+          <p:cNvPr id="6" name="Imagen 5">
+            <a:extLst>
+              <a:ext uri="{FF2B5EF4-FFF2-40B4-BE49-F238E27FC236}">
+                <a16:creationId xmlns:a16="http://schemas.microsoft.com/office/drawing/2014/main" id="{0061702E-306C-1905-AE91-D2F15B856FD2}"/>
+              </a:ext>
+            </a:extLst>
+          </p:cNvPr>
+          <p:cNvPicPr>
+            <a:picLocks noChangeAspect="1"/>
+          </p:cNvPicPr>
+          <p:nvPr/>
+        </p:nvPicPr>
+        <p:blipFill>
+          <a:blip r:embed="rId3"/>
+          <a:stretch>
+            <a:fillRect/>
+          </a:stretch>
+        </p:blipFill>
+        <p:spPr>
+          <a:xfrm>
+            <a:off x="8961120" y="1406278"/>
+            <a:ext cx="2635347" cy="2022721"/>
+          </a:xfrm>
+          <a:prstGeom prst="rect">
+            <a:avLst/>
+          </a:prstGeom>
+        </p:spPr>
+      </p:pic>
+    </p:spTree>
+    <p:extLst>
+      <p:ext uri="{BB962C8B-B14F-4D97-AF65-F5344CB8AC3E}">
+        <p14:creationId xmlns:p14="http://schemas.microsoft.com/office/powerpoint/2010/main" val="3518311925"/>
+      </p:ext>
+    </p:extLst>
+  </p:cSld>
+  <p:clrMapOvr>
+    <a:masterClrMapping/>
+  </p:clrMapOvr>
+</p:sld>
+</file>
+
+<file path=ppt/slides/slide30.xml><?xml version="1.0" encoding="utf-8"?>
 <p:sld xmlns:a="http://schemas.openxmlformats.org/drawingml/2006/main" xmlns:r="http://schemas.openxmlformats.org/officeDocument/2006/relationships" xmlns:p="http://schemas.openxmlformats.org/presentationml/2006/main">
   <p:cSld>
     <p:spTree>
@@ -7621,133 +8196,7 @@
 </p:sld>
 </file>
 
-<file path=ppt/slides/slide3.xml><?xml version="1.0" encoding="utf-8"?>
-<p:sld xmlns:a="http://schemas.openxmlformats.org/drawingml/2006/main" xmlns:r="http://schemas.openxmlformats.org/officeDocument/2006/relationships" xmlns:p="http://schemas.openxmlformats.org/presentationml/2006/main">
-  <p:cSld>
-    <p:spTree>
-      <p:nvGrpSpPr>
-        <p:cNvPr id="1" name=""/>
-        <p:cNvGrpSpPr/>
-        <p:nvPr/>
-      </p:nvGrpSpPr>
-      <p:grpSpPr>
-        <a:xfrm>
-          <a:off x="0" y="0"/>
-          <a:ext cx="0" cy="0"/>
-          <a:chOff x="0" y="0"/>
-          <a:chExt cx="0" cy="0"/>
-        </a:xfrm>
-      </p:grpSpPr>
-      <p:pic>
-        <p:nvPicPr>
-          <p:cNvPr id="3" name="Imagen 2">
-            <a:extLst>
-              <a:ext uri="{FF2B5EF4-FFF2-40B4-BE49-F238E27FC236}">
-                <a16:creationId xmlns:a16="http://schemas.microsoft.com/office/drawing/2014/main" id="{97DCF363-D2C2-64B2-64E8-FAF40EECC99A}"/>
-              </a:ext>
-            </a:extLst>
-          </p:cNvPr>
-          <p:cNvPicPr>
-            <a:picLocks noChangeAspect="1"/>
-          </p:cNvPicPr>
-          <p:nvPr/>
-        </p:nvPicPr>
-        <p:blipFill>
-          <a:blip r:embed="rId2"/>
-          <a:stretch>
-            <a:fillRect/>
-          </a:stretch>
-        </p:blipFill>
-        <p:spPr>
-          <a:xfrm>
-            <a:off x="3528654" y="923575"/>
-            <a:ext cx="5134692" cy="5010849"/>
-          </a:xfrm>
-          <a:prstGeom prst="rect">
-            <a:avLst/>
-          </a:prstGeom>
-        </p:spPr>
-      </p:pic>
-      <p:sp>
-        <p:nvSpPr>
-          <p:cNvPr id="4" name="CuadroTexto 3">
-            <a:extLst>
-              <a:ext uri="{FF2B5EF4-FFF2-40B4-BE49-F238E27FC236}">
-                <a16:creationId xmlns:a16="http://schemas.microsoft.com/office/drawing/2014/main" id="{0ED90ED7-DFD3-E197-1947-EA4F24FDE35C}"/>
-              </a:ext>
-            </a:extLst>
-          </p:cNvPr>
-          <p:cNvSpPr txBox="1"/>
-          <p:nvPr/>
-        </p:nvSpPr>
-        <p:spPr>
-          <a:xfrm>
-            <a:off x="1488838" y="554243"/>
-            <a:ext cx="4079631" cy="369332"/>
-          </a:xfrm>
-          <a:prstGeom prst="rect">
-            <a:avLst/>
-          </a:prstGeom>
-          <a:noFill/>
-        </p:spPr>
-        <p:txBody>
-          <a:bodyPr wrap="square" rtlCol="0">
-            <a:spAutoFit/>
-          </a:bodyPr>
-          <a:lstStyle/>
-          <a:p>
-            <a:r>
-              <a:rPr lang="es-ES" dirty="0"/>
-              <a:t>SELECCIONAMOS LAS LOSAS</a:t>
-            </a:r>
-            <a:endParaRPr lang="es-GT" dirty="0"/>
-          </a:p>
-        </p:txBody>
-      </p:sp>
-      <p:pic>
-        <p:nvPicPr>
-          <p:cNvPr id="6" name="Imagen 5">
-            <a:extLst>
-              <a:ext uri="{FF2B5EF4-FFF2-40B4-BE49-F238E27FC236}">
-                <a16:creationId xmlns:a16="http://schemas.microsoft.com/office/drawing/2014/main" id="{0061702E-306C-1905-AE91-D2F15B856FD2}"/>
-              </a:ext>
-            </a:extLst>
-          </p:cNvPr>
-          <p:cNvPicPr>
-            <a:picLocks noChangeAspect="1"/>
-          </p:cNvPicPr>
-          <p:nvPr/>
-        </p:nvPicPr>
-        <p:blipFill>
-          <a:blip r:embed="rId3"/>
-          <a:stretch>
-            <a:fillRect/>
-          </a:stretch>
-        </p:blipFill>
-        <p:spPr>
-          <a:xfrm>
-            <a:off x="8961120" y="1406278"/>
-            <a:ext cx="2635347" cy="2022721"/>
-          </a:xfrm>
-          <a:prstGeom prst="rect">
-            <a:avLst/>
-          </a:prstGeom>
-        </p:spPr>
-      </p:pic>
-    </p:spTree>
-    <p:extLst>
-      <p:ext uri="{BB962C8B-B14F-4D97-AF65-F5344CB8AC3E}">
-        <p14:creationId xmlns:p14="http://schemas.microsoft.com/office/powerpoint/2010/main" val="3518311925"/>
-      </p:ext>
-    </p:extLst>
-  </p:cSld>
-  <p:clrMapOvr>
-    <a:masterClrMapping/>
-  </p:clrMapOvr>
-</p:sld>
-</file>
-
-<file path=ppt/slides/slide30.xml><?xml version="1.0" encoding="utf-8"?>
+<file path=ppt/slides/slide31.xml><?xml version="1.0" encoding="utf-8"?>
 <p:sld xmlns:a="http://schemas.openxmlformats.org/drawingml/2006/main" xmlns:r="http://schemas.openxmlformats.org/officeDocument/2006/relationships" xmlns:p="http://schemas.openxmlformats.org/presentationml/2006/main">
   <p:cSld>
     <p:spTree>
@@ -7945,7 +8394,7 @@
 </p:sld>
 </file>
 
-<file path=ppt/slides/slide31.xml><?xml version="1.0" encoding="utf-8"?>
+<file path=ppt/slides/slide32.xml><?xml version="1.0" encoding="utf-8"?>
 <p:sld xmlns:a="http://schemas.openxmlformats.org/drawingml/2006/main" xmlns:r="http://schemas.openxmlformats.org/officeDocument/2006/relationships" xmlns:p="http://schemas.openxmlformats.org/presentationml/2006/main">
   <p:cSld>
     <p:spTree>
@@ -8023,7 +8472,7 @@
 </p:sld>
 </file>
 
-<file path=ppt/slides/slide32.xml><?xml version="1.0" encoding="utf-8"?>
+<file path=ppt/slides/slide33.xml><?xml version="1.0" encoding="utf-8"?>
 <p:sld xmlns:a="http://schemas.openxmlformats.org/drawingml/2006/main" xmlns:r="http://schemas.openxmlformats.org/officeDocument/2006/relationships" xmlns:p="http://schemas.openxmlformats.org/presentationml/2006/main">
   <p:cSld>
     <p:spTree>
@@ -8119,7 +8568,7 @@
 </p:sld>
 </file>
 
-<file path=ppt/slides/slide33.xml><?xml version="1.0" encoding="utf-8"?>
+<file path=ppt/slides/slide34.xml><?xml version="1.0" encoding="utf-8"?>
 <p:sld xmlns:a="http://schemas.openxmlformats.org/drawingml/2006/main" xmlns:r="http://schemas.openxmlformats.org/officeDocument/2006/relationships" xmlns:p="http://schemas.openxmlformats.org/presentationml/2006/main">
   <p:cSld>
     <p:spTree>
@@ -8230,7 +8679,7 @@
 </p:sld>
 </file>
 
-<file path=ppt/slides/slide34.xml><?xml version="1.0" encoding="utf-8"?>
+<file path=ppt/slides/slide35.xml><?xml version="1.0" encoding="utf-8"?>
 <p:sld xmlns:a="http://schemas.openxmlformats.org/drawingml/2006/main" xmlns:r="http://schemas.openxmlformats.org/officeDocument/2006/relationships" xmlns:p="http://schemas.openxmlformats.org/presentationml/2006/main">
   <p:cSld>
     <p:spTree>
@@ -8326,7 +8775,7 @@
 </p:sld>
 </file>
 
-<file path=ppt/slides/slide35.xml><?xml version="1.0" encoding="utf-8"?>
+<file path=ppt/slides/slide36.xml><?xml version="1.0" encoding="utf-8"?>
 <p:sld xmlns:a="http://schemas.openxmlformats.org/drawingml/2006/main" xmlns:r="http://schemas.openxmlformats.org/officeDocument/2006/relationships" xmlns:p="http://schemas.openxmlformats.org/presentationml/2006/main">
   <p:cSld>
     <p:spTree>
@@ -8488,7 +8937,7 @@
 </p:sld>
 </file>
 
-<file path=ppt/slides/slide36.xml><?xml version="1.0" encoding="utf-8"?>
+<file path=ppt/slides/slide37.xml><?xml version="1.0" encoding="utf-8"?>
 <p:sld xmlns:a="http://schemas.openxmlformats.org/drawingml/2006/main" xmlns:r="http://schemas.openxmlformats.org/officeDocument/2006/relationships" xmlns:p="http://schemas.openxmlformats.org/presentationml/2006/main">
   <p:cSld>
     <p:spTree>
@@ -8599,7 +9048,7 @@
 </p:sld>
 </file>
 
-<file path=ppt/slides/slide37.xml><?xml version="1.0" encoding="utf-8"?>
+<file path=ppt/slides/slide38.xml><?xml version="1.0" encoding="utf-8"?>
 <p:sld xmlns:a="http://schemas.openxmlformats.org/drawingml/2006/main" xmlns:r="http://schemas.openxmlformats.org/officeDocument/2006/relationships" xmlns:p="http://schemas.openxmlformats.org/presentationml/2006/main">
   <p:cSld>
     <p:spTree>
@@ -8725,7 +9174,7 @@
 </p:sld>
 </file>
 
-<file path=ppt/slides/slide38.xml><?xml version="1.0" encoding="utf-8"?>
+<file path=ppt/slides/slide39.xml><?xml version="1.0" encoding="utf-8"?>
 <p:sld xmlns:a="http://schemas.openxmlformats.org/drawingml/2006/main" xmlns:r="http://schemas.openxmlformats.org/officeDocument/2006/relationships" xmlns:p="http://schemas.openxmlformats.org/presentationml/2006/main">
   <p:cSld>
     <p:spTree>
@@ -8836,7 +9285,67 @@
 </p:sld>
 </file>
 
-<file path=ppt/slides/slide39.xml><?xml version="1.0" encoding="utf-8"?>
+<file path=ppt/slides/slide4.xml><?xml version="1.0" encoding="utf-8"?>
+<p:sld xmlns:a="http://schemas.openxmlformats.org/drawingml/2006/main" xmlns:r="http://schemas.openxmlformats.org/officeDocument/2006/relationships" xmlns:p="http://schemas.openxmlformats.org/presentationml/2006/main">
+  <p:cSld>
+    <p:spTree>
+      <p:nvGrpSpPr>
+        <p:cNvPr id="1" name=""/>
+        <p:cNvGrpSpPr/>
+        <p:nvPr/>
+      </p:nvGrpSpPr>
+      <p:grpSpPr>
+        <a:xfrm>
+          <a:off x="0" y="0"/>
+          <a:ext cx="0" cy="0"/>
+          <a:chOff x="0" y="0"/>
+          <a:chExt cx="0" cy="0"/>
+        </a:xfrm>
+      </p:grpSpPr>
+      <p:pic>
+        <p:nvPicPr>
+          <p:cNvPr id="3" name="Imagen 2">
+            <a:extLst>
+              <a:ext uri="{FF2B5EF4-FFF2-40B4-BE49-F238E27FC236}">
+                <a16:creationId xmlns:a16="http://schemas.microsoft.com/office/drawing/2014/main" id="{FBE50A70-6A4E-D595-38C6-B8A79C0A58FA}"/>
+              </a:ext>
+            </a:extLst>
+          </p:cNvPr>
+          <p:cNvPicPr>
+            <a:picLocks noChangeAspect="1"/>
+          </p:cNvPicPr>
+          <p:nvPr/>
+        </p:nvPicPr>
+        <p:blipFill>
+          <a:blip r:embed="rId2"/>
+          <a:stretch>
+            <a:fillRect/>
+          </a:stretch>
+        </p:blipFill>
+        <p:spPr>
+          <a:xfrm>
+            <a:off x="2021297" y="1323692"/>
+            <a:ext cx="7662309" cy="3825083"/>
+          </a:xfrm>
+          <a:prstGeom prst="rect">
+            <a:avLst/>
+          </a:prstGeom>
+        </p:spPr>
+      </p:pic>
+    </p:spTree>
+    <p:extLst>
+      <p:ext uri="{BB962C8B-B14F-4D97-AF65-F5344CB8AC3E}">
+        <p14:creationId xmlns:p14="http://schemas.microsoft.com/office/powerpoint/2010/main" val="1442718352"/>
+      </p:ext>
+    </p:extLst>
+  </p:cSld>
+  <p:clrMapOvr>
+    <a:masterClrMapping/>
+  </p:clrMapOvr>
+</p:sld>
+</file>
+
+<file path=ppt/slides/slide40.xml><?xml version="1.0" encoding="utf-8"?>
 <p:sld xmlns:a="http://schemas.openxmlformats.org/drawingml/2006/main" xmlns:r="http://schemas.openxmlformats.org/officeDocument/2006/relationships" xmlns:p="http://schemas.openxmlformats.org/presentationml/2006/main">
   <p:cSld>
     <p:spTree>
@@ -8947,67 +9456,7 @@
 </p:sld>
 </file>
 
-<file path=ppt/slides/slide4.xml><?xml version="1.0" encoding="utf-8"?>
-<p:sld xmlns:a="http://schemas.openxmlformats.org/drawingml/2006/main" xmlns:r="http://schemas.openxmlformats.org/officeDocument/2006/relationships" xmlns:p="http://schemas.openxmlformats.org/presentationml/2006/main">
-  <p:cSld>
-    <p:spTree>
-      <p:nvGrpSpPr>
-        <p:cNvPr id="1" name=""/>
-        <p:cNvGrpSpPr/>
-        <p:nvPr/>
-      </p:nvGrpSpPr>
-      <p:grpSpPr>
-        <a:xfrm>
-          <a:off x="0" y="0"/>
-          <a:ext cx="0" cy="0"/>
-          <a:chOff x="0" y="0"/>
-          <a:chExt cx="0" cy="0"/>
-        </a:xfrm>
-      </p:grpSpPr>
-      <p:pic>
-        <p:nvPicPr>
-          <p:cNvPr id="3" name="Imagen 2">
-            <a:extLst>
-              <a:ext uri="{FF2B5EF4-FFF2-40B4-BE49-F238E27FC236}">
-                <a16:creationId xmlns:a16="http://schemas.microsoft.com/office/drawing/2014/main" id="{FBE50A70-6A4E-D595-38C6-B8A79C0A58FA}"/>
-              </a:ext>
-            </a:extLst>
-          </p:cNvPr>
-          <p:cNvPicPr>
-            <a:picLocks noChangeAspect="1"/>
-          </p:cNvPicPr>
-          <p:nvPr/>
-        </p:nvPicPr>
-        <p:blipFill>
-          <a:blip r:embed="rId2"/>
-          <a:stretch>
-            <a:fillRect/>
-          </a:stretch>
-        </p:blipFill>
-        <p:spPr>
-          <a:xfrm>
-            <a:off x="2021297" y="1323692"/>
-            <a:ext cx="7662309" cy="3825083"/>
-          </a:xfrm>
-          <a:prstGeom prst="rect">
-            <a:avLst/>
-          </a:prstGeom>
-        </p:spPr>
-      </p:pic>
-    </p:spTree>
-    <p:extLst>
-      <p:ext uri="{BB962C8B-B14F-4D97-AF65-F5344CB8AC3E}">
-        <p14:creationId xmlns:p14="http://schemas.microsoft.com/office/powerpoint/2010/main" val="1442718352"/>
-      </p:ext>
-    </p:extLst>
-  </p:cSld>
-  <p:clrMapOvr>
-    <a:masterClrMapping/>
-  </p:clrMapOvr>
-</p:sld>
-</file>
-
-<file path=ppt/slides/slide40.xml><?xml version="1.0" encoding="utf-8"?>
+<file path=ppt/slides/slide41.xml><?xml version="1.0" encoding="utf-8"?>
 <p:sld xmlns:a="http://schemas.openxmlformats.org/drawingml/2006/main" xmlns:r="http://schemas.openxmlformats.org/officeDocument/2006/relationships" xmlns:p="http://schemas.openxmlformats.org/presentationml/2006/main">
   <p:cSld>
     <p:spTree>
@@ -9067,7 +9516,7 @@
 </p:sld>
 </file>
 
-<file path=ppt/slides/slide41.xml><?xml version="1.0" encoding="utf-8"?>
+<file path=ppt/slides/slide42.xml><?xml version="1.0" encoding="utf-8"?>
 <p:sld xmlns:a="http://schemas.openxmlformats.org/drawingml/2006/main" xmlns:r="http://schemas.openxmlformats.org/officeDocument/2006/relationships" xmlns:p="http://schemas.openxmlformats.org/presentationml/2006/main">
   <p:cSld>
     <p:spTree>
@@ -9127,7 +9576,7 @@
 </p:sld>
 </file>
 
-<file path=ppt/slides/slide42.xml><?xml version="1.0" encoding="utf-8"?>
+<file path=ppt/slides/slide43.xml><?xml version="1.0" encoding="utf-8"?>
 <p:sld xmlns:a="http://schemas.openxmlformats.org/drawingml/2006/main" xmlns:r="http://schemas.openxmlformats.org/officeDocument/2006/relationships" xmlns:p="http://schemas.openxmlformats.org/presentationml/2006/main">
   <p:cSld>
     <p:spTree>
@@ -9223,7 +9672,7 @@
 </p:sld>
 </file>
 
-<file path=ppt/slides/slide43.xml><?xml version="1.0" encoding="utf-8"?>
+<file path=ppt/slides/slide44.xml><?xml version="1.0" encoding="utf-8"?>
 <p:sld xmlns:a="http://schemas.openxmlformats.org/drawingml/2006/main" xmlns:r="http://schemas.openxmlformats.org/officeDocument/2006/relationships" xmlns:p="http://schemas.openxmlformats.org/presentationml/2006/main">
   <p:cSld>
     <p:spTree>
@@ -9436,7 +9885,7 @@
 </p:sld>
 </file>
 
-<file path=ppt/slides/slide44.xml><?xml version="1.0" encoding="utf-8"?>
+<file path=ppt/slides/slide45.xml><?xml version="1.0" encoding="utf-8"?>
 <p:sld xmlns:a="http://schemas.openxmlformats.org/drawingml/2006/main" xmlns:r="http://schemas.openxmlformats.org/officeDocument/2006/relationships" xmlns:p="http://schemas.openxmlformats.org/presentationml/2006/main">
   <p:cSld>
     <p:spTree>
@@ -9628,7 +10077,7 @@
 </p:sld>
 </file>
 
-<file path=ppt/slides/slide45.xml><?xml version="1.0" encoding="utf-8"?>
+<file path=ppt/slides/slide46.xml><?xml version="1.0" encoding="utf-8"?>
 <p:sld xmlns:a="http://schemas.openxmlformats.org/drawingml/2006/main" xmlns:r="http://schemas.openxmlformats.org/officeDocument/2006/relationships" xmlns:p="http://schemas.openxmlformats.org/presentationml/2006/main">
   <p:cSld>
     <p:spTree>
@@ -9718,7 +10167,7 @@
 </p:sld>
 </file>
 
-<file path=ppt/slides/slide46.xml><?xml version="1.0" encoding="utf-8"?>
+<file path=ppt/slides/slide47.xml><?xml version="1.0" encoding="utf-8"?>
 <p:sld xmlns:a="http://schemas.openxmlformats.org/drawingml/2006/main" xmlns:r="http://schemas.openxmlformats.org/officeDocument/2006/relationships" xmlns:p="http://schemas.openxmlformats.org/presentationml/2006/main">
   <p:cSld>
     <p:spTree>
@@ -9778,7 +10227,7 @@
 </p:sld>
 </file>
 
-<file path=ppt/slides/slide47.xml><?xml version="1.0" encoding="utf-8"?>
+<file path=ppt/slides/slide48.xml><?xml version="1.0" encoding="utf-8"?>
 <p:sld xmlns:a="http://schemas.openxmlformats.org/drawingml/2006/main" xmlns:r="http://schemas.openxmlformats.org/officeDocument/2006/relationships" xmlns:p="http://schemas.openxmlformats.org/presentationml/2006/main">
   <p:cSld>
     <p:spTree>
@@ -9838,7 +10287,7 @@
 </p:sld>
 </file>
 
-<file path=ppt/slides/slide48.xml><?xml version="1.0" encoding="utf-8"?>
+<file path=ppt/slides/slide49.xml><?xml version="1.0" encoding="utf-8"?>
 <p:sld xmlns:a="http://schemas.openxmlformats.org/drawingml/2006/main" xmlns:r="http://schemas.openxmlformats.org/officeDocument/2006/relationships" xmlns:p="http://schemas.openxmlformats.org/presentationml/2006/main">
   <p:cSld>
     <p:spTree>
@@ -10051,7 +10500,67 @@
 </p:sld>
 </file>
 
-<file path=ppt/slides/slide49.xml><?xml version="1.0" encoding="utf-8"?>
+<file path=ppt/slides/slide5.xml><?xml version="1.0" encoding="utf-8"?>
+<p:sld xmlns:a="http://schemas.openxmlformats.org/drawingml/2006/main" xmlns:r="http://schemas.openxmlformats.org/officeDocument/2006/relationships" xmlns:p="http://schemas.openxmlformats.org/presentationml/2006/main">
+  <p:cSld>
+    <p:spTree>
+      <p:nvGrpSpPr>
+        <p:cNvPr id="1" name=""/>
+        <p:cNvGrpSpPr/>
+        <p:nvPr/>
+      </p:nvGrpSpPr>
+      <p:grpSpPr>
+        <a:xfrm>
+          <a:off x="0" y="0"/>
+          <a:ext cx="0" cy="0"/>
+          <a:chOff x="0" y="0"/>
+          <a:chExt cx="0" cy="0"/>
+        </a:xfrm>
+      </p:grpSpPr>
+      <p:pic>
+        <p:nvPicPr>
+          <p:cNvPr id="3" name="Imagen 2">
+            <a:extLst>
+              <a:ext uri="{FF2B5EF4-FFF2-40B4-BE49-F238E27FC236}">
+                <a16:creationId xmlns:a16="http://schemas.microsoft.com/office/drawing/2014/main" id="{4E4EC374-0176-2013-988A-46F768EA3D27}"/>
+              </a:ext>
+            </a:extLst>
+          </p:cNvPr>
+          <p:cNvPicPr>
+            <a:picLocks noChangeAspect="1"/>
+          </p:cNvPicPr>
+          <p:nvPr/>
+        </p:nvPicPr>
+        <p:blipFill>
+          <a:blip r:embed="rId2"/>
+          <a:stretch>
+            <a:fillRect/>
+          </a:stretch>
+        </p:blipFill>
+        <p:spPr>
+          <a:xfrm>
+            <a:off x="1177985" y="554710"/>
+            <a:ext cx="8935697" cy="5410955"/>
+          </a:xfrm>
+          <a:prstGeom prst="rect">
+            <a:avLst/>
+          </a:prstGeom>
+        </p:spPr>
+      </p:pic>
+    </p:spTree>
+    <p:extLst>
+      <p:ext uri="{BB962C8B-B14F-4D97-AF65-F5344CB8AC3E}">
+        <p14:creationId xmlns:p14="http://schemas.microsoft.com/office/powerpoint/2010/main" val="3850321762"/>
+      </p:ext>
+    </p:extLst>
+  </p:cSld>
+  <p:clrMapOvr>
+    <a:masterClrMapping/>
+  </p:clrMapOvr>
+</p:sld>
+</file>
+
+<file path=ppt/slides/slide50.xml><?xml version="1.0" encoding="utf-8"?>
 <p:sld xmlns:a="http://schemas.openxmlformats.org/drawingml/2006/main" xmlns:r="http://schemas.openxmlformats.org/officeDocument/2006/relationships" xmlns:p="http://schemas.openxmlformats.org/presentationml/2006/main">
   <p:cSld>
     <p:spTree>
@@ -10162,67 +10671,7 @@
 </p:sld>
 </file>
 
-<file path=ppt/slides/slide5.xml><?xml version="1.0" encoding="utf-8"?>
-<p:sld xmlns:a="http://schemas.openxmlformats.org/drawingml/2006/main" xmlns:r="http://schemas.openxmlformats.org/officeDocument/2006/relationships" xmlns:p="http://schemas.openxmlformats.org/presentationml/2006/main">
-  <p:cSld>
-    <p:spTree>
-      <p:nvGrpSpPr>
-        <p:cNvPr id="1" name=""/>
-        <p:cNvGrpSpPr/>
-        <p:nvPr/>
-      </p:nvGrpSpPr>
-      <p:grpSpPr>
-        <a:xfrm>
-          <a:off x="0" y="0"/>
-          <a:ext cx="0" cy="0"/>
-          <a:chOff x="0" y="0"/>
-          <a:chExt cx="0" cy="0"/>
-        </a:xfrm>
-      </p:grpSpPr>
-      <p:pic>
-        <p:nvPicPr>
-          <p:cNvPr id="3" name="Imagen 2">
-            <a:extLst>
-              <a:ext uri="{FF2B5EF4-FFF2-40B4-BE49-F238E27FC236}">
-                <a16:creationId xmlns:a16="http://schemas.microsoft.com/office/drawing/2014/main" id="{4E4EC374-0176-2013-988A-46F768EA3D27}"/>
-              </a:ext>
-            </a:extLst>
-          </p:cNvPr>
-          <p:cNvPicPr>
-            <a:picLocks noChangeAspect="1"/>
-          </p:cNvPicPr>
-          <p:nvPr/>
-        </p:nvPicPr>
-        <p:blipFill>
-          <a:blip r:embed="rId2"/>
-          <a:stretch>
-            <a:fillRect/>
-          </a:stretch>
-        </p:blipFill>
-        <p:spPr>
-          <a:xfrm>
-            <a:off x="1177985" y="554710"/>
-            <a:ext cx="8935697" cy="5410955"/>
-          </a:xfrm>
-          <a:prstGeom prst="rect">
-            <a:avLst/>
-          </a:prstGeom>
-        </p:spPr>
-      </p:pic>
-    </p:spTree>
-    <p:extLst>
-      <p:ext uri="{BB962C8B-B14F-4D97-AF65-F5344CB8AC3E}">
-        <p14:creationId xmlns:p14="http://schemas.microsoft.com/office/powerpoint/2010/main" val="3850321762"/>
-      </p:ext>
-    </p:extLst>
-  </p:cSld>
-  <p:clrMapOvr>
-    <a:masterClrMapping/>
-  </p:clrMapOvr>
-</p:sld>
-</file>
-
-<file path=ppt/slides/slide50.xml><?xml version="1.0" encoding="utf-8"?>
+<file path=ppt/slides/slide51.xml><?xml version="1.0" encoding="utf-8"?>
 <p:sld xmlns:a="http://schemas.openxmlformats.org/drawingml/2006/main" xmlns:r="http://schemas.openxmlformats.org/officeDocument/2006/relationships" xmlns:p="http://schemas.openxmlformats.org/presentationml/2006/main">
   <p:cSld>
     <p:spTree>
@@ -10333,7 +10782,7 @@
 </p:sld>
 </file>
 
-<file path=ppt/slides/slide51.xml><?xml version="1.0" encoding="utf-8"?>
+<file path=ppt/slides/slide52.xml><?xml version="1.0" encoding="utf-8"?>
 <p:sld xmlns:a="http://schemas.openxmlformats.org/drawingml/2006/main" xmlns:r="http://schemas.openxmlformats.org/officeDocument/2006/relationships" xmlns:p="http://schemas.openxmlformats.org/presentationml/2006/main">
   <p:cSld>
     <p:spTree>
@@ -10393,7 +10842,7 @@
 </p:sld>
 </file>
 
-<file path=ppt/slides/slide52.xml><?xml version="1.0" encoding="utf-8"?>
+<file path=ppt/slides/slide53.xml><?xml version="1.0" encoding="utf-8"?>
 <p:sld xmlns:a="http://schemas.openxmlformats.org/drawingml/2006/main" xmlns:r="http://schemas.openxmlformats.org/officeDocument/2006/relationships" xmlns:p="http://schemas.openxmlformats.org/presentationml/2006/main">
   <p:cSld>
     <p:spTree>
@@ -10453,7 +10902,7 @@
 </p:sld>
 </file>
 
-<file path=ppt/slides/slide53.xml><?xml version="1.0" encoding="utf-8"?>
+<file path=ppt/slides/slide54.xml><?xml version="1.0" encoding="utf-8"?>
 <p:sld xmlns:a="http://schemas.openxmlformats.org/drawingml/2006/main" xmlns:r="http://schemas.openxmlformats.org/officeDocument/2006/relationships" xmlns:p="http://schemas.openxmlformats.org/presentationml/2006/main">
   <p:cSld>
     <p:spTree>
@@ -10513,7 +10962,7 @@
 </p:sld>
 </file>
 
-<file path=ppt/slides/slide54.xml><?xml version="1.0" encoding="utf-8"?>
+<file path=ppt/slides/slide55.xml><?xml version="1.0" encoding="utf-8"?>
 <p:sld xmlns:a="http://schemas.openxmlformats.org/drawingml/2006/main" xmlns:r="http://schemas.openxmlformats.org/officeDocument/2006/relationships" xmlns:p="http://schemas.openxmlformats.org/presentationml/2006/main">
   <p:cSld>
     <p:spTree>
@@ -10573,7 +11022,7 @@
 </p:sld>
 </file>
 
-<file path=ppt/slides/slide55.xml><?xml version="1.0" encoding="utf-8"?>
+<file path=ppt/slides/slide56.xml><?xml version="1.0" encoding="utf-8"?>
 <p:sld xmlns:a="http://schemas.openxmlformats.org/drawingml/2006/main" xmlns:r="http://schemas.openxmlformats.org/officeDocument/2006/relationships" xmlns:p="http://schemas.openxmlformats.org/presentationml/2006/main">
   <p:cSld>
     <p:spTree>
@@ -10633,7 +11082,7 @@
 </p:sld>
 </file>
 
-<file path=ppt/slides/slide56.xml><?xml version="1.0" encoding="utf-8"?>
+<file path=ppt/slides/slide57.xml><?xml version="1.0" encoding="utf-8"?>
 <p:sld xmlns:a="http://schemas.openxmlformats.org/drawingml/2006/main" xmlns:r="http://schemas.openxmlformats.org/officeDocument/2006/relationships" xmlns:p="http://schemas.openxmlformats.org/presentationml/2006/main">
   <p:cSld>
     <p:spTree>
@@ -10693,7 +11142,7 @@
 </p:sld>
 </file>
 
-<file path=ppt/slides/slide57.xml><?xml version="1.0" encoding="utf-8"?>
+<file path=ppt/slides/slide58.xml><?xml version="1.0" encoding="utf-8"?>
 <p:sld xmlns:a="http://schemas.openxmlformats.org/drawingml/2006/main" xmlns:r="http://schemas.openxmlformats.org/officeDocument/2006/relationships" xmlns:p="http://schemas.openxmlformats.org/presentationml/2006/main">
   <p:cSld>
     <p:spTree>
@@ -10753,7 +11202,7 @@
 </p:sld>
 </file>
 
-<file path=ppt/slides/slide58.xml><?xml version="1.0" encoding="utf-8"?>
+<file path=ppt/slides/slide59.xml><?xml version="1.0" encoding="utf-8"?>
 <p:sld xmlns:a="http://schemas.openxmlformats.org/drawingml/2006/main" xmlns:r="http://schemas.openxmlformats.org/officeDocument/2006/relationships" xmlns:p="http://schemas.openxmlformats.org/presentationml/2006/main">
   <p:cSld>
     <p:spTree>
@@ -10813,7 +11262,681 @@
 </p:sld>
 </file>
 
-<file path=ppt/slides/slide59.xml><?xml version="1.0" encoding="utf-8"?>
+<file path=ppt/slides/slide6.xml><?xml version="1.0" encoding="utf-8"?>
+<p:sld xmlns:a="http://schemas.openxmlformats.org/drawingml/2006/main" xmlns:r="http://schemas.openxmlformats.org/officeDocument/2006/relationships" xmlns:p="http://schemas.openxmlformats.org/presentationml/2006/main">
+  <p:cSld>
+    <p:spTree>
+      <p:nvGrpSpPr>
+        <p:cNvPr id="1" name=""/>
+        <p:cNvGrpSpPr/>
+        <p:nvPr/>
+      </p:nvGrpSpPr>
+      <p:grpSpPr>
+        <a:xfrm>
+          <a:off x="0" y="0"/>
+          <a:ext cx="0" cy="0"/>
+          <a:chOff x="0" y="0"/>
+          <a:chExt cx="0" cy="0"/>
+        </a:xfrm>
+      </p:grpSpPr>
+      <p:pic>
+        <p:nvPicPr>
+          <p:cNvPr id="3" name="Imagen 2">
+            <a:extLst>
+              <a:ext uri="{FF2B5EF4-FFF2-40B4-BE49-F238E27FC236}">
+                <a16:creationId xmlns:a16="http://schemas.microsoft.com/office/drawing/2014/main" id="{48A6817A-EAF2-0974-1AA5-3A7AAAE357D9}"/>
+              </a:ext>
+            </a:extLst>
+          </p:cNvPr>
+          <p:cNvPicPr>
+            <a:picLocks noChangeAspect="1"/>
+          </p:cNvPicPr>
+          <p:nvPr/>
+        </p:nvPicPr>
+        <p:blipFill>
+          <a:blip r:embed="rId2"/>
+          <a:stretch>
+            <a:fillRect/>
+          </a:stretch>
+        </p:blipFill>
+        <p:spPr>
+          <a:xfrm>
+            <a:off x="846275" y="1185676"/>
+            <a:ext cx="4544749" cy="3400391"/>
+          </a:xfrm>
+          <a:prstGeom prst="rect">
+            <a:avLst/>
+          </a:prstGeom>
+        </p:spPr>
+      </p:pic>
+      <p:pic>
+        <p:nvPicPr>
+          <p:cNvPr id="5" name="Imagen 4">
+            <a:extLst>
+              <a:ext uri="{FF2B5EF4-FFF2-40B4-BE49-F238E27FC236}">
+                <a16:creationId xmlns:a16="http://schemas.microsoft.com/office/drawing/2014/main" id="{3DF7ACA8-BB1C-3D41-6D09-A3DECE81F86D}"/>
+              </a:ext>
+            </a:extLst>
+          </p:cNvPr>
+          <p:cNvPicPr>
+            <a:picLocks noChangeAspect="1"/>
+          </p:cNvPicPr>
+          <p:nvPr/>
+        </p:nvPicPr>
+        <p:blipFill>
+          <a:blip r:embed="rId3"/>
+          <a:stretch>
+            <a:fillRect/>
+          </a:stretch>
+        </p:blipFill>
+        <p:spPr>
+          <a:xfrm>
+            <a:off x="6521101" y="1083978"/>
+            <a:ext cx="3368486" cy="4690044"/>
+          </a:xfrm>
+          <a:prstGeom prst="rect">
+            <a:avLst/>
+          </a:prstGeom>
+        </p:spPr>
+      </p:pic>
+      <mc:AlternateContent xmlns:mc="http://schemas.openxmlformats.org/markup-compatibility/2006">
+        <mc:Choice xmlns:p14="http://schemas.microsoft.com/office/powerpoint/2010/main" Requires="p14">
+          <p:contentPart p14:bwMode="auto" r:id="rId4">
+            <p14:nvContentPartPr>
+              <p14:cNvPr id="2" name="Entrada de lápiz 1">
+                <a:extLst>
+                  <a:ext uri="{FF2B5EF4-FFF2-40B4-BE49-F238E27FC236}">
+                    <a16:creationId xmlns:a16="http://schemas.microsoft.com/office/drawing/2014/main" id="{973F3B71-355D-CAE8-95C5-7CE4626A78CA}"/>
+                  </a:ext>
+                </a:extLst>
+              </p14:cNvPr>
+              <p14:cNvContentPartPr/>
+              <p14:nvPr/>
+            </p14:nvContentPartPr>
+            <p14:xfrm>
+              <a:off x="7060874" y="4905831"/>
+              <a:ext cx="2148840" cy="542160"/>
+            </p14:xfrm>
+          </p:contentPart>
+        </mc:Choice>
+        <mc:Fallback>
+          <p:pic>
+            <p:nvPicPr>
+              <p:cNvPr id="2" name="Entrada de lápiz 1">
+                <a:extLst>
+                  <a:ext uri="{FF2B5EF4-FFF2-40B4-BE49-F238E27FC236}">
+                    <a16:creationId xmlns:a16="http://schemas.microsoft.com/office/drawing/2014/main" id="{973F3B71-355D-CAE8-95C5-7CE4626A78CA}"/>
+                  </a:ext>
+                </a:extLst>
+              </p:cNvPr>
+              <p:cNvPicPr/>
+              <p:nvPr/>
+            </p:nvPicPr>
+            <p:blipFill>
+              <a:blip r:embed="rId5"/>
+              <a:stretch>
+                <a:fillRect/>
+              </a:stretch>
+            </p:blipFill>
+            <p:spPr>
+              <a:xfrm>
+                <a:off x="7006874" y="4798191"/>
+                <a:ext cx="2256480" cy="757800"/>
+              </a:xfrm>
+              <a:prstGeom prst="rect">
+                <a:avLst/>
+              </a:prstGeom>
+            </p:spPr>
+          </p:pic>
+        </mc:Fallback>
+      </mc:AlternateContent>
+      <p:sp>
+        <p:nvSpPr>
+          <p:cNvPr id="4" name="CuadroTexto 3">
+            <a:extLst>
+              <a:ext uri="{FF2B5EF4-FFF2-40B4-BE49-F238E27FC236}">
+                <a16:creationId xmlns:a16="http://schemas.microsoft.com/office/drawing/2014/main" id="{FB1C8245-7E66-93DF-9A3A-C316A3909D3E}"/>
+              </a:ext>
+            </a:extLst>
+          </p:cNvPr>
+          <p:cNvSpPr txBox="1"/>
+          <p:nvPr/>
+        </p:nvSpPr>
+        <p:spPr>
+          <a:xfrm>
+            <a:off x="6850965" y="5774022"/>
+            <a:ext cx="3038622" cy="369332"/>
+          </a:xfrm>
+          <a:prstGeom prst="rect">
+            <a:avLst/>
+          </a:prstGeom>
+          <a:noFill/>
+        </p:spPr>
+        <p:txBody>
+          <a:bodyPr wrap="square" rtlCol="0">
+            <a:spAutoFit/>
+          </a:bodyPr>
+          <a:lstStyle/>
+          <a:p>
+            <a:r>
+              <a:rPr lang="es-GT" dirty="0"/>
+              <a:t>Añadir mas diafragmas</a:t>
+            </a:r>
+          </a:p>
+        </p:txBody>
+      </p:sp>
+      <mc:AlternateContent xmlns:mc="http://schemas.openxmlformats.org/markup-compatibility/2006">
+        <mc:Choice xmlns:p14="http://schemas.microsoft.com/office/powerpoint/2010/main" Requires="p14">
+          <p:contentPart p14:bwMode="auto" r:id="rId6">
+            <p14:nvContentPartPr>
+              <p14:cNvPr id="6" name="Entrada de lápiz 5">
+                <a:extLst>
+                  <a:ext uri="{FF2B5EF4-FFF2-40B4-BE49-F238E27FC236}">
+                    <a16:creationId xmlns:a16="http://schemas.microsoft.com/office/drawing/2014/main" id="{93A5CA8A-9681-D418-40BF-CD7B3DE8FE82}"/>
+                  </a:ext>
+                </a:extLst>
+              </p14:cNvPr>
+              <p14:cNvContentPartPr/>
+              <p14:nvPr/>
+            </p14:nvContentPartPr>
+            <p14:xfrm>
+              <a:off x="3249554" y="1992711"/>
+              <a:ext cx="1672200" cy="443520"/>
+            </p14:xfrm>
+          </p:contentPart>
+        </mc:Choice>
+        <mc:Fallback>
+          <p:pic>
+            <p:nvPicPr>
+              <p:cNvPr id="6" name="Entrada de lápiz 5">
+                <a:extLst>
+                  <a:ext uri="{FF2B5EF4-FFF2-40B4-BE49-F238E27FC236}">
+                    <a16:creationId xmlns:a16="http://schemas.microsoft.com/office/drawing/2014/main" id="{93A5CA8A-9681-D418-40BF-CD7B3DE8FE82}"/>
+                  </a:ext>
+                </a:extLst>
+              </p:cNvPr>
+              <p:cNvPicPr/>
+              <p:nvPr/>
+            </p:nvPicPr>
+            <p:blipFill>
+              <a:blip r:embed="rId7"/>
+              <a:stretch>
+                <a:fillRect/>
+              </a:stretch>
+            </p:blipFill>
+            <p:spPr>
+              <a:xfrm>
+                <a:off x="3195914" y="1885071"/>
+                <a:ext cx="1779840" cy="659160"/>
+              </a:xfrm>
+              <a:prstGeom prst="rect">
+                <a:avLst/>
+              </a:prstGeom>
+            </p:spPr>
+          </p:pic>
+        </mc:Fallback>
+      </mc:AlternateContent>
+      <p:pic>
+        <p:nvPicPr>
+          <p:cNvPr id="8" name="Imagen 7">
+            <a:extLst>
+              <a:ext uri="{FF2B5EF4-FFF2-40B4-BE49-F238E27FC236}">
+                <a16:creationId xmlns:a16="http://schemas.microsoft.com/office/drawing/2014/main" id="{C48CB808-71CD-09B7-8024-503D60A144DE}"/>
+              </a:ext>
+            </a:extLst>
+          </p:cNvPr>
+          <p:cNvPicPr>
+            <a:picLocks noChangeAspect="1"/>
+          </p:cNvPicPr>
+          <p:nvPr/>
+        </p:nvPicPr>
+        <p:blipFill>
+          <a:blip r:embed="rId8"/>
+          <a:stretch>
+            <a:fillRect/>
+          </a:stretch>
+        </p:blipFill>
+        <p:spPr>
+          <a:xfrm>
+            <a:off x="1069996" y="3429000"/>
+            <a:ext cx="4097305" cy="2593089"/>
+          </a:xfrm>
+          <a:prstGeom prst="rect">
+            <a:avLst/>
+          </a:prstGeom>
+        </p:spPr>
+      </p:pic>
+      <p:pic>
+        <p:nvPicPr>
+          <p:cNvPr id="9" name="Imagen 8">
+            <a:extLst>
+              <a:ext uri="{FF2B5EF4-FFF2-40B4-BE49-F238E27FC236}">
+                <a16:creationId xmlns:a16="http://schemas.microsoft.com/office/drawing/2014/main" id="{58C264D5-40D1-9937-05CB-E61D65E510F7}"/>
+              </a:ext>
+            </a:extLst>
+          </p:cNvPr>
+          <p:cNvPicPr>
+            <a:picLocks noChangeAspect="1"/>
+          </p:cNvPicPr>
+          <p:nvPr/>
+        </p:nvPicPr>
+        <p:blipFill>
+          <a:blip r:embed="rId2"/>
+          <a:stretch>
+            <a:fillRect/>
+          </a:stretch>
+        </p:blipFill>
+        <p:spPr>
+          <a:xfrm>
+            <a:off x="846275" y="736035"/>
+            <a:ext cx="4544749" cy="3400391"/>
+          </a:xfrm>
+          <a:prstGeom prst="rect">
+            <a:avLst/>
+          </a:prstGeom>
+        </p:spPr>
+      </p:pic>
+      <mc:AlternateContent xmlns:mc="http://schemas.openxmlformats.org/markup-compatibility/2006">
+        <mc:Choice xmlns:p14="http://schemas.microsoft.com/office/powerpoint/2010/main" Requires="p14">
+          <p:contentPart p14:bwMode="auto" r:id="rId9">
+            <p14:nvContentPartPr>
+              <p14:cNvPr id="10" name="Entrada de lápiz 9">
+                <a:extLst>
+                  <a:ext uri="{FF2B5EF4-FFF2-40B4-BE49-F238E27FC236}">
+                    <a16:creationId xmlns:a16="http://schemas.microsoft.com/office/drawing/2014/main" id="{2636924B-EDFF-506B-694D-5F8CE7E6C72E}"/>
+                  </a:ext>
+                </a:extLst>
+              </p14:cNvPr>
+              <p14:cNvContentPartPr/>
+              <p14:nvPr/>
+            </p14:nvContentPartPr>
+            <p14:xfrm>
+              <a:off x="3249554" y="1543070"/>
+              <a:ext cx="1672200" cy="443520"/>
+            </p14:xfrm>
+          </p:contentPart>
+        </mc:Choice>
+        <mc:Fallback>
+          <p:pic>
+            <p:nvPicPr>
+              <p:cNvPr id="10" name="Entrada de lápiz 9">
+                <a:extLst>
+                  <a:ext uri="{FF2B5EF4-FFF2-40B4-BE49-F238E27FC236}">
+                    <a16:creationId xmlns:a16="http://schemas.microsoft.com/office/drawing/2014/main" id="{2636924B-EDFF-506B-694D-5F8CE7E6C72E}"/>
+                  </a:ext>
+                </a:extLst>
+              </p:cNvPr>
+              <p:cNvPicPr/>
+              <p:nvPr/>
+            </p:nvPicPr>
+            <p:blipFill>
+              <a:blip r:embed="rId7"/>
+              <a:stretch>
+                <a:fillRect/>
+              </a:stretch>
+            </p:blipFill>
+            <p:spPr>
+              <a:xfrm>
+                <a:off x="3195914" y="1435430"/>
+                <a:ext cx="1779840" cy="659160"/>
+              </a:xfrm>
+              <a:prstGeom prst="rect">
+                <a:avLst/>
+              </a:prstGeom>
+            </p:spPr>
+          </p:pic>
+        </mc:Fallback>
+      </mc:AlternateContent>
+      <p:pic>
+        <p:nvPicPr>
+          <p:cNvPr id="11" name="Imagen 10">
+            <a:extLst>
+              <a:ext uri="{FF2B5EF4-FFF2-40B4-BE49-F238E27FC236}">
+                <a16:creationId xmlns:a16="http://schemas.microsoft.com/office/drawing/2014/main" id="{66D666EE-316D-168E-D432-C6BBA1AD06A6}"/>
+              </a:ext>
+            </a:extLst>
+          </p:cNvPr>
+          <p:cNvPicPr>
+            <a:picLocks noChangeAspect="1"/>
+          </p:cNvPicPr>
+          <p:nvPr/>
+        </p:nvPicPr>
+        <p:blipFill>
+          <a:blip r:embed="rId2"/>
+          <a:stretch>
+            <a:fillRect/>
+          </a:stretch>
+        </p:blipFill>
+        <p:spPr>
+          <a:xfrm>
+            <a:off x="846275" y="479975"/>
+            <a:ext cx="4544749" cy="3400391"/>
+          </a:xfrm>
+          <a:prstGeom prst="rect">
+            <a:avLst/>
+          </a:prstGeom>
+        </p:spPr>
+      </p:pic>
+      <mc:AlternateContent xmlns:mc="http://schemas.openxmlformats.org/markup-compatibility/2006">
+        <mc:Choice xmlns:p14="http://schemas.microsoft.com/office/powerpoint/2010/main" Requires="p14">
+          <p:contentPart p14:bwMode="auto" r:id="rId10">
+            <p14:nvContentPartPr>
+              <p14:cNvPr id="12" name="Entrada de lápiz 11">
+                <a:extLst>
+                  <a:ext uri="{FF2B5EF4-FFF2-40B4-BE49-F238E27FC236}">
+                    <a16:creationId xmlns:a16="http://schemas.microsoft.com/office/drawing/2014/main" id="{5F756736-FC8C-3B20-3F09-7D9B89E8CDA7}"/>
+                  </a:ext>
+                </a:extLst>
+              </p14:cNvPr>
+              <p14:cNvContentPartPr/>
+              <p14:nvPr/>
+            </p14:nvContentPartPr>
+            <p14:xfrm>
+              <a:off x="3249554" y="1287010"/>
+              <a:ext cx="1672200" cy="443520"/>
+            </p14:xfrm>
+          </p:contentPart>
+        </mc:Choice>
+        <mc:Fallback>
+          <p:pic>
+            <p:nvPicPr>
+              <p:cNvPr id="12" name="Entrada de lápiz 11">
+                <a:extLst>
+                  <a:ext uri="{FF2B5EF4-FFF2-40B4-BE49-F238E27FC236}">
+                    <a16:creationId xmlns:a16="http://schemas.microsoft.com/office/drawing/2014/main" id="{5F756736-FC8C-3B20-3F09-7D9B89E8CDA7}"/>
+                  </a:ext>
+                </a:extLst>
+              </p:cNvPr>
+              <p:cNvPicPr/>
+              <p:nvPr/>
+            </p:nvPicPr>
+            <p:blipFill>
+              <a:blip r:embed="rId7"/>
+              <a:stretch>
+                <a:fillRect/>
+              </a:stretch>
+            </p:blipFill>
+            <p:spPr>
+              <a:xfrm>
+                <a:off x="3195914" y="1179370"/>
+                <a:ext cx="1779840" cy="659160"/>
+              </a:xfrm>
+              <a:prstGeom prst="rect">
+                <a:avLst/>
+              </a:prstGeom>
+            </p:spPr>
+          </p:pic>
+        </mc:Fallback>
+      </mc:AlternateContent>
+      <mc:AlternateContent xmlns:mc="http://schemas.openxmlformats.org/markup-compatibility/2006">
+        <mc:Choice xmlns:p14="http://schemas.microsoft.com/office/powerpoint/2010/main" Requires="p14">
+          <p:contentPart p14:bwMode="auto" r:id="rId11">
+            <p14:nvContentPartPr>
+              <p14:cNvPr id="13" name="Entrada de lápiz 12">
+                <a:extLst>
+                  <a:ext uri="{FF2B5EF4-FFF2-40B4-BE49-F238E27FC236}">
+                    <a16:creationId xmlns:a16="http://schemas.microsoft.com/office/drawing/2014/main" id="{EDD4ABC5-1F4A-6DCB-589D-57A704C2D475}"/>
+                  </a:ext>
+                </a:extLst>
+              </p14:cNvPr>
+              <p14:cNvContentPartPr/>
+              <p14:nvPr/>
+            </p14:nvContentPartPr>
+            <p14:xfrm>
+              <a:off x="2181074" y="4134351"/>
+              <a:ext cx="2197080" cy="227520"/>
+            </p14:xfrm>
+          </p:contentPart>
+        </mc:Choice>
+        <mc:Fallback>
+          <p:pic>
+            <p:nvPicPr>
+              <p:cNvPr id="13" name="Entrada de lápiz 12">
+                <a:extLst>
+                  <a:ext uri="{FF2B5EF4-FFF2-40B4-BE49-F238E27FC236}">
+                    <a16:creationId xmlns:a16="http://schemas.microsoft.com/office/drawing/2014/main" id="{EDD4ABC5-1F4A-6DCB-589D-57A704C2D475}"/>
+                  </a:ext>
+                </a:extLst>
+              </p:cNvPr>
+              <p:cNvPicPr/>
+              <p:nvPr/>
+            </p:nvPicPr>
+            <p:blipFill>
+              <a:blip r:embed="rId12"/>
+              <a:stretch>
+                <a:fillRect/>
+              </a:stretch>
+            </p:blipFill>
+            <p:spPr>
+              <a:xfrm>
+                <a:off x="2127074" y="4026351"/>
+                <a:ext cx="2304720" cy="443160"/>
+              </a:xfrm>
+              <a:prstGeom prst="rect">
+                <a:avLst/>
+              </a:prstGeom>
+            </p:spPr>
+          </p:pic>
+        </mc:Fallback>
+      </mc:AlternateContent>
+      <mc:AlternateContent xmlns:mc="http://schemas.openxmlformats.org/markup-compatibility/2006">
+        <mc:Choice xmlns:p14="http://schemas.microsoft.com/office/powerpoint/2010/main" Requires="p14">
+          <p:contentPart p14:bwMode="auto" r:id="rId13">
+            <p14:nvContentPartPr>
+              <p14:cNvPr id="14" name="Entrada de lápiz 13">
+                <a:extLst>
+                  <a:ext uri="{FF2B5EF4-FFF2-40B4-BE49-F238E27FC236}">
+                    <a16:creationId xmlns:a16="http://schemas.microsoft.com/office/drawing/2014/main" id="{DA3A27BC-64E8-37C0-0A26-1A702E22A588}"/>
+                  </a:ext>
+                </a:extLst>
+              </p14:cNvPr>
+              <p14:cNvContentPartPr/>
+              <p14:nvPr/>
+            </p14:nvContentPartPr>
+            <p14:xfrm>
+              <a:off x="2005394" y="5437191"/>
+              <a:ext cx="1064160" cy="384120"/>
+            </p14:xfrm>
+          </p:contentPart>
+        </mc:Choice>
+        <mc:Fallback>
+          <p:pic>
+            <p:nvPicPr>
+              <p:cNvPr id="14" name="Entrada de lápiz 13">
+                <a:extLst>
+                  <a:ext uri="{FF2B5EF4-FFF2-40B4-BE49-F238E27FC236}">
+                    <a16:creationId xmlns:a16="http://schemas.microsoft.com/office/drawing/2014/main" id="{DA3A27BC-64E8-37C0-0A26-1A702E22A588}"/>
+                  </a:ext>
+                </a:extLst>
+              </p:cNvPr>
+              <p:cNvPicPr/>
+              <p:nvPr/>
+            </p:nvPicPr>
+            <p:blipFill>
+              <a:blip r:embed="rId14"/>
+              <a:stretch>
+                <a:fillRect/>
+              </a:stretch>
+            </p:blipFill>
+            <p:spPr>
+              <a:xfrm>
+                <a:off x="1951754" y="5329551"/>
+                <a:ext cx="1171800" cy="599760"/>
+              </a:xfrm>
+              <a:prstGeom prst="rect">
+                <a:avLst/>
+              </a:prstGeom>
+            </p:spPr>
+          </p:pic>
+        </mc:Fallback>
+      </mc:AlternateContent>
+      <mc:AlternateContent xmlns:mc="http://schemas.openxmlformats.org/markup-compatibility/2006">
+        <mc:Choice xmlns:p14="http://schemas.microsoft.com/office/powerpoint/2010/main" Requires="p14">
+          <p:contentPart p14:bwMode="auto" r:id="rId15">
+            <p14:nvContentPartPr>
+              <p14:cNvPr id="15" name="Entrada de lápiz 14">
+                <a:extLst>
+                  <a:ext uri="{FF2B5EF4-FFF2-40B4-BE49-F238E27FC236}">
+                    <a16:creationId xmlns:a16="http://schemas.microsoft.com/office/drawing/2014/main" id="{6F0C8113-B5C9-D98A-526B-BF769A9E17B8}"/>
+                  </a:ext>
+                </a:extLst>
+              </p14:cNvPr>
+              <p14:cNvContentPartPr/>
+              <p14:nvPr/>
+            </p14:nvContentPartPr>
+            <p14:xfrm>
+              <a:off x="8182634" y="3108711"/>
+              <a:ext cx="33480" cy="470160"/>
+            </p14:xfrm>
+          </p:contentPart>
+        </mc:Choice>
+        <mc:Fallback>
+          <p:pic>
+            <p:nvPicPr>
+              <p:cNvPr id="15" name="Entrada de lápiz 14">
+                <a:extLst>
+                  <a:ext uri="{FF2B5EF4-FFF2-40B4-BE49-F238E27FC236}">
+                    <a16:creationId xmlns:a16="http://schemas.microsoft.com/office/drawing/2014/main" id="{6F0C8113-B5C9-D98A-526B-BF769A9E17B8}"/>
+                  </a:ext>
+                </a:extLst>
+              </p:cNvPr>
+              <p:cNvPicPr/>
+              <p:nvPr/>
+            </p:nvPicPr>
+            <p:blipFill>
+              <a:blip r:embed="rId16"/>
+              <a:stretch>
+                <a:fillRect/>
+              </a:stretch>
+            </p:blipFill>
+            <p:spPr>
+              <a:xfrm>
+                <a:off x="8128634" y="3000711"/>
+                <a:ext cx="141120" cy="685800"/>
+              </a:xfrm>
+              <a:prstGeom prst="rect">
+                <a:avLst/>
+              </a:prstGeom>
+            </p:spPr>
+          </p:pic>
+        </mc:Fallback>
+      </mc:AlternateContent>
+      <mc:AlternateContent xmlns:mc="http://schemas.openxmlformats.org/markup-compatibility/2006">
+        <mc:Choice xmlns:p14="http://schemas.microsoft.com/office/powerpoint/2010/main" Requires="p14">
+          <p:contentPart p14:bwMode="auto" r:id="rId17">
+            <p14:nvContentPartPr>
+              <p14:cNvPr id="16" name="Entrada de lápiz 15">
+                <a:extLst>
+                  <a:ext uri="{FF2B5EF4-FFF2-40B4-BE49-F238E27FC236}">
+                    <a16:creationId xmlns:a16="http://schemas.microsoft.com/office/drawing/2014/main" id="{F5880C1C-8968-1CB7-C3B5-82290131891D}"/>
+                  </a:ext>
+                </a:extLst>
+              </p14:cNvPr>
+              <p14:cNvContentPartPr/>
+              <p14:nvPr/>
+            </p14:nvContentPartPr>
+            <p14:xfrm>
+              <a:off x="5233154" y="2474751"/>
+              <a:ext cx="732600" cy="1023480"/>
+            </p14:xfrm>
+          </p:contentPart>
+        </mc:Choice>
+        <mc:Fallback>
+          <p:pic>
+            <p:nvPicPr>
+              <p:cNvPr id="16" name="Entrada de lápiz 15">
+                <a:extLst>
+                  <a:ext uri="{FF2B5EF4-FFF2-40B4-BE49-F238E27FC236}">
+                    <a16:creationId xmlns:a16="http://schemas.microsoft.com/office/drawing/2014/main" id="{F5880C1C-8968-1CB7-C3B5-82290131891D}"/>
+                  </a:ext>
+                </a:extLst>
+              </p:cNvPr>
+              <p:cNvPicPr/>
+              <p:nvPr/>
+            </p:nvPicPr>
+            <p:blipFill>
+              <a:blip r:embed="rId18"/>
+              <a:stretch>
+                <a:fillRect/>
+              </a:stretch>
+            </p:blipFill>
+            <p:spPr>
+              <a:xfrm>
+                <a:off x="5179154" y="2367111"/>
+                <a:ext cx="840240" cy="1239120"/>
+              </a:xfrm>
+              <a:prstGeom prst="rect">
+                <a:avLst/>
+              </a:prstGeom>
+            </p:spPr>
+          </p:pic>
+        </mc:Fallback>
+      </mc:AlternateContent>
+      <mc:AlternateContent xmlns:mc="http://schemas.openxmlformats.org/markup-compatibility/2006">
+        <mc:Choice xmlns:p14="http://schemas.microsoft.com/office/powerpoint/2010/main" Requires="p14">
+          <p:contentPart p14:bwMode="auto" r:id="rId19">
+            <p14:nvContentPartPr>
+              <p14:cNvPr id="17" name="Entrada de lápiz 16">
+                <a:extLst>
+                  <a:ext uri="{FF2B5EF4-FFF2-40B4-BE49-F238E27FC236}">
+                    <a16:creationId xmlns:a16="http://schemas.microsoft.com/office/drawing/2014/main" id="{BBBC7420-3C4B-1D44-93A9-7222F2FB2298}"/>
+                  </a:ext>
+                </a:extLst>
+              </p14:cNvPr>
+              <p14:cNvContentPartPr/>
+              <p14:nvPr/>
+            </p14:nvContentPartPr>
+            <p14:xfrm>
+              <a:off x="4543394" y="4740231"/>
+              <a:ext cx="804240" cy="1108080"/>
+            </p14:xfrm>
+          </p:contentPart>
+        </mc:Choice>
+        <mc:Fallback>
+          <p:pic>
+            <p:nvPicPr>
+              <p:cNvPr id="17" name="Entrada de lápiz 16">
+                <a:extLst>
+                  <a:ext uri="{FF2B5EF4-FFF2-40B4-BE49-F238E27FC236}">
+                    <a16:creationId xmlns:a16="http://schemas.microsoft.com/office/drawing/2014/main" id="{BBBC7420-3C4B-1D44-93A9-7222F2FB2298}"/>
+                  </a:ext>
+                </a:extLst>
+              </p:cNvPr>
+              <p:cNvPicPr/>
+              <p:nvPr/>
+            </p:nvPicPr>
+            <p:blipFill>
+              <a:blip r:embed="rId20"/>
+              <a:stretch>
+                <a:fillRect/>
+              </a:stretch>
+            </p:blipFill>
+            <p:spPr>
+              <a:xfrm>
+                <a:off x="4489394" y="4632591"/>
+                <a:ext cx="911880" cy="1323720"/>
+              </a:xfrm>
+              <a:prstGeom prst="rect">
+                <a:avLst/>
+              </a:prstGeom>
+            </p:spPr>
+          </p:pic>
+        </mc:Fallback>
+      </mc:AlternateContent>
+    </p:spTree>
+    <p:extLst>
+      <p:ext uri="{BB962C8B-B14F-4D97-AF65-F5344CB8AC3E}">
+        <p14:creationId xmlns:p14="http://schemas.microsoft.com/office/powerpoint/2010/main" val="1984896167"/>
+      </p:ext>
+    </p:extLst>
+  </p:cSld>
+  <p:clrMapOvr>
+    <a:masterClrMapping/>
+  </p:clrMapOvr>
+</p:sld>
+</file>
+
+<file path=ppt/slides/slide60.xml><?xml version="1.0" encoding="utf-8"?>
 <p:sld xmlns:a="http://schemas.openxmlformats.org/drawingml/2006/main" xmlns:r="http://schemas.openxmlformats.org/officeDocument/2006/relationships" xmlns:p="http://schemas.openxmlformats.org/presentationml/2006/main">
   <p:cSld>
     <p:spTree>
@@ -10873,97 +11996,7 @@
 </p:sld>
 </file>
 
-<file path=ppt/slides/slide6.xml><?xml version="1.0" encoding="utf-8"?>
-<p:sld xmlns:a="http://schemas.openxmlformats.org/drawingml/2006/main" xmlns:r="http://schemas.openxmlformats.org/officeDocument/2006/relationships" xmlns:p="http://schemas.openxmlformats.org/presentationml/2006/main">
-  <p:cSld>
-    <p:spTree>
-      <p:nvGrpSpPr>
-        <p:cNvPr id="1" name=""/>
-        <p:cNvGrpSpPr/>
-        <p:nvPr/>
-      </p:nvGrpSpPr>
-      <p:grpSpPr>
-        <a:xfrm>
-          <a:off x="0" y="0"/>
-          <a:ext cx="0" cy="0"/>
-          <a:chOff x="0" y="0"/>
-          <a:chExt cx="0" cy="0"/>
-        </a:xfrm>
-      </p:grpSpPr>
-      <p:pic>
-        <p:nvPicPr>
-          <p:cNvPr id="3" name="Imagen 2">
-            <a:extLst>
-              <a:ext uri="{FF2B5EF4-FFF2-40B4-BE49-F238E27FC236}">
-                <a16:creationId xmlns:a16="http://schemas.microsoft.com/office/drawing/2014/main" id="{48A6817A-EAF2-0974-1AA5-3A7AAAE357D9}"/>
-              </a:ext>
-            </a:extLst>
-          </p:cNvPr>
-          <p:cNvPicPr>
-            <a:picLocks noChangeAspect="1"/>
-          </p:cNvPicPr>
-          <p:nvPr/>
-        </p:nvPicPr>
-        <p:blipFill>
-          <a:blip r:embed="rId2"/>
-          <a:stretch>
-            <a:fillRect/>
-          </a:stretch>
-        </p:blipFill>
-        <p:spPr>
-          <a:xfrm>
-            <a:off x="846275" y="1185676"/>
-            <a:ext cx="4544749" cy="3400391"/>
-          </a:xfrm>
-          <a:prstGeom prst="rect">
-            <a:avLst/>
-          </a:prstGeom>
-        </p:spPr>
-      </p:pic>
-      <p:pic>
-        <p:nvPicPr>
-          <p:cNvPr id="5" name="Imagen 4">
-            <a:extLst>
-              <a:ext uri="{FF2B5EF4-FFF2-40B4-BE49-F238E27FC236}">
-                <a16:creationId xmlns:a16="http://schemas.microsoft.com/office/drawing/2014/main" id="{3DF7ACA8-BB1C-3D41-6D09-A3DECE81F86D}"/>
-              </a:ext>
-            </a:extLst>
-          </p:cNvPr>
-          <p:cNvPicPr>
-            <a:picLocks noChangeAspect="1"/>
-          </p:cNvPicPr>
-          <p:nvPr/>
-        </p:nvPicPr>
-        <p:blipFill>
-          <a:blip r:embed="rId3"/>
-          <a:stretch>
-            <a:fillRect/>
-          </a:stretch>
-        </p:blipFill>
-        <p:spPr>
-          <a:xfrm>
-            <a:off x="6521101" y="1083978"/>
-            <a:ext cx="3368486" cy="4690044"/>
-          </a:xfrm>
-          <a:prstGeom prst="rect">
-            <a:avLst/>
-          </a:prstGeom>
-        </p:spPr>
-      </p:pic>
-    </p:spTree>
-    <p:extLst>
-      <p:ext uri="{BB962C8B-B14F-4D97-AF65-F5344CB8AC3E}">
-        <p14:creationId xmlns:p14="http://schemas.microsoft.com/office/powerpoint/2010/main" val="1984896167"/>
-      </p:ext>
-    </p:extLst>
-  </p:cSld>
-  <p:clrMapOvr>
-    <a:masterClrMapping/>
-  </p:clrMapOvr>
-</p:sld>
-</file>
-
-<file path=ppt/slides/slide60.xml><?xml version="1.0" encoding="utf-8"?>
+<file path=ppt/slides/slide61.xml><?xml version="1.0" encoding="utf-8"?>
 <p:sld xmlns:a="http://schemas.openxmlformats.org/drawingml/2006/main" xmlns:r="http://schemas.openxmlformats.org/officeDocument/2006/relationships" xmlns:p="http://schemas.openxmlformats.org/presentationml/2006/main">
   <p:cSld>
     <p:spTree>
@@ -11023,7 +12056,7 @@
 </p:sld>
 </file>
 
-<file path=ppt/slides/slide61.xml><?xml version="1.0" encoding="utf-8"?>
+<file path=ppt/slides/slide62.xml><?xml version="1.0" encoding="utf-8"?>
 <p:sld xmlns:a="http://schemas.openxmlformats.org/drawingml/2006/main" xmlns:r="http://schemas.openxmlformats.org/officeDocument/2006/relationships" xmlns:p="http://schemas.openxmlformats.org/presentationml/2006/main">
   <p:cSld>
     <p:spTree>
@@ -11083,7 +12116,7 @@
 </p:sld>
 </file>
 
-<file path=ppt/slides/slide62.xml><?xml version="1.0" encoding="utf-8"?>
+<file path=ppt/slides/slide63.xml><?xml version="1.0" encoding="utf-8"?>
 <p:sld xmlns:a="http://schemas.openxmlformats.org/drawingml/2006/main" xmlns:r="http://schemas.openxmlformats.org/officeDocument/2006/relationships" xmlns:p="http://schemas.openxmlformats.org/presentationml/2006/main">
   <p:cSld>
     <p:spTree>
@@ -11143,7 +12176,7 @@
 </p:sld>
 </file>
 
-<file path=ppt/slides/slide63.xml><?xml version="1.0" encoding="utf-8"?>
+<file path=ppt/slides/slide64.xml><?xml version="1.0" encoding="utf-8"?>
 <p:sld xmlns:a="http://schemas.openxmlformats.org/drawingml/2006/main" xmlns:r="http://schemas.openxmlformats.org/officeDocument/2006/relationships" xmlns:p="http://schemas.openxmlformats.org/presentationml/2006/main">
   <p:cSld>
     <p:spTree>
@@ -11203,7 +12236,7 @@
 </p:sld>
 </file>
 
-<file path=ppt/slides/slide64.xml><?xml version="1.0" encoding="utf-8"?>
+<file path=ppt/slides/slide65.xml><?xml version="1.0" encoding="utf-8"?>
 <p:sld xmlns:a="http://schemas.openxmlformats.org/drawingml/2006/main" xmlns:r="http://schemas.openxmlformats.org/officeDocument/2006/relationships" xmlns:p="http://schemas.openxmlformats.org/presentationml/2006/main">
   <p:cSld>
     <p:spTree>
@@ -11263,7 +12296,7 @@
 </p:sld>
 </file>
 
-<file path=ppt/slides/slide65.xml><?xml version="1.0" encoding="utf-8"?>
+<file path=ppt/slides/slide66.xml><?xml version="1.0" encoding="utf-8"?>
 <p:sld xmlns:a="http://schemas.openxmlformats.org/drawingml/2006/main" xmlns:r="http://schemas.openxmlformats.org/officeDocument/2006/relationships" xmlns:p="http://schemas.openxmlformats.org/presentationml/2006/main">
   <p:cSld>
     <p:spTree>
@@ -11353,7 +12386,7 @@
 </p:sld>
 </file>
 
-<file path=ppt/slides/slide66.xml><?xml version="1.0" encoding="utf-8"?>
+<file path=ppt/slides/slide67.xml><?xml version="1.0" encoding="utf-8"?>
 <p:sld xmlns:a="http://schemas.openxmlformats.org/drawingml/2006/main" xmlns:r="http://schemas.openxmlformats.org/officeDocument/2006/relationships" xmlns:p="http://schemas.openxmlformats.org/presentationml/2006/main">
   <p:cSld>
     <p:spTree>
@@ -11515,7 +12548,7 @@
 </p:sld>
 </file>
 
-<file path=ppt/slides/slide67.xml><?xml version="1.0" encoding="utf-8"?>
+<file path=ppt/slides/slide68.xml><?xml version="1.0" encoding="utf-8"?>
 <p:sld xmlns:a="http://schemas.openxmlformats.org/drawingml/2006/main" xmlns:r="http://schemas.openxmlformats.org/officeDocument/2006/relationships" xmlns:p="http://schemas.openxmlformats.org/presentationml/2006/main">
   <p:cSld>
     <p:spTree>
@@ -11932,7 +12965,7 @@
 </p:sld>
 </file>
 
-<file path=ppt/slides/slide68.xml><?xml version="1.0" encoding="utf-8"?>
+<file path=ppt/slides/slide69.xml><?xml version="1.0" encoding="utf-8"?>
 <p:sld xmlns:a="http://schemas.openxmlformats.org/drawingml/2006/main" xmlns:r="http://schemas.openxmlformats.org/officeDocument/2006/relationships" xmlns:p="http://schemas.openxmlformats.org/presentationml/2006/main">
   <p:cSld>
     <p:spTree>
@@ -11998,66 +13031,6 @@
 </p:sld>
 </file>
 
-<file path=ppt/slides/slide69.xml><?xml version="1.0" encoding="utf-8"?>
-<p:sld xmlns:a="http://schemas.openxmlformats.org/drawingml/2006/main" xmlns:r="http://schemas.openxmlformats.org/officeDocument/2006/relationships" xmlns:p="http://schemas.openxmlformats.org/presentationml/2006/main">
-  <p:cSld>
-    <p:spTree>
-      <p:nvGrpSpPr>
-        <p:cNvPr id="1" name=""/>
-        <p:cNvGrpSpPr/>
-        <p:nvPr/>
-      </p:nvGrpSpPr>
-      <p:grpSpPr>
-        <a:xfrm>
-          <a:off x="0" y="0"/>
-          <a:ext cx="0" cy="0"/>
-          <a:chOff x="0" y="0"/>
-          <a:chExt cx="0" cy="0"/>
-        </a:xfrm>
-      </p:grpSpPr>
-      <p:pic>
-        <p:nvPicPr>
-          <p:cNvPr id="3" name="Imagen 2">
-            <a:extLst>
-              <a:ext uri="{FF2B5EF4-FFF2-40B4-BE49-F238E27FC236}">
-                <a16:creationId xmlns:a16="http://schemas.microsoft.com/office/drawing/2014/main" id="{C484D648-1A4D-EBEB-873D-DCFC3EE2D3D3}"/>
-              </a:ext>
-            </a:extLst>
-          </p:cNvPr>
-          <p:cNvPicPr>
-            <a:picLocks noChangeAspect="1"/>
-          </p:cNvPicPr>
-          <p:nvPr/>
-        </p:nvPicPr>
-        <p:blipFill>
-          <a:blip r:embed="rId2"/>
-          <a:stretch>
-            <a:fillRect/>
-          </a:stretch>
-        </p:blipFill>
-        <p:spPr>
-          <a:xfrm>
-            <a:off x="4024034" y="474623"/>
-            <a:ext cx="2934109" cy="5458587"/>
-          </a:xfrm>
-          <a:prstGeom prst="rect">
-            <a:avLst/>
-          </a:prstGeom>
-        </p:spPr>
-      </p:pic>
-    </p:spTree>
-    <p:extLst>
-      <p:ext uri="{BB962C8B-B14F-4D97-AF65-F5344CB8AC3E}">
-        <p14:creationId xmlns:p14="http://schemas.microsoft.com/office/powerpoint/2010/main" val="3535619938"/>
-      </p:ext>
-    </p:extLst>
-  </p:cSld>
-  <p:clrMapOvr>
-    <a:masterClrMapping/>
-  </p:clrMapOvr>
-</p:sld>
-</file>
-
 <file path=ppt/slides/slide7.xml><?xml version="1.0" encoding="utf-8"?>
 <p:sld xmlns:a="http://schemas.openxmlformats.org/drawingml/2006/main" xmlns:r="http://schemas.openxmlformats.org/officeDocument/2006/relationships" xmlns:p="http://schemas.openxmlformats.org/presentationml/2006/main">
   <p:cSld>
@@ -12097,7 +13070,7 @@
         </p:blipFill>
         <p:spPr>
           <a:xfrm>
-            <a:off x="2909443" y="705143"/>
+            <a:off x="616409" y="705143"/>
             <a:ext cx="5111529" cy="5447714"/>
           </a:xfrm>
           <a:prstGeom prst="rect">
@@ -12105,8 +13078,8 @@
           </a:prstGeom>
         </p:spPr>
       </p:pic>
-      <mc:AlternateContent xmlns:mc="http://schemas.openxmlformats.org/markup-compatibility/2006" xmlns:p14="http://schemas.microsoft.com/office/powerpoint/2010/main">
-        <mc:Choice Requires="p14">
+      <mc:AlternateContent xmlns:mc="http://schemas.openxmlformats.org/markup-compatibility/2006">
+        <mc:Choice xmlns:p14="http://schemas.microsoft.com/office/powerpoint/2010/main" Requires="p14">
           <p:contentPart p14:bwMode="auto" r:id="rId3">
             <p14:nvContentPartPr>
               <p14:cNvPr id="4" name="Entrada de lápiz 3">
@@ -12120,12 +13093,12 @@
               <p14:nvPr/>
             </p14:nvContentPartPr>
             <p14:xfrm>
-              <a:off x="3699554" y="1336348"/>
+              <a:off x="1406520" y="1336348"/>
               <a:ext cx="2523600" cy="98640"/>
             </p14:xfrm>
           </p:contentPart>
         </mc:Choice>
-        <mc:Fallback xmlns="">
+        <mc:Fallback>
           <p:pic>
             <p:nvPicPr>
               <p:cNvPr id="4" name="Entrada de lápiz 3">
@@ -12146,8 +13119,8 @@
             </p:blipFill>
             <p:spPr>
               <a:xfrm>
-                <a:off x="3645914" y="1228348"/>
-                <a:ext cx="2631240" cy="314280"/>
+                <a:off x="1352512" y="1228348"/>
+                <a:ext cx="2631255" cy="314280"/>
               </a:xfrm>
               <a:prstGeom prst="rect">
                 <a:avLst/>
@@ -12156,8 +13129,8 @@
           </p:pic>
         </mc:Fallback>
       </mc:AlternateContent>
-      <mc:AlternateContent xmlns:mc="http://schemas.openxmlformats.org/markup-compatibility/2006" xmlns:p14="http://schemas.microsoft.com/office/powerpoint/2010/main">
-        <mc:Choice Requires="p14">
+      <mc:AlternateContent xmlns:mc="http://schemas.openxmlformats.org/markup-compatibility/2006">
+        <mc:Choice xmlns:p14="http://schemas.microsoft.com/office/powerpoint/2010/main" Requires="p14">
           <p:contentPart p14:bwMode="auto" r:id="rId5">
             <p14:nvContentPartPr>
               <p14:cNvPr id="5" name="Entrada de lápiz 4">
@@ -12171,12 +13144,12 @@
               <p14:nvPr/>
             </p14:nvContentPartPr>
             <p14:xfrm>
-              <a:off x="5948114" y="946108"/>
+              <a:off x="3655080" y="946108"/>
               <a:ext cx="762480" cy="249840"/>
             </p14:xfrm>
           </p:contentPart>
         </mc:Choice>
-        <mc:Fallback xmlns="">
+        <mc:Fallback>
           <p:pic>
             <p:nvPicPr>
               <p:cNvPr id="5" name="Entrada de lápiz 4">
@@ -12197,7 +13170,7 @@
             </p:blipFill>
             <p:spPr>
               <a:xfrm>
-                <a:off x="5894114" y="838108"/>
+                <a:off x="3601080" y="838108"/>
                 <a:ext cx="870120" cy="465480"/>
               </a:xfrm>
               <a:prstGeom prst="rect">
@@ -12207,8 +13180,8 @@
           </p:pic>
         </mc:Fallback>
       </mc:AlternateContent>
-      <mc:AlternateContent xmlns:mc="http://schemas.openxmlformats.org/markup-compatibility/2006" xmlns:p14="http://schemas.microsoft.com/office/powerpoint/2010/main">
-        <mc:Choice Requires="p14">
+      <mc:AlternateContent xmlns:mc="http://schemas.openxmlformats.org/markup-compatibility/2006">
+        <mc:Choice xmlns:p14="http://schemas.microsoft.com/office/powerpoint/2010/main" Requires="p14">
           <p:contentPart p14:bwMode="auto" r:id="rId7">
             <p14:nvContentPartPr>
               <p14:cNvPr id="6" name="Entrada de lápiz 5">
@@ -12222,12 +13195,12 @@
               <p14:nvPr/>
             </p14:nvContentPartPr>
             <p14:xfrm>
-              <a:off x="4149554" y="1697068"/>
+              <a:off x="1856520" y="1697068"/>
               <a:ext cx="2805840" cy="4326840"/>
             </p14:xfrm>
           </p:contentPart>
         </mc:Choice>
-        <mc:Fallback xmlns="">
+        <mc:Fallback>
           <p:pic>
             <p:nvPicPr>
               <p:cNvPr id="6" name="Entrada de lápiz 5">
@@ -12248,7 +13221,7 @@
             </p:blipFill>
             <p:spPr>
               <a:xfrm>
-                <a:off x="4095554" y="1589068"/>
+                <a:off x="1802520" y="1589068"/>
                 <a:ext cx="2913480" cy="4542480"/>
               </a:xfrm>
               <a:prstGeom prst="rect">
@@ -12272,7 +13245,7 @@
         </p:nvSpPr>
         <p:spPr>
           <a:xfrm>
-            <a:off x="3874541" y="1697068"/>
+            <a:off x="1581507" y="1697068"/>
             <a:ext cx="4909625" cy="369332"/>
           </a:xfrm>
           <a:prstGeom prst="rect">
@@ -12337,6 +13310,66 @@
           <p:cNvPr id="3" name="Imagen 2">
             <a:extLst>
               <a:ext uri="{FF2B5EF4-FFF2-40B4-BE49-F238E27FC236}">
+                <a16:creationId xmlns:a16="http://schemas.microsoft.com/office/drawing/2014/main" id="{C484D648-1A4D-EBEB-873D-DCFC3EE2D3D3}"/>
+              </a:ext>
+            </a:extLst>
+          </p:cNvPr>
+          <p:cNvPicPr>
+            <a:picLocks noChangeAspect="1"/>
+          </p:cNvPicPr>
+          <p:nvPr/>
+        </p:nvPicPr>
+        <p:blipFill>
+          <a:blip r:embed="rId2"/>
+          <a:stretch>
+            <a:fillRect/>
+          </a:stretch>
+        </p:blipFill>
+        <p:spPr>
+          <a:xfrm>
+            <a:off x="4024034" y="474623"/>
+            <a:ext cx="2934109" cy="5458587"/>
+          </a:xfrm>
+          <a:prstGeom prst="rect">
+            <a:avLst/>
+          </a:prstGeom>
+        </p:spPr>
+      </p:pic>
+    </p:spTree>
+    <p:extLst>
+      <p:ext uri="{BB962C8B-B14F-4D97-AF65-F5344CB8AC3E}">
+        <p14:creationId xmlns:p14="http://schemas.microsoft.com/office/powerpoint/2010/main" val="3535619938"/>
+      </p:ext>
+    </p:extLst>
+  </p:cSld>
+  <p:clrMapOvr>
+    <a:masterClrMapping/>
+  </p:clrMapOvr>
+</p:sld>
+</file>
+
+<file path=ppt/slides/slide71.xml><?xml version="1.0" encoding="utf-8"?>
+<p:sld xmlns:a="http://schemas.openxmlformats.org/drawingml/2006/main" xmlns:r="http://schemas.openxmlformats.org/officeDocument/2006/relationships" xmlns:p="http://schemas.openxmlformats.org/presentationml/2006/main">
+  <p:cSld>
+    <p:spTree>
+      <p:nvGrpSpPr>
+        <p:cNvPr id="1" name=""/>
+        <p:cNvGrpSpPr/>
+        <p:nvPr/>
+      </p:nvGrpSpPr>
+      <p:grpSpPr>
+        <a:xfrm>
+          <a:off x="0" y="0"/>
+          <a:ext cx="0" cy="0"/>
+          <a:chOff x="0" y="0"/>
+          <a:chExt cx="0" cy="0"/>
+        </a:xfrm>
+      </p:grpSpPr>
+      <p:pic>
+        <p:nvPicPr>
+          <p:cNvPr id="3" name="Imagen 2">
+            <a:extLst>
+              <a:ext uri="{FF2B5EF4-FFF2-40B4-BE49-F238E27FC236}">
                 <a16:creationId xmlns:a16="http://schemas.microsoft.com/office/drawing/2014/main" id="{13F6902D-6A47-E500-0C73-81D36F741982}"/>
               </a:ext>
             </a:extLst>
@@ -12375,7 +13408,7 @@
 </p:sld>
 </file>
 
-<file path=ppt/slides/slide71.xml><?xml version="1.0" encoding="utf-8"?>
+<file path=ppt/slides/slide72.xml><?xml version="1.0" encoding="utf-8"?>
 <p:sld xmlns:a="http://schemas.openxmlformats.org/drawingml/2006/main" xmlns:r="http://schemas.openxmlformats.org/officeDocument/2006/relationships" xmlns:p="http://schemas.openxmlformats.org/presentationml/2006/main">
   <p:cSld>
     <p:spTree>
@@ -12435,7 +13468,7 @@
 </p:sld>
 </file>
 
-<file path=ppt/slides/slide72.xml><?xml version="1.0" encoding="utf-8"?>
+<file path=ppt/slides/slide73.xml><?xml version="1.0" encoding="utf-8"?>
 <p:sld xmlns:a="http://schemas.openxmlformats.org/drawingml/2006/main" xmlns:r="http://schemas.openxmlformats.org/officeDocument/2006/relationships" xmlns:p="http://schemas.openxmlformats.org/presentationml/2006/main">
   <p:cSld>
     <p:spTree>
@@ -12597,7 +13630,7 @@
 </p:sld>
 </file>
 
-<file path=ppt/slides/slide73.xml><?xml version="1.0" encoding="utf-8"?>
+<file path=ppt/slides/slide74.xml><?xml version="1.0" encoding="utf-8"?>
 <p:sld xmlns:a="http://schemas.openxmlformats.org/drawingml/2006/main" xmlns:r="http://schemas.openxmlformats.org/officeDocument/2006/relationships" xmlns:p="http://schemas.openxmlformats.org/presentationml/2006/main">
   <p:cSld>
     <p:spTree>
@@ -12657,7 +13690,7 @@
 </p:sld>
 </file>
 
-<file path=ppt/slides/slide74.xml><?xml version="1.0" encoding="utf-8"?>
+<file path=ppt/slides/slide75.xml><?xml version="1.0" encoding="utf-8"?>
 <p:sld xmlns:a="http://schemas.openxmlformats.org/drawingml/2006/main" xmlns:r="http://schemas.openxmlformats.org/officeDocument/2006/relationships" xmlns:p="http://schemas.openxmlformats.org/presentationml/2006/main">
   <p:cSld>
     <p:spTree>
@@ -12819,7 +13852,7 @@
 </p:sld>
 </file>
 
-<file path=ppt/slides/slide75.xml><?xml version="1.0" encoding="utf-8"?>
+<file path=ppt/slides/slide76.xml><?xml version="1.0" encoding="utf-8"?>
 <p:sld xmlns:a="http://schemas.openxmlformats.org/drawingml/2006/main" xmlns:r="http://schemas.openxmlformats.org/officeDocument/2006/relationships" xmlns:p="http://schemas.openxmlformats.org/presentationml/2006/main">
   <p:cSld>
     <p:spTree>
@@ -13083,7 +14116,7 @@
 </p:sld>
 </file>
 
-<file path=ppt/slides/slide76.xml><?xml version="1.0" encoding="utf-8"?>
+<file path=ppt/slides/slide77.xml><?xml version="1.0" encoding="utf-8"?>
 <p:sld xmlns:a="http://schemas.openxmlformats.org/drawingml/2006/main" xmlns:r="http://schemas.openxmlformats.org/officeDocument/2006/relationships" xmlns:p="http://schemas.openxmlformats.org/presentationml/2006/main">
   <p:cSld>
     <p:spTree>
@@ -13194,7 +14227,7 @@
 </p:sld>
 </file>
 
-<file path=ppt/slides/slide77.xml><?xml version="1.0" encoding="utf-8"?>
+<file path=ppt/slides/slide78.xml><?xml version="1.0" encoding="utf-8"?>
 <p:sld xmlns:a="http://schemas.openxmlformats.org/drawingml/2006/main" xmlns:r="http://schemas.openxmlformats.org/officeDocument/2006/relationships" xmlns:p="http://schemas.openxmlformats.org/presentationml/2006/main">
   <p:cSld>
     <p:spTree>
@@ -13340,7 +14373,7 @@
 </p:sld>
 </file>
 
-<file path=ppt/slides/slide78.xml><?xml version="1.0" encoding="utf-8"?>
+<file path=ppt/slides/slide79.xml><?xml version="1.0" encoding="utf-8"?>
 <p:sld xmlns:a="http://schemas.openxmlformats.org/drawingml/2006/main" xmlns:r="http://schemas.openxmlformats.org/officeDocument/2006/relationships" xmlns:p="http://schemas.openxmlformats.org/presentationml/2006/main">
   <p:cSld>
     <p:spTree>
@@ -13451,7 +14484,255 @@
 </p:sld>
 </file>
 
-<file path=ppt/slides/slide79.xml><?xml version="1.0" encoding="utf-8"?>
+<file path=ppt/slides/slide8.xml><?xml version="1.0" encoding="utf-8"?>
+<p:sld xmlns:a="http://schemas.openxmlformats.org/drawingml/2006/main" xmlns:r="http://schemas.openxmlformats.org/officeDocument/2006/relationships" xmlns:p="http://schemas.openxmlformats.org/presentationml/2006/main">
+  <p:cSld>
+    <p:spTree>
+      <p:nvGrpSpPr>
+        <p:cNvPr id="1" name=""/>
+        <p:cNvGrpSpPr/>
+        <p:nvPr/>
+      </p:nvGrpSpPr>
+      <p:grpSpPr>
+        <a:xfrm>
+          <a:off x="0" y="0"/>
+          <a:ext cx="0" cy="0"/>
+          <a:chOff x="0" y="0"/>
+          <a:chExt cx="0" cy="0"/>
+        </a:xfrm>
+      </p:grpSpPr>
+      <p:pic>
+        <p:nvPicPr>
+          <p:cNvPr id="13" name="Imagen 12">
+            <a:extLst>
+              <a:ext uri="{FF2B5EF4-FFF2-40B4-BE49-F238E27FC236}">
+                <a16:creationId xmlns:a16="http://schemas.microsoft.com/office/drawing/2014/main" id="{7787CAF4-FDB6-9F83-489C-1B927A2F6D43}"/>
+              </a:ext>
+            </a:extLst>
+          </p:cNvPr>
+          <p:cNvPicPr>
+            <a:picLocks noChangeAspect="1"/>
+          </p:cNvPicPr>
+          <p:nvPr/>
+        </p:nvPicPr>
+        <p:blipFill>
+          <a:blip r:embed="rId2"/>
+          <a:stretch>
+            <a:fillRect/>
+          </a:stretch>
+        </p:blipFill>
+        <p:spPr>
+          <a:xfrm>
+            <a:off x="1136098" y="1543768"/>
+            <a:ext cx="9119250" cy="4648871"/>
+          </a:xfrm>
+          <a:prstGeom prst="rect">
+            <a:avLst/>
+          </a:prstGeom>
+        </p:spPr>
+      </p:pic>
+      <p:sp>
+        <p:nvSpPr>
+          <p:cNvPr id="3" name="CuadroTexto 2">
+            <a:extLst>
+              <a:ext uri="{FF2B5EF4-FFF2-40B4-BE49-F238E27FC236}">
+                <a16:creationId xmlns:a16="http://schemas.microsoft.com/office/drawing/2014/main" id="{FB9C873A-DF86-6E88-3A31-7FF782F0A20F}"/>
+              </a:ext>
+            </a:extLst>
+          </p:cNvPr>
+          <p:cNvSpPr txBox="1"/>
+          <p:nvPr/>
+        </p:nvSpPr>
+        <p:spPr>
+          <a:xfrm>
+            <a:off x="2996418" y="508345"/>
+            <a:ext cx="4614204" cy="646331"/>
+          </a:xfrm>
+          <a:prstGeom prst="rect">
+            <a:avLst/>
+          </a:prstGeom>
+          <a:noFill/>
+        </p:spPr>
+        <p:txBody>
+          <a:bodyPr wrap="square" rtlCol="0">
+            <a:spAutoFit/>
+          </a:bodyPr>
+          <a:lstStyle/>
+          <a:p>
+            <a:r>
+              <a:rPr lang="es-GT" dirty="0"/>
+              <a:t>Son elementos Shell se pueden seleccionar las losas de una vez</a:t>
+            </a:r>
+          </a:p>
+        </p:txBody>
+      </p:sp>
+      <mc:AlternateContent xmlns:mc="http://schemas.openxmlformats.org/markup-compatibility/2006">
+        <mc:Choice xmlns:p14="http://schemas.microsoft.com/office/powerpoint/2010/main" Requires="p14">
+          <p:contentPart p14:bwMode="auto" r:id="rId3">
+            <p14:nvContentPartPr>
+              <p14:cNvPr id="4" name="Entrada de lápiz 3">
+                <a:extLst>
+                  <a:ext uri="{FF2B5EF4-FFF2-40B4-BE49-F238E27FC236}">
+                    <a16:creationId xmlns:a16="http://schemas.microsoft.com/office/drawing/2014/main" id="{A34317ED-F0EB-4892-AD70-9F1938ACAF15}"/>
+                  </a:ext>
+                </a:extLst>
+              </p14:cNvPr>
+              <p14:cNvContentPartPr/>
+              <p14:nvPr/>
+            </p14:nvContentPartPr>
+            <p14:xfrm>
+              <a:off x="1547474" y="2272791"/>
+              <a:ext cx="1043280" cy="162360"/>
+            </p14:xfrm>
+          </p:contentPart>
+        </mc:Choice>
+        <mc:Fallback>
+          <p:pic>
+            <p:nvPicPr>
+              <p:cNvPr id="4" name="Entrada de lápiz 3">
+                <a:extLst>
+                  <a:ext uri="{FF2B5EF4-FFF2-40B4-BE49-F238E27FC236}">
+                    <a16:creationId xmlns:a16="http://schemas.microsoft.com/office/drawing/2014/main" id="{A34317ED-F0EB-4892-AD70-9F1938ACAF15}"/>
+                  </a:ext>
+                </a:extLst>
+              </p:cNvPr>
+              <p:cNvPicPr/>
+              <p:nvPr/>
+            </p:nvPicPr>
+            <p:blipFill>
+              <a:blip r:embed="rId4"/>
+              <a:stretch>
+                <a:fillRect/>
+              </a:stretch>
+            </p:blipFill>
+            <p:spPr>
+              <a:xfrm>
+                <a:off x="1493834" y="2165151"/>
+                <a:ext cx="1150920" cy="378000"/>
+              </a:xfrm>
+              <a:prstGeom prst="rect">
+                <a:avLst/>
+              </a:prstGeom>
+            </p:spPr>
+          </p:pic>
+        </mc:Fallback>
+      </mc:AlternateContent>
+      <mc:AlternateContent xmlns:mc="http://schemas.openxmlformats.org/markup-compatibility/2006">
+        <mc:Choice xmlns:p14="http://schemas.microsoft.com/office/powerpoint/2010/main" Requires="p14">
+          <p:contentPart p14:bwMode="auto" r:id="rId5">
+            <p14:nvContentPartPr>
+              <p14:cNvPr id="5" name="Entrada de lápiz 4">
+                <a:extLst>
+                  <a:ext uri="{FF2B5EF4-FFF2-40B4-BE49-F238E27FC236}">
+                    <a16:creationId xmlns:a16="http://schemas.microsoft.com/office/drawing/2014/main" id="{DB6E4601-6B4A-13AF-C826-0C6728371A53}"/>
+                  </a:ext>
+                </a:extLst>
+              </p14:cNvPr>
+              <p14:cNvContentPartPr/>
+              <p14:nvPr/>
+            </p14:nvContentPartPr>
+            <p14:xfrm>
+              <a:off x="2907914" y="5028231"/>
+              <a:ext cx="631800" cy="195480"/>
+            </p14:xfrm>
+          </p:contentPart>
+        </mc:Choice>
+        <mc:Fallback>
+          <p:pic>
+            <p:nvPicPr>
+              <p:cNvPr id="5" name="Entrada de lápiz 4">
+                <a:extLst>
+                  <a:ext uri="{FF2B5EF4-FFF2-40B4-BE49-F238E27FC236}">
+                    <a16:creationId xmlns:a16="http://schemas.microsoft.com/office/drawing/2014/main" id="{DB6E4601-6B4A-13AF-C826-0C6728371A53}"/>
+                  </a:ext>
+                </a:extLst>
+              </p:cNvPr>
+              <p:cNvPicPr/>
+              <p:nvPr/>
+            </p:nvPicPr>
+            <p:blipFill>
+              <a:blip r:embed="rId6"/>
+              <a:stretch>
+                <a:fillRect/>
+              </a:stretch>
+            </p:blipFill>
+            <p:spPr>
+              <a:xfrm>
+                <a:off x="2854274" y="4920231"/>
+                <a:ext cx="739440" cy="411120"/>
+              </a:xfrm>
+              <a:prstGeom prst="rect">
+                <a:avLst/>
+              </a:prstGeom>
+            </p:spPr>
+          </p:pic>
+        </mc:Fallback>
+      </mc:AlternateContent>
+      <mc:AlternateContent xmlns:mc="http://schemas.openxmlformats.org/markup-compatibility/2006">
+        <mc:Choice xmlns:p14="http://schemas.microsoft.com/office/powerpoint/2010/main" Requires="p14">
+          <p:contentPart p14:bwMode="auto" r:id="rId7">
+            <p14:nvContentPartPr>
+              <p14:cNvPr id="6" name="Entrada de lápiz 5">
+                <a:extLst>
+                  <a:ext uri="{FF2B5EF4-FFF2-40B4-BE49-F238E27FC236}">
+                    <a16:creationId xmlns:a16="http://schemas.microsoft.com/office/drawing/2014/main" id="{8FD4D68B-CC27-AC95-B014-440B15820FC2}"/>
+                  </a:ext>
+                </a:extLst>
+              </p14:cNvPr>
+              <p14:cNvContentPartPr/>
+              <p14:nvPr/>
+            </p14:nvContentPartPr>
+            <p14:xfrm>
+              <a:off x="3760034" y="2080191"/>
+              <a:ext cx="6665040" cy="4318920"/>
+            </p14:xfrm>
+          </p:contentPart>
+        </mc:Choice>
+        <mc:Fallback>
+          <p:pic>
+            <p:nvPicPr>
+              <p:cNvPr id="6" name="Entrada de lápiz 5">
+                <a:extLst>
+                  <a:ext uri="{FF2B5EF4-FFF2-40B4-BE49-F238E27FC236}">
+                    <a16:creationId xmlns:a16="http://schemas.microsoft.com/office/drawing/2014/main" id="{8FD4D68B-CC27-AC95-B014-440B15820FC2}"/>
+                  </a:ext>
+                </a:extLst>
+              </p:cNvPr>
+              <p:cNvPicPr/>
+              <p:nvPr/>
+            </p:nvPicPr>
+            <p:blipFill>
+              <a:blip r:embed="rId8"/>
+              <a:stretch>
+                <a:fillRect/>
+              </a:stretch>
+            </p:blipFill>
+            <p:spPr>
+              <a:xfrm>
+                <a:off x="3706034" y="1972191"/>
+                <a:ext cx="6772680" cy="4534560"/>
+              </a:xfrm>
+              <a:prstGeom prst="rect">
+                <a:avLst/>
+              </a:prstGeom>
+            </p:spPr>
+          </p:pic>
+        </mc:Fallback>
+      </mc:AlternateContent>
+    </p:spTree>
+    <p:extLst>
+      <p:ext uri="{BB962C8B-B14F-4D97-AF65-F5344CB8AC3E}">
+        <p14:creationId xmlns:p14="http://schemas.microsoft.com/office/powerpoint/2010/main" val="1885691217"/>
+      </p:ext>
+    </p:extLst>
+  </p:cSld>
+  <p:clrMapOvr>
+    <a:masterClrMapping/>
+  </p:clrMapOvr>
+</p:sld>
+</file>
+
+<file path=ppt/slides/slide80.xml><?xml version="1.0" encoding="utf-8"?>
 <p:sld xmlns:a="http://schemas.openxmlformats.org/drawingml/2006/main" xmlns:r="http://schemas.openxmlformats.org/officeDocument/2006/relationships" xmlns:p="http://schemas.openxmlformats.org/presentationml/2006/main">
   <p:cSld>
     <p:spTree>
@@ -13511,67 +14792,7 @@
 </p:sld>
 </file>
 
-<file path=ppt/slides/slide8.xml><?xml version="1.0" encoding="utf-8"?>
-<p:sld xmlns:a="http://schemas.openxmlformats.org/drawingml/2006/main" xmlns:r="http://schemas.openxmlformats.org/officeDocument/2006/relationships" xmlns:p="http://schemas.openxmlformats.org/presentationml/2006/main">
-  <p:cSld>
-    <p:spTree>
-      <p:nvGrpSpPr>
-        <p:cNvPr id="1" name=""/>
-        <p:cNvGrpSpPr/>
-        <p:nvPr/>
-      </p:nvGrpSpPr>
-      <p:grpSpPr>
-        <a:xfrm>
-          <a:off x="0" y="0"/>
-          <a:ext cx="0" cy="0"/>
-          <a:chOff x="0" y="0"/>
-          <a:chExt cx="0" cy="0"/>
-        </a:xfrm>
-      </p:grpSpPr>
-      <p:pic>
-        <p:nvPicPr>
-          <p:cNvPr id="3" name="Imagen 2">
-            <a:extLst>
-              <a:ext uri="{FF2B5EF4-FFF2-40B4-BE49-F238E27FC236}">
-                <a16:creationId xmlns:a16="http://schemas.microsoft.com/office/drawing/2014/main" id="{049319A6-3E2C-32C6-1BAF-12FB44DD12D1}"/>
-              </a:ext>
-            </a:extLst>
-          </p:cNvPr>
-          <p:cNvPicPr>
-            <a:picLocks noChangeAspect="1"/>
-          </p:cNvPicPr>
-          <p:nvPr/>
-        </p:nvPicPr>
-        <p:blipFill>
-          <a:blip r:embed="rId2"/>
-          <a:stretch>
-            <a:fillRect/>
-          </a:stretch>
-        </p:blipFill>
-        <p:spPr>
-          <a:xfrm>
-            <a:off x="1058357" y="627710"/>
-            <a:ext cx="8640381" cy="5068007"/>
-          </a:xfrm>
-          <a:prstGeom prst="rect">
-            <a:avLst/>
-          </a:prstGeom>
-        </p:spPr>
-      </p:pic>
-    </p:spTree>
-    <p:extLst>
-      <p:ext uri="{BB962C8B-B14F-4D97-AF65-F5344CB8AC3E}">
-        <p14:creationId xmlns:p14="http://schemas.microsoft.com/office/powerpoint/2010/main" val="3072803109"/>
-      </p:ext>
-    </p:extLst>
-  </p:cSld>
-  <p:clrMapOvr>
-    <a:masterClrMapping/>
-  </p:clrMapOvr>
-</p:sld>
-</file>
-
-<file path=ppt/slides/slide80.xml><?xml version="1.0" encoding="utf-8"?>
+<file path=ppt/slides/slide81.xml><?xml version="1.0" encoding="utf-8"?>
 <p:sld xmlns:a="http://schemas.openxmlformats.org/drawingml/2006/main" xmlns:r="http://schemas.openxmlformats.org/officeDocument/2006/relationships" xmlns:p="http://schemas.openxmlformats.org/presentationml/2006/main">
   <p:cSld>
     <p:spTree>
@@ -13631,7 +14852,7 @@
 </p:sld>
 </file>
 
-<file path=ppt/slides/slide81.xml><?xml version="1.0" encoding="utf-8"?>
+<file path=ppt/slides/slide82.xml><?xml version="1.0" encoding="utf-8"?>
 <p:sld xmlns:a="http://schemas.openxmlformats.org/drawingml/2006/main" xmlns:r="http://schemas.openxmlformats.org/officeDocument/2006/relationships" xmlns:p="http://schemas.openxmlformats.org/presentationml/2006/main">
   <p:cSld>
     <p:spTree>
@@ -13691,7 +14912,7 @@
 </p:sld>
 </file>
 
-<file path=ppt/slides/slide82.xml><?xml version="1.0" encoding="utf-8"?>
+<file path=ppt/slides/slide83.xml><?xml version="1.0" encoding="utf-8"?>
 <p:sld xmlns:a="http://schemas.openxmlformats.org/drawingml/2006/main" xmlns:r="http://schemas.openxmlformats.org/officeDocument/2006/relationships" xmlns:p="http://schemas.openxmlformats.org/presentationml/2006/main">
   <p:cSld>
     <p:spTree>
@@ -13721,7 +14942,7 @@
 </p:sld>
 </file>
 
-<file path=ppt/slides/slide83.xml><?xml version="1.0" encoding="utf-8"?>
+<file path=ppt/slides/slide84.xml><?xml version="1.0" encoding="utf-8"?>
 <p:sld xmlns:a="http://schemas.openxmlformats.org/drawingml/2006/main" xmlns:r="http://schemas.openxmlformats.org/officeDocument/2006/relationships" xmlns:p="http://schemas.openxmlformats.org/presentationml/2006/main">
   <p:cSld>
     <p:spTree>
@@ -13751,7 +14972,7 @@
 </p:sld>
 </file>
 
-<file path=ppt/slides/slide84.xml><?xml version="1.0" encoding="utf-8"?>
+<file path=ppt/slides/slide85.xml><?xml version="1.0" encoding="utf-8"?>
 <p:sld xmlns:a="http://schemas.openxmlformats.org/drawingml/2006/main" xmlns:r="http://schemas.openxmlformats.org/officeDocument/2006/relationships" xmlns:p="http://schemas.openxmlformats.org/presentationml/2006/main">
   <p:cSld>
     <p:spTree>
@@ -13781,7 +15002,7 @@
 </p:sld>
 </file>
 
-<file path=ppt/slides/slide85.xml><?xml version="1.0" encoding="utf-8"?>
+<file path=ppt/slides/slide86.xml><?xml version="1.0" encoding="utf-8"?>
 <p:sld xmlns:a="http://schemas.openxmlformats.org/drawingml/2006/main" xmlns:r="http://schemas.openxmlformats.org/officeDocument/2006/relationships" xmlns:p="http://schemas.openxmlformats.org/presentationml/2006/main">
   <p:cSld>
     <p:spTree>
@@ -13811,7 +15032,7 @@
 </p:sld>
 </file>
 
-<file path=ppt/slides/slide86.xml><?xml version="1.0" encoding="utf-8"?>
+<file path=ppt/slides/slide87.xml><?xml version="1.0" encoding="utf-8"?>
 <p:sld xmlns:a="http://schemas.openxmlformats.org/drawingml/2006/main" xmlns:r="http://schemas.openxmlformats.org/officeDocument/2006/relationships" xmlns:p="http://schemas.openxmlformats.org/presentationml/2006/main">
   <p:cSld>
     <p:spTree>
@@ -13863,7 +15084,7 @@
           <p:cNvPr id="3" name="Imagen 2">
             <a:extLst>
               <a:ext uri="{FF2B5EF4-FFF2-40B4-BE49-F238E27FC236}">
-                <a16:creationId xmlns:a16="http://schemas.microsoft.com/office/drawing/2014/main" id="{7AB0556B-3898-DE53-A8A8-CD4F757112E7}"/>
+                <a16:creationId xmlns:a16="http://schemas.microsoft.com/office/drawing/2014/main" id="{049319A6-3E2C-32C6-1BAF-12FB44DD12D1}"/>
               </a:ext>
             </a:extLst>
           </p:cNvPr>
@@ -13880,58 +15101,18 @@
         </p:blipFill>
         <p:spPr>
           <a:xfrm>
-            <a:off x="1594809" y="532996"/>
-            <a:ext cx="9002381" cy="5792008"/>
+            <a:off x="1058357" y="627710"/>
+            <a:ext cx="8640381" cy="5068007"/>
           </a:xfrm>
           <a:prstGeom prst="rect">
             <a:avLst/>
           </a:prstGeom>
         </p:spPr>
       </p:pic>
-      <p:sp>
-        <p:nvSpPr>
-          <p:cNvPr id="4" name="CuadroTexto 3">
-            <a:extLst>
-              <a:ext uri="{FF2B5EF4-FFF2-40B4-BE49-F238E27FC236}">
-                <a16:creationId xmlns:a16="http://schemas.microsoft.com/office/drawing/2014/main" id="{E5247BEE-5E80-18BD-B047-A9FB041708F9}"/>
-              </a:ext>
-            </a:extLst>
-          </p:cNvPr>
-          <p:cNvSpPr txBox="1"/>
-          <p:nvPr/>
-        </p:nvSpPr>
-        <p:spPr>
-          <a:xfrm>
-            <a:off x="2335236" y="1097280"/>
-            <a:ext cx="4698610" cy="369332"/>
-          </a:xfrm>
-          <a:prstGeom prst="rect">
-            <a:avLst/>
-          </a:prstGeom>
-          <a:noFill/>
-        </p:spPr>
-        <p:txBody>
-          <a:bodyPr wrap="square" rtlCol="0">
-            <a:spAutoFit/>
-          </a:bodyPr>
-          <a:lstStyle/>
-          <a:p>
-            <a:r>
-              <a:rPr lang="es-ES" dirty="0" err="1"/>
-              <a:t>Asi</a:t>
-            </a:r>
-            <a:r>
-              <a:rPr lang="es-ES" dirty="0"/>
-              <a:t> hasta llegar al nivel 5</a:t>
-            </a:r>
-            <a:endParaRPr lang="es-GT" dirty="0"/>
-          </a:p>
-        </p:txBody>
-      </p:sp>
     </p:spTree>
     <p:extLst>
       <p:ext uri="{BB962C8B-B14F-4D97-AF65-F5344CB8AC3E}">
-        <p14:creationId xmlns:p14="http://schemas.microsoft.com/office/powerpoint/2010/main" val="789541050"/>
+        <p14:creationId xmlns:p14="http://schemas.microsoft.com/office/powerpoint/2010/main" val="3072803109"/>
       </p:ext>
     </p:extLst>
   </p:cSld>
